--- a/Presentazione progetto rtes.pptx
+++ b/Presentazione progetto rtes.pptx
@@ -1,23 +1,30 @@
 
 <file path=ppt/presentation.xml><?xml version="1.0" encoding="utf-8"?>
-<p:presentation xmlns:a="http://schemas.openxmlformats.org/drawingml/2006/main" xmlns:r="http://schemas.openxmlformats.org/officeDocument/2006/relationships" xmlns:p="http://schemas.openxmlformats.org/presentationml/2006/main" autoCompressPictures="0">
+<p:presentation xmlns:a="http://schemas.openxmlformats.org/drawingml/2006/main" xmlns:r="http://schemas.openxmlformats.org/officeDocument/2006/relationships" xmlns:p="http://schemas.openxmlformats.org/presentationml/2006/main" firstSlideNum="0" autoCompressPictures="0">
   <p:sldMasterIdLst>
     <p:sldMasterId id="2147483684" r:id="rId1"/>
   </p:sldMasterIdLst>
+  <p:notesMasterIdLst>
+    <p:notesMasterId r:id="rId19"/>
+  </p:notesMasterIdLst>
   <p:sldIdLst>
     <p:sldId id="256" r:id="rId2"/>
     <p:sldId id="257" r:id="rId3"/>
-    <p:sldId id="258" r:id="rId4"/>
-    <p:sldId id="259" r:id="rId5"/>
-    <p:sldId id="260" r:id="rId6"/>
-    <p:sldId id="261" r:id="rId7"/>
-    <p:sldId id="262" r:id="rId8"/>
-    <p:sldId id="263" r:id="rId9"/>
-    <p:sldId id="264" r:id="rId10"/>
-    <p:sldId id="265" r:id="rId11"/>
+    <p:sldId id="272" r:id="rId4"/>
+    <p:sldId id="258" r:id="rId5"/>
+    <p:sldId id="259" r:id="rId6"/>
+    <p:sldId id="260" r:id="rId7"/>
+    <p:sldId id="261" r:id="rId8"/>
+    <p:sldId id="262" r:id="rId9"/>
+    <p:sldId id="273" r:id="rId10"/>
+    <p:sldId id="269" r:id="rId11"/>
     <p:sldId id="266" r:id="rId12"/>
-    <p:sldId id="267" r:id="rId13"/>
-    <p:sldId id="268" r:id="rId14"/>
+    <p:sldId id="270" r:id="rId13"/>
+    <p:sldId id="263" r:id="rId14"/>
+    <p:sldId id="274" r:id="rId15"/>
+    <p:sldId id="277" r:id="rId16"/>
+    <p:sldId id="276" r:id="rId17"/>
+    <p:sldId id="271" r:id="rId18"/>
   </p:sldIdLst>
   <p:sldSz cx="12192000" cy="6858000"/>
   <p:notesSz cx="6858000" cy="9144000"/>
@@ -124,6 +131,1769 @@
 </p:presentation>
 </file>
 
+<file path=ppt/charts/chart1.xml><?xml version="1.0" encoding="utf-8"?>
+<c:chartSpace xmlns:c="http://schemas.openxmlformats.org/drawingml/2006/chart" xmlns:a="http://schemas.openxmlformats.org/drawingml/2006/main" xmlns:r="http://schemas.openxmlformats.org/officeDocument/2006/relationships" xmlns:c16r2="http://schemas.microsoft.com/office/drawing/2015/06/chart">
+  <c:date1904 val="0"/>
+  <c:lang val="it-IT"/>
+  <c:roundedCorners val="0"/>
+  <mc:AlternateContent xmlns:mc="http://schemas.openxmlformats.org/markup-compatibility/2006">
+    <mc:Choice xmlns:c14="http://schemas.microsoft.com/office/drawing/2007/8/2/chart" Requires="c14">
+      <c14:style val="102"/>
+    </mc:Choice>
+    <mc:Fallback>
+      <c:style val="2"/>
+    </mc:Fallback>
+  </mc:AlternateContent>
+  <c:chart>
+    <c:autoTitleDeleted val="1"/>
+    <c:plotArea>
+      <c:layout/>
+      <c:barChart>
+        <c:barDir val="col"/>
+        <c:grouping val="clustered"/>
+        <c:varyColors val="0"/>
+        <c:ser>
+          <c:idx val="0"/>
+          <c:order val="0"/>
+          <c:tx>
+            <c:strRef>
+              <c:f>Foglio1!$B$1</c:f>
+              <c:strCache>
+                <c:ptCount val="1"/>
+                <c:pt idx="0">
+                  <c:v>Push</c:v>
+                </c:pt>
+              </c:strCache>
+            </c:strRef>
+          </c:tx>
+          <c:spPr>
+            <a:pattFill prst="narHorz">
+              <a:fgClr>
+                <a:schemeClr val="accent1"/>
+              </a:fgClr>
+              <a:bgClr>
+                <a:schemeClr val="accent1">
+                  <a:lumMod val="20000"/>
+                  <a:lumOff val="80000"/>
+                </a:schemeClr>
+              </a:bgClr>
+            </a:pattFill>
+            <a:ln>
+              <a:noFill/>
+            </a:ln>
+            <a:effectLst>
+              <a:innerShdw blurRad="114300">
+                <a:schemeClr val="accent1"/>
+              </a:innerShdw>
+            </a:effectLst>
+          </c:spPr>
+          <c:invertIfNegative val="0"/>
+          <c:dLbls>
+            <c:dLbl>
+              <c:idx val="0"/>
+              <c:layout>
+                <c:manualLayout>
+                  <c:x val="-3.9682539682539802E-3"/>
+                  <c:y val="-1.0804050784135803E-16"/>
+                </c:manualLayout>
+              </c:layout>
+              <c:showLegendKey val="0"/>
+              <c:showVal val="1"/>
+              <c:showCatName val="0"/>
+              <c:showSerName val="0"/>
+              <c:showPercent val="0"/>
+              <c:showBubbleSize val="0"/>
+              <c:extLst>
+                <c:ext xmlns:c15="http://schemas.microsoft.com/office/drawing/2012/chart" uri="{CE6537A1-D6FC-4f65-9D91-7224C49458BB}"/>
+                <c:ext xmlns:c16="http://schemas.microsoft.com/office/drawing/2014/chart" uri="{C3380CC4-5D6E-409C-BE32-E72D297353CC}">
+                  <c16:uniqueId val="{00000007-EB27-A148-AB8E-C1ADCAD3CA14}"/>
+                </c:ext>
+              </c:extLst>
+            </c:dLbl>
+            <c:dLbl>
+              <c:idx val="2"/>
+              <c:layout>
+                <c:manualLayout>
+                  <c:x val="-1.1904761904761904E-2"/>
+                  <c:y val="0"/>
+                </c:manualLayout>
+              </c:layout>
+              <c:showLegendKey val="0"/>
+              <c:showVal val="1"/>
+              <c:showCatName val="0"/>
+              <c:showSerName val="0"/>
+              <c:showPercent val="0"/>
+              <c:showBubbleSize val="0"/>
+              <c:extLst>
+                <c:ext xmlns:c15="http://schemas.microsoft.com/office/drawing/2012/chart" uri="{CE6537A1-D6FC-4f65-9D91-7224C49458BB}"/>
+                <c:ext xmlns:c16="http://schemas.microsoft.com/office/drawing/2014/chart" uri="{C3380CC4-5D6E-409C-BE32-E72D297353CC}">
+                  <c16:uniqueId val="{00000008-EB27-A148-AB8E-C1ADCAD3CA14}"/>
+                </c:ext>
+              </c:extLst>
+            </c:dLbl>
+            <c:numFmt formatCode="0.0E+00" sourceLinked="0"/>
+            <c:spPr>
+              <a:noFill/>
+              <a:ln>
+                <a:noFill/>
+              </a:ln>
+              <a:effectLst/>
+            </c:spPr>
+            <c:txPr>
+              <a:bodyPr rot="0" spcFirstLastPara="1" vertOverflow="ellipsis" vert="horz" wrap="square" lIns="38100" tIns="19050" rIns="38100" bIns="19050" anchor="ctr" anchorCtr="1">
+                <a:spAutoFit/>
+              </a:bodyPr>
+              <a:lstStyle/>
+              <a:p>
+                <a:pPr>
+                  <a:defRPr sz="1197" b="0" i="0" u="none" strike="noStrike" kern="1200" baseline="0">
+                    <a:solidFill>
+                      <a:schemeClr val="tx1">
+                        <a:lumMod val="75000"/>
+                        <a:lumOff val="25000"/>
+                      </a:schemeClr>
+                    </a:solidFill>
+                    <a:latin typeface="+mn-lt"/>
+                    <a:ea typeface="+mn-ea"/>
+                    <a:cs typeface="+mn-cs"/>
+                  </a:defRPr>
+                </a:pPr>
+                <a:endParaRPr lang="it-IT"/>
+              </a:p>
+            </c:txPr>
+            <c:showLegendKey val="0"/>
+            <c:showVal val="1"/>
+            <c:showCatName val="0"/>
+            <c:showSerName val="0"/>
+            <c:showPercent val="0"/>
+            <c:showBubbleSize val="0"/>
+            <c:showLeaderLines val="0"/>
+            <c:extLst>
+              <c:ext xmlns:c15="http://schemas.microsoft.com/office/drawing/2012/chart" uri="{CE6537A1-D6FC-4f65-9D91-7224C49458BB}">
+                <c15:showLeaderLines val="1"/>
+                <c15:leaderLines>
+                  <c:spPr>
+                    <a:ln w="9525">
+                      <a:solidFill>
+                        <a:schemeClr val="tx1">
+                          <a:lumMod val="35000"/>
+                          <a:lumOff val="65000"/>
+                        </a:schemeClr>
+                      </a:solidFill>
+                    </a:ln>
+                    <a:effectLst/>
+                  </c:spPr>
+                </c15:leaderLines>
+              </c:ext>
+            </c:extLst>
+          </c:dLbls>
+          <c:cat>
+            <c:numRef>
+              <c:f>Foglio1!$A$2:$A$8</c:f>
+              <c:numCache>
+                <c:formatCode>General</c:formatCode>
+                <c:ptCount val="7"/>
+                <c:pt idx="0">
+                  <c:v>1</c:v>
+                </c:pt>
+                <c:pt idx="1">
+                  <c:v>2</c:v>
+                </c:pt>
+                <c:pt idx="2">
+                  <c:v>3</c:v>
+                </c:pt>
+                <c:pt idx="3">
+                  <c:v>4</c:v>
+                </c:pt>
+                <c:pt idx="4">
+                  <c:v>5</c:v>
+                </c:pt>
+                <c:pt idx="5">
+                  <c:v>6</c:v>
+                </c:pt>
+                <c:pt idx="6">
+                  <c:v>7</c:v>
+                </c:pt>
+              </c:numCache>
+            </c:numRef>
+          </c:cat>
+          <c:val>
+            <c:numRef>
+              <c:f>Foglio1!$B$2:$B$8</c:f>
+              <c:numCache>
+                <c:formatCode>0.00E+00</c:formatCode>
+                <c:ptCount val="7"/>
+                <c:pt idx="0">
+                  <c:v>0.18100000000000002</c:v>
+                </c:pt>
+                <c:pt idx="1">
+                  <c:v>0.45000000000000007</c:v>
+                </c:pt>
+                <c:pt idx="2">
+                  <c:v>0.1986</c:v>
+                </c:pt>
+                <c:pt idx="3">
+                  <c:v>0.42579999999999996</c:v>
+                </c:pt>
+                <c:pt idx="4">
+                  <c:v>0.42599999999999999</c:v>
+                </c:pt>
+                <c:pt idx="5">
+                  <c:v>0.25319999999999998</c:v>
+                </c:pt>
+                <c:pt idx="6">
+                  <c:v>0.20740000000000003</c:v>
+                </c:pt>
+              </c:numCache>
+            </c:numRef>
+          </c:val>
+          <c:extLst>
+            <c:ext xmlns:c16="http://schemas.microsoft.com/office/drawing/2014/chart" uri="{C3380CC4-5D6E-409C-BE32-E72D297353CC}">
+              <c16:uniqueId val="{00000000-EB27-A148-AB8E-C1ADCAD3CA14}"/>
+            </c:ext>
+          </c:extLst>
+        </c:ser>
+        <c:ser>
+          <c:idx val="1"/>
+          <c:order val="1"/>
+          <c:tx>
+            <c:strRef>
+              <c:f>Foglio1!$C$1</c:f>
+              <c:strCache>
+                <c:ptCount val="1"/>
+                <c:pt idx="0">
+                  <c:v>Pop</c:v>
+                </c:pt>
+              </c:strCache>
+            </c:strRef>
+          </c:tx>
+          <c:spPr>
+            <a:pattFill prst="narHorz">
+              <a:fgClr>
+                <a:schemeClr val="accent2"/>
+              </a:fgClr>
+              <a:bgClr>
+                <a:schemeClr val="accent2">
+                  <a:lumMod val="20000"/>
+                  <a:lumOff val="80000"/>
+                </a:schemeClr>
+              </a:bgClr>
+            </a:pattFill>
+            <a:ln>
+              <a:noFill/>
+            </a:ln>
+            <a:effectLst>
+              <a:innerShdw blurRad="114300">
+                <a:schemeClr val="accent2"/>
+              </a:innerShdw>
+            </a:effectLst>
+          </c:spPr>
+          <c:invertIfNegative val="0"/>
+          <c:dLbls>
+            <c:dLbl>
+              <c:idx val="0"/>
+              <c:layout>
+                <c:manualLayout>
+                  <c:x val="1.3227513227513227E-2"/>
+                  <c:y val="2.9465933436687301E-3"/>
+                </c:manualLayout>
+              </c:layout>
+              <c:showLegendKey val="0"/>
+              <c:showVal val="1"/>
+              <c:showCatName val="0"/>
+              <c:showSerName val="0"/>
+              <c:showPercent val="0"/>
+              <c:showBubbleSize val="0"/>
+              <c:extLst>
+                <c:ext xmlns:c15="http://schemas.microsoft.com/office/drawing/2012/chart" uri="{CE6537A1-D6FC-4f65-9D91-7224C49458BB}"/>
+                <c:ext xmlns:c16="http://schemas.microsoft.com/office/drawing/2014/chart" uri="{C3380CC4-5D6E-409C-BE32-E72D297353CC}">
+                  <c16:uniqueId val="{00000006-EB27-A148-AB8E-C1ADCAD3CA14}"/>
+                </c:ext>
+              </c:extLst>
+            </c:dLbl>
+            <c:dLbl>
+              <c:idx val="1"/>
+              <c:layout>
+                <c:manualLayout>
+                  <c:x val="7.9365079365079361E-3"/>
+                  <c:y val="0"/>
+                </c:manualLayout>
+              </c:layout>
+              <c:showLegendKey val="0"/>
+              <c:showVal val="1"/>
+              <c:showCatName val="0"/>
+              <c:showSerName val="0"/>
+              <c:showPercent val="0"/>
+              <c:showBubbleSize val="0"/>
+              <c:extLst>
+                <c:ext xmlns:c15="http://schemas.microsoft.com/office/drawing/2012/chart" uri="{CE6537A1-D6FC-4f65-9D91-7224C49458BB}"/>
+                <c:ext xmlns:c16="http://schemas.microsoft.com/office/drawing/2014/chart" uri="{C3380CC4-5D6E-409C-BE32-E72D297353CC}">
+                  <c16:uniqueId val="{00000005-EB27-A148-AB8E-C1ADCAD3CA14}"/>
+                </c:ext>
+              </c:extLst>
+            </c:dLbl>
+            <c:dLbl>
+              <c:idx val="2"/>
+              <c:layout>
+                <c:manualLayout>
+                  <c:x val="1.3227513227513178E-2"/>
+                  <c:y val="5.8931866873376763E-3"/>
+                </c:manualLayout>
+              </c:layout>
+              <c:showLegendKey val="0"/>
+              <c:showVal val="1"/>
+              <c:showCatName val="0"/>
+              <c:showSerName val="0"/>
+              <c:showPercent val="0"/>
+              <c:showBubbleSize val="0"/>
+              <c:extLst>
+                <c:ext xmlns:c15="http://schemas.microsoft.com/office/drawing/2012/chart" uri="{CE6537A1-D6FC-4f65-9D91-7224C49458BB}"/>
+                <c:ext xmlns:c16="http://schemas.microsoft.com/office/drawing/2014/chart" uri="{C3380CC4-5D6E-409C-BE32-E72D297353CC}">
+                  <c16:uniqueId val="{00000009-EB27-A148-AB8E-C1ADCAD3CA14}"/>
+                </c:ext>
+              </c:extLst>
+            </c:dLbl>
+            <c:dLbl>
+              <c:idx val="3"/>
+              <c:layout>
+                <c:manualLayout>
+                  <c:x val="5.2910052910051944E-3"/>
+                  <c:y val="8.8397800310065153E-3"/>
+                </c:manualLayout>
+              </c:layout>
+              <c:showLegendKey val="0"/>
+              <c:showVal val="1"/>
+              <c:showCatName val="0"/>
+              <c:showSerName val="0"/>
+              <c:showPercent val="0"/>
+              <c:showBubbleSize val="0"/>
+              <c:extLst>
+                <c:ext xmlns:c15="http://schemas.microsoft.com/office/drawing/2012/chart" uri="{CE6537A1-D6FC-4f65-9D91-7224C49458BB}"/>
+                <c:ext xmlns:c16="http://schemas.microsoft.com/office/drawing/2014/chart" uri="{C3380CC4-5D6E-409C-BE32-E72D297353CC}">
+                  <c16:uniqueId val="{0000000A-EB27-A148-AB8E-C1ADCAD3CA14}"/>
+                </c:ext>
+              </c:extLst>
+            </c:dLbl>
+            <c:dLbl>
+              <c:idx val="4"/>
+              <c:layout>
+                <c:manualLayout>
+                  <c:x val="7.9365079365079361E-3"/>
+                  <c:y val="-2.9465933436688381E-3"/>
+                </c:manualLayout>
+              </c:layout>
+              <c:showLegendKey val="0"/>
+              <c:showVal val="1"/>
+              <c:showCatName val="0"/>
+              <c:showSerName val="0"/>
+              <c:showPercent val="0"/>
+              <c:showBubbleSize val="0"/>
+              <c:extLst>
+                <c:ext xmlns:c15="http://schemas.microsoft.com/office/drawing/2012/chart" uri="{CE6537A1-D6FC-4f65-9D91-7224C49458BB}"/>
+                <c:ext xmlns:c16="http://schemas.microsoft.com/office/drawing/2014/chart" uri="{C3380CC4-5D6E-409C-BE32-E72D297353CC}">
+                  <c16:uniqueId val="{0000000B-EB27-A148-AB8E-C1ADCAD3CA14}"/>
+                </c:ext>
+              </c:extLst>
+            </c:dLbl>
+            <c:dLbl>
+              <c:idx val="5"/>
+              <c:layout>
+                <c:manualLayout>
+                  <c:x val="1.1904761904761904E-2"/>
+                  <c:y val="8.839780031006406E-3"/>
+                </c:manualLayout>
+              </c:layout>
+              <c:showLegendKey val="0"/>
+              <c:showVal val="1"/>
+              <c:showCatName val="0"/>
+              <c:showSerName val="0"/>
+              <c:showPercent val="0"/>
+              <c:showBubbleSize val="0"/>
+              <c:extLst>
+                <c:ext xmlns:c15="http://schemas.microsoft.com/office/drawing/2012/chart" uri="{CE6537A1-D6FC-4f65-9D91-7224C49458BB}"/>
+                <c:ext xmlns:c16="http://schemas.microsoft.com/office/drawing/2014/chart" uri="{C3380CC4-5D6E-409C-BE32-E72D297353CC}">
+                  <c16:uniqueId val="{0000000C-EB27-A148-AB8E-C1ADCAD3CA14}"/>
+                </c:ext>
+              </c:extLst>
+            </c:dLbl>
+            <c:dLbl>
+              <c:idx val="6"/>
+              <c:layout>
+                <c:manualLayout>
+                  <c:x val="6.6137566137566134E-3"/>
+                  <c:y val="5.8931866873376763E-3"/>
+                </c:manualLayout>
+              </c:layout>
+              <c:showLegendKey val="0"/>
+              <c:showVal val="1"/>
+              <c:showCatName val="0"/>
+              <c:showSerName val="0"/>
+              <c:showPercent val="0"/>
+              <c:showBubbleSize val="0"/>
+              <c:extLst>
+                <c:ext xmlns:c15="http://schemas.microsoft.com/office/drawing/2012/chart" uri="{CE6537A1-D6FC-4f65-9D91-7224C49458BB}"/>
+                <c:ext xmlns:c16="http://schemas.microsoft.com/office/drawing/2014/chart" uri="{C3380CC4-5D6E-409C-BE32-E72D297353CC}">
+                  <c16:uniqueId val="{0000000D-EB27-A148-AB8E-C1ADCAD3CA14}"/>
+                </c:ext>
+              </c:extLst>
+            </c:dLbl>
+            <c:numFmt formatCode="0.0E+00" sourceLinked="0"/>
+            <c:spPr>
+              <a:noFill/>
+              <a:ln>
+                <a:noFill/>
+              </a:ln>
+              <a:effectLst/>
+            </c:spPr>
+            <c:txPr>
+              <a:bodyPr rot="0" spcFirstLastPara="1" vertOverflow="ellipsis" vert="horz" wrap="square" lIns="38100" tIns="19050" rIns="38100" bIns="19050" anchor="ctr" anchorCtr="1">
+                <a:spAutoFit/>
+              </a:bodyPr>
+              <a:lstStyle/>
+              <a:p>
+                <a:pPr>
+                  <a:defRPr sz="1197" b="0" i="0" u="none" strike="noStrike" kern="1200" baseline="0">
+                    <a:solidFill>
+                      <a:schemeClr val="tx1">
+                        <a:lumMod val="75000"/>
+                        <a:lumOff val="25000"/>
+                      </a:schemeClr>
+                    </a:solidFill>
+                    <a:latin typeface="+mn-lt"/>
+                    <a:ea typeface="+mn-ea"/>
+                    <a:cs typeface="+mn-cs"/>
+                  </a:defRPr>
+                </a:pPr>
+                <a:endParaRPr lang="it-IT"/>
+              </a:p>
+            </c:txPr>
+            <c:showLegendKey val="0"/>
+            <c:showVal val="1"/>
+            <c:showCatName val="0"/>
+            <c:showSerName val="0"/>
+            <c:showPercent val="0"/>
+            <c:showBubbleSize val="0"/>
+            <c:showLeaderLines val="0"/>
+            <c:extLst>
+              <c:ext xmlns:c15="http://schemas.microsoft.com/office/drawing/2012/chart" uri="{CE6537A1-D6FC-4f65-9D91-7224C49458BB}">
+                <c15:showLeaderLines val="1"/>
+                <c15:leaderLines>
+                  <c:spPr>
+                    <a:ln w="9525">
+                      <a:solidFill>
+                        <a:schemeClr val="tx1">
+                          <a:lumMod val="35000"/>
+                          <a:lumOff val="65000"/>
+                        </a:schemeClr>
+                      </a:solidFill>
+                    </a:ln>
+                    <a:effectLst/>
+                  </c:spPr>
+                </c15:leaderLines>
+              </c:ext>
+            </c:extLst>
+          </c:dLbls>
+          <c:cat>
+            <c:numRef>
+              <c:f>Foglio1!$A$2:$A$8</c:f>
+              <c:numCache>
+                <c:formatCode>General</c:formatCode>
+                <c:ptCount val="7"/>
+                <c:pt idx="0">
+                  <c:v>1</c:v>
+                </c:pt>
+                <c:pt idx="1">
+                  <c:v>2</c:v>
+                </c:pt>
+                <c:pt idx="2">
+                  <c:v>3</c:v>
+                </c:pt>
+                <c:pt idx="3">
+                  <c:v>4</c:v>
+                </c:pt>
+                <c:pt idx="4">
+                  <c:v>5</c:v>
+                </c:pt>
+                <c:pt idx="5">
+                  <c:v>6</c:v>
+                </c:pt>
+                <c:pt idx="6">
+                  <c:v>7</c:v>
+                </c:pt>
+              </c:numCache>
+            </c:numRef>
+          </c:cat>
+          <c:val>
+            <c:numRef>
+              <c:f>Foglio1!$C$2:$C$8</c:f>
+              <c:numCache>
+                <c:formatCode>0.00E+00</c:formatCode>
+                <c:ptCount val="7"/>
+                <c:pt idx="0">
+                  <c:v>0.20019999999999999</c:v>
+                </c:pt>
+                <c:pt idx="1">
+                  <c:v>0.1986</c:v>
+                </c:pt>
+                <c:pt idx="2">
+                  <c:v>0.20859999999999998</c:v>
+                </c:pt>
+                <c:pt idx="3">
+                  <c:v>0.25640000000000007</c:v>
+                </c:pt>
+                <c:pt idx="4">
+                  <c:v>0.19520000000000001</c:v>
+                </c:pt>
+                <c:pt idx="5">
+                  <c:v>0.16120000000000001</c:v>
+                </c:pt>
+                <c:pt idx="6">
+                  <c:v>8.9799999999999991E-2</c:v>
+                </c:pt>
+              </c:numCache>
+            </c:numRef>
+          </c:val>
+          <c:extLst>
+            <c:ext xmlns:c16="http://schemas.microsoft.com/office/drawing/2014/chart" uri="{C3380CC4-5D6E-409C-BE32-E72D297353CC}">
+              <c16:uniqueId val="{00000001-EB27-A148-AB8E-C1ADCAD3CA14}"/>
+            </c:ext>
+          </c:extLst>
+        </c:ser>
+        <c:dLbls>
+          <c:showLegendKey val="0"/>
+          <c:showVal val="1"/>
+          <c:showCatName val="0"/>
+          <c:showSerName val="0"/>
+          <c:showPercent val="0"/>
+          <c:showBubbleSize val="0"/>
+        </c:dLbls>
+        <c:gapWidth val="164"/>
+        <c:overlap val="-22"/>
+        <c:axId val="1667175280"/>
+        <c:axId val="1666553808"/>
+      </c:barChart>
+      <c:catAx>
+        <c:axId val="1667175280"/>
+        <c:scaling>
+          <c:orientation val="minMax"/>
+        </c:scaling>
+        <c:delete val="0"/>
+        <c:axPos val="b"/>
+        <c:title>
+          <c:tx>
+            <c:rich>
+              <a:bodyPr rot="0" spcFirstLastPara="1" vertOverflow="ellipsis" vert="horz" wrap="square" anchor="ctr" anchorCtr="1"/>
+              <a:lstStyle/>
+              <a:p>
+                <a:pPr>
+                  <a:defRPr sz="1197" b="1" i="0" u="none" strike="noStrike" kern="1200" baseline="0">
+                    <a:solidFill>
+                      <a:schemeClr val="tx1">
+                        <a:lumMod val="65000"/>
+                        <a:lumOff val="35000"/>
+                      </a:schemeClr>
+                    </a:solidFill>
+                    <a:latin typeface="+mn-lt"/>
+                    <a:ea typeface="+mn-ea"/>
+                    <a:cs typeface="+mn-cs"/>
+                  </a:defRPr>
+                </a:pPr>
+                <a:r>
+                  <a:rPr lang="it-IT" dirty="0">
+                    <a:solidFill>
+                      <a:schemeClr val="tx1"/>
+                    </a:solidFill>
+                  </a:rPr>
+                  <a:t>N°</a:t>
+                </a:r>
+                <a:r>
+                  <a:rPr lang="it-IT" baseline="0" dirty="0">
+                    <a:solidFill>
+                      <a:schemeClr val="tx1"/>
+                    </a:solidFill>
+                  </a:rPr>
+                  <a:t> Thread</a:t>
+                </a:r>
+                <a:endParaRPr lang="it-IT" dirty="0">
+                  <a:solidFill>
+                    <a:schemeClr val="tx1"/>
+                  </a:solidFill>
+                </a:endParaRPr>
+              </a:p>
+            </c:rich>
+          </c:tx>
+          <c:layout>
+            <c:manualLayout>
+              <c:xMode val="edge"/>
+              <c:yMode val="edge"/>
+              <c:x val="0.88568887222430515"/>
+              <c:y val="0.92760220154605666"/>
+            </c:manualLayout>
+          </c:layout>
+          <c:overlay val="0"/>
+          <c:spPr>
+            <a:noFill/>
+            <a:ln>
+              <a:noFill/>
+            </a:ln>
+            <a:effectLst/>
+          </c:spPr>
+          <c:txPr>
+            <a:bodyPr rot="0" spcFirstLastPara="1" vertOverflow="ellipsis" vert="horz" wrap="square" anchor="ctr" anchorCtr="1"/>
+            <a:lstStyle/>
+            <a:p>
+              <a:pPr>
+                <a:defRPr sz="1197" b="1" i="0" u="none" strike="noStrike" kern="1200" baseline="0">
+                  <a:solidFill>
+                    <a:schemeClr val="tx1">
+                      <a:lumMod val="65000"/>
+                      <a:lumOff val="35000"/>
+                    </a:schemeClr>
+                  </a:solidFill>
+                  <a:latin typeface="+mn-lt"/>
+                  <a:ea typeface="+mn-ea"/>
+                  <a:cs typeface="+mn-cs"/>
+                </a:defRPr>
+              </a:pPr>
+              <a:endParaRPr lang="it-IT"/>
+            </a:p>
+          </c:txPr>
+        </c:title>
+        <c:numFmt formatCode="General" sourceLinked="1"/>
+        <c:majorTickMark val="none"/>
+        <c:minorTickMark val="none"/>
+        <c:tickLblPos val="nextTo"/>
+        <c:spPr>
+          <a:noFill/>
+          <a:ln w="19050" cap="flat" cmpd="sng" algn="ctr">
+            <a:solidFill>
+              <a:schemeClr val="tx1"/>
+            </a:solidFill>
+            <a:round/>
+            <a:tailEnd type="arrow"/>
+          </a:ln>
+          <a:effectLst/>
+        </c:spPr>
+        <c:txPr>
+          <a:bodyPr rot="-60000000" spcFirstLastPara="1" vertOverflow="ellipsis" vert="horz" wrap="square" anchor="ctr" anchorCtr="1"/>
+          <a:lstStyle/>
+          <a:p>
+            <a:pPr>
+              <a:defRPr sz="1197" b="0" i="0" u="none" strike="noStrike" kern="1200" baseline="0">
+                <a:solidFill>
+                  <a:schemeClr val="tx1">
+                    <a:lumMod val="65000"/>
+                    <a:lumOff val="35000"/>
+                  </a:schemeClr>
+                </a:solidFill>
+                <a:latin typeface="+mn-lt"/>
+                <a:ea typeface="+mn-ea"/>
+                <a:cs typeface="+mn-cs"/>
+              </a:defRPr>
+            </a:pPr>
+            <a:endParaRPr lang="it-IT"/>
+          </a:p>
+        </c:txPr>
+        <c:crossAx val="1666553808"/>
+        <c:crossesAt val="0"/>
+        <c:auto val="1"/>
+        <c:lblAlgn val="ctr"/>
+        <c:lblOffset val="100"/>
+        <c:noMultiLvlLbl val="0"/>
+      </c:catAx>
+      <c:valAx>
+        <c:axId val="1666553808"/>
+        <c:scaling>
+          <c:orientation val="minMax"/>
+          <c:max val="0.5"/>
+        </c:scaling>
+        <c:delete val="0"/>
+        <c:axPos val="l"/>
+        <c:title>
+          <c:tx>
+            <c:rich>
+              <a:bodyPr rot="0" spcFirstLastPara="1" vertOverflow="ellipsis" wrap="square" anchor="ctr" anchorCtr="1"/>
+              <a:lstStyle/>
+              <a:p>
+                <a:pPr>
+                  <a:defRPr sz="1197" b="1" i="0" u="none" strike="noStrike" kern="1200" baseline="0">
+                    <a:solidFill>
+                      <a:schemeClr val="tx1">
+                        <a:lumMod val="65000"/>
+                        <a:lumOff val="35000"/>
+                      </a:schemeClr>
+                    </a:solidFill>
+                    <a:latin typeface="+mn-lt"/>
+                    <a:ea typeface="+mn-ea"/>
+                    <a:cs typeface="+mn-cs"/>
+                  </a:defRPr>
+                </a:pPr>
+                <a:r>
+                  <a:rPr lang="it-IT" dirty="0" err="1"/>
+                  <a:t>ms</a:t>
+                </a:r>
+                <a:endParaRPr lang="it-IT" dirty="0"/>
+              </a:p>
+            </c:rich>
+          </c:tx>
+          <c:layout>
+            <c:manualLayout>
+              <c:xMode val="edge"/>
+              <c:yMode val="edge"/>
+              <c:x val="1.8518518518518517E-2"/>
+              <c:y val="8.8502207160825047E-2"/>
+            </c:manualLayout>
+          </c:layout>
+          <c:overlay val="0"/>
+          <c:spPr>
+            <a:noFill/>
+            <a:ln>
+              <a:noFill/>
+            </a:ln>
+            <a:effectLst/>
+          </c:spPr>
+          <c:txPr>
+            <a:bodyPr rot="0" spcFirstLastPara="1" vertOverflow="ellipsis" wrap="square" anchor="ctr" anchorCtr="1"/>
+            <a:lstStyle/>
+            <a:p>
+              <a:pPr>
+                <a:defRPr sz="1197" b="1" i="0" u="none" strike="noStrike" kern="1200" baseline="0">
+                  <a:solidFill>
+                    <a:schemeClr val="tx1">
+                      <a:lumMod val="65000"/>
+                      <a:lumOff val="35000"/>
+                    </a:schemeClr>
+                  </a:solidFill>
+                  <a:latin typeface="+mn-lt"/>
+                  <a:ea typeface="+mn-ea"/>
+                  <a:cs typeface="+mn-cs"/>
+                </a:defRPr>
+              </a:pPr>
+              <a:endParaRPr lang="it-IT"/>
+            </a:p>
+          </c:txPr>
+        </c:title>
+        <c:numFmt formatCode="General" sourceLinked="0"/>
+        <c:majorTickMark val="none"/>
+        <c:minorTickMark val="none"/>
+        <c:tickLblPos val="nextTo"/>
+        <c:spPr>
+          <a:noFill/>
+          <a:ln w="19050">
+            <a:solidFill>
+              <a:schemeClr val="tx1"/>
+            </a:solidFill>
+            <a:tailEnd type="arrow"/>
+          </a:ln>
+          <a:effectLst/>
+        </c:spPr>
+        <c:txPr>
+          <a:bodyPr rot="-60000000" spcFirstLastPara="1" vertOverflow="ellipsis" vert="horz" wrap="square" anchor="ctr" anchorCtr="1"/>
+          <a:lstStyle/>
+          <a:p>
+            <a:pPr>
+              <a:defRPr sz="1197" b="0" i="0" u="none" strike="noStrike" kern="1200" baseline="0">
+                <a:solidFill>
+                  <a:schemeClr val="tx1">
+                    <a:lumMod val="65000"/>
+                    <a:lumOff val="35000"/>
+                  </a:schemeClr>
+                </a:solidFill>
+                <a:latin typeface="+mn-lt"/>
+                <a:ea typeface="+mn-ea"/>
+                <a:cs typeface="+mn-cs"/>
+              </a:defRPr>
+            </a:pPr>
+            <a:endParaRPr lang="it-IT"/>
+          </a:p>
+        </c:txPr>
+        <c:crossAx val="1667175280"/>
+        <c:crosses val="autoZero"/>
+        <c:crossBetween val="between"/>
+        <c:majorUnit val="0.1"/>
+        <c:minorUnit val="0.05"/>
+      </c:valAx>
+      <c:spPr>
+        <a:noFill/>
+        <a:ln>
+          <a:noFill/>
+        </a:ln>
+        <a:effectLst/>
+      </c:spPr>
+    </c:plotArea>
+    <c:legend>
+      <c:legendPos val="t"/>
+      <c:overlay val="0"/>
+      <c:spPr>
+        <a:noFill/>
+        <a:ln>
+          <a:noFill/>
+        </a:ln>
+        <a:effectLst/>
+      </c:spPr>
+      <c:txPr>
+        <a:bodyPr rot="0" spcFirstLastPara="1" vertOverflow="ellipsis" vert="horz" wrap="square" anchor="ctr" anchorCtr="1"/>
+        <a:lstStyle/>
+        <a:p>
+          <a:pPr>
+            <a:defRPr sz="1197" b="0" i="0" u="none" strike="noStrike" kern="1200" baseline="0">
+              <a:solidFill>
+                <a:schemeClr val="tx1">
+                  <a:lumMod val="65000"/>
+                  <a:lumOff val="35000"/>
+                </a:schemeClr>
+              </a:solidFill>
+              <a:latin typeface="+mn-lt"/>
+              <a:ea typeface="+mn-ea"/>
+              <a:cs typeface="+mn-cs"/>
+            </a:defRPr>
+          </a:pPr>
+          <a:endParaRPr lang="it-IT"/>
+        </a:p>
+      </c:txPr>
+    </c:legend>
+    <c:plotVisOnly val="1"/>
+    <c:dispBlanksAs val="gap"/>
+    <c:extLst>
+      <c:ext xmlns:c16r3="http://schemas.microsoft.com/office/drawing/2017/03/chart" uri="{56B9EC1D-385E-4148-901F-78D8002777C0}">
+        <c16r3:dataDisplayOptions16>
+          <c16r3:dispNaAsBlank val="1"/>
+        </c16r3:dataDisplayOptions16>
+      </c:ext>
+    </c:extLst>
+    <c:showDLblsOverMax val="0"/>
+  </c:chart>
+  <c:spPr>
+    <a:noFill/>
+    <a:ln>
+      <a:noFill/>
+    </a:ln>
+    <a:effectLst/>
+  </c:spPr>
+  <c:txPr>
+    <a:bodyPr/>
+    <a:lstStyle/>
+    <a:p>
+      <a:pPr>
+        <a:defRPr/>
+      </a:pPr>
+      <a:endParaRPr lang="it-IT"/>
+    </a:p>
+  </c:txPr>
+  <c:externalData r:id="rId3">
+    <c:autoUpdate val="0"/>
+  </c:externalData>
+</c:chartSpace>
+</file>
+
+<file path=ppt/charts/colors1.xml><?xml version="1.0" encoding="utf-8"?>
+<cs:colorStyle xmlns:cs="http://schemas.microsoft.com/office/drawing/2012/chartStyle" xmlns:a="http://schemas.openxmlformats.org/drawingml/2006/main" meth="cycle" id="10">
+  <a:schemeClr val="accent1"/>
+  <a:schemeClr val="accent2"/>
+  <a:schemeClr val="accent3"/>
+  <a:schemeClr val="accent4"/>
+  <a:schemeClr val="accent5"/>
+  <a:schemeClr val="accent6"/>
+  <cs:variation/>
+  <cs:variation>
+    <a:lumMod val="60000"/>
+  </cs:variation>
+  <cs:variation>
+    <a:lumMod val="80000"/>
+    <a:lumOff val="20000"/>
+  </cs:variation>
+  <cs:variation>
+    <a:lumMod val="80000"/>
+  </cs:variation>
+  <cs:variation>
+    <a:lumMod val="60000"/>
+    <a:lumOff val="40000"/>
+  </cs:variation>
+  <cs:variation>
+    <a:lumMod val="50000"/>
+  </cs:variation>
+  <cs:variation>
+    <a:lumMod val="70000"/>
+    <a:lumOff val="30000"/>
+  </cs:variation>
+  <cs:variation>
+    <a:lumMod val="70000"/>
+  </cs:variation>
+  <cs:variation>
+    <a:lumMod val="50000"/>
+    <a:lumOff val="50000"/>
+  </cs:variation>
+</cs:colorStyle>
+</file>
+
+<file path=ppt/charts/style1.xml><?xml version="1.0" encoding="utf-8"?>
+<cs:chartStyle xmlns:cs="http://schemas.microsoft.com/office/drawing/2012/chartStyle" xmlns:a="http://schemas.openxmlformats.org/drawingml/2006/main" id="203">
+  <cs:axisTitle>
+    <cs:lnRef idx="0"/>
+    <cs:fillRef idx="0"/>
+    <cs:effectRef idx="0"/>
+    <cs:fontRef idx="minor">
+      <a:schemeClr val="tx1">
+        <a:lumMod val="65000"/>
+        <a:lumOff val="35000"/>
+      </a:schemeClr>
+    </cs:fontRef>
+    <cs:defRPr sz="1197" b="1" kern="1200"/>
+  </cs:axisTitle>
+  <cs:categoryAxis>
+    <cs:lnRef idx="0"/>
+    <cs:fillRef idx="0"/>
+    <cs:effectRef idx="0"/>
+    <cs:fontRef idx="minor">
+      <a:schemeClr val="tx1">
+        <a:lumMod val="65000"/>
+        <a:lumOff val="35000"/>
+      </a:schemeClr>
+    </cs:fontRef>
+    <cs:spPr>
+      <a:ln w="19050" cap="flat" cmpd="sng" algn="ctr">
+        <a:solidFill>
+          <a:schemeClr val="tx1">
+            <a:lumMod val="25000"/>
+            <a:lumOff val="75000"/>
+          </a:schemeClr>
+        </a:solidFill>
+        <a:round/>
+      </a:ln>
+    </cs:spPr>
+    <cs:defRPr sz="1197" kern="1200"/>
+  </cs:categoryAxis>
+  <cs:chartArea mods="allowNoFillOverride allowNoLineOverride">
+    <cs:lnRef idx="0"/>
+    <cs:fillRef idx="0"/>
+    <cs:effectRef idx="0"/>
+    <cs:fontRef idx="minor">
+      <a:schemeClr val="dk1"/>
+    </cs:fontRef>
+    <cs:spPr>
+      <a:solidFill>
+        <a:schemeClr val="bg1"/>
+      </a:solidFill>
+      <a:ln w="9525" cap="flat" cmpd="sng" algn="ctr">
+        <a:solidFill>
+          <a:schemeClr val="tx1">
+            <a:lumMod val="15000"/>
+            <a:lumOff val="85000"/>
+          </a:schemeClr>
+        </a:solidFill>
+        <a:round/>
+      </a:ln>
+    </cs:spPr>
+    <cs:defRPr sz="1197" kern="1200"/>
+  </cs:chartArea>
+  <cs:dataLabel>
+    <cs:lnRef idx="0"/>
+    <cs:fillRef idx="0"/>
+    <cs:effectRef idx="0"/>
+    <cs:fontRef idx="minor">
+      <a:schemeClr val="tx1">
+        <a:lumMod val="75000"/>
+        <a:lumOff val="25000"/>
+      </a:schemeClr>
+    </cs:fontRef>
+    <cs:defRPr sz="1197" kern="1200"/>
+  </cs:dataLabel>
+  <cs:dataLabelCallout>
+    <cs:lnRef idx="0"/>
+    <cs:fillRef idx="0"/>
+    <cs:effectRef idx="0"/>
+    <cs:fontRef idx="minor">
+      <a:schemeClr val="dk1">
+        <a:lumMod val="65000"/>
+        <a:lumOff val="35000"/>
+      </a:schemeClr>
+    </cs:fontRef>
+    <cs:spPr>
+      <a:solidFill>
+        <a:schemeClr val="lt1"/>
+      </a:solidFill>
+      <a:ln>
+        <a:solidFill>
+          <a:schemeClr val="dk1">
+            <a:lumMod val="25000"/>
+            <a:lumOff val="75000"/>
+          </a:schemeClr>
+        </a:solidFill>
+      </a:ln>
+    </cs:spPr>
+    <cs:defRPr sz="1197" kern="1200"/>
+    <cs:bodyPr rot="0" spcFirstLastPara="1" vertOverflow="clip" horzOverflow="clip" vert="horz" wrap="square" lIns="36576" tIns="18288" rIns="36576" bIns="18288" anchor="ctr" anchorCtr="1">
+      <a:spAutoFit/>
+    </cs:bodyPr>
+  </cs:dataLabelCallout>
+  <cs:dataPoint>
+    <cs:lnRef idx="0"/>
+    <cs:fillRef idx="0">
+      <cs:styleClr val="auto"/>
+    </cs:fillRef>
+    <cs:effectRef idx="0">
+      <cs:styleClr val="auto"/>
+    </cs:effectRef>
+    <cs:fontRef idx="minor">
+      <a:schemeClr val="dk1"/>
+    </cs:fontRef>
+    <cs:spPr>
+      <a:pattFill prst="narHorz">
+        <a:fgClr>
+          <a:schemeClr val="phClr"/>
+        </a:fgClr>
+        <a:bgClr>
+          <a:schemeClr val="phClr">
+            <a:lumMod val="20000"/>
+            <a:lumOff val="80000"/>
+          </a:schemeClr>
+        </a:bgClr>
+      </a:pattFill>
+      <a:effectLst>
+        <a:innerShdw blurRad="114300">
+          <a:schemeClr val="phClr"/>
+        </a:innerShdw>
+      </a:effectLst>
+    </cs:spPr>
+  </cs:dataPoint>
+  <cs:dataPoint3D>
+    <cs:lnRef idx="0"/>
+    <cs:fillRef idx="0">
+      <cs:styleClr val="auto"/>
+    </cs:fillRef>
+    <cs:effectRef idx="0"/>
+    <cs:fontRef idx="minor">
+      <a:schemeClr val="dk1"/>
+    </cs:fontRef>
+    <cs:spPr>
+      <a:pattFill prst="narHorz">
+        <a:fgClr>
+          <a:schemeClr val="phClr"/>
+        </a:fgClr>
+        <a:bgClr>
+          <a:schemeClr val="phClr">
+            <a:lumMod val="20000"/>
+            <a:lumOff val="80000"/>
+          </a:schemeClr>
+        </a:bgClr>
+      </a:pattFill>
+      <a:effectLst>
+        <a:innerShdw blurRad="114300">
+          <a:schemeClr val="phClr"/>
+        </a:innerShdw>
+      </a:effectLst>
+    </cs:spPr>
+  </cs:dataPoint3D>
+  <cs:dataPointLine>
+    <cs:lnRef idx="0">
+      <cs:styleClr val="auto"/>
+    </cs:lnRef>
+    <cs:fillRef idx="0"/>
+    <cs:effectRef idx="0"/>
+    <cs:fontRef idx="minor">
+      <a:schemeClr val="dk1"/>
+    </cs:fontRef>
+    <cs:spPr>
+      <a:ln w="28575" cap="rnd">
+        <a:solidFill>
+          <a:schemeClr val="phClr"/>
+        </a:solidFill>
+        <a:round/>
+      </a:ln>
+    </cs:spPr>
+  </cs:dataPointLine>
+  <cs:dataPointMarker>
+    <cs:lnRef idx="0"/>
+    <cs:fillRef idx="0">
+      <cs:styleClr val="auto"/>
+    </cs:fillRef>
+    <cs:effectRef idx="0"/>
+    <cs:fontRef idx="minor">
+      <a:schemeClr val="dk1"/>
+    </cs:fontRef>
+    <cs:spPr>
+      <a:solidFill>
+        <a:schemeClr val="phClr"/>
+      </a:solidFill>
+    </cs:spPr>
+  </cs:dataPointMarker>
+  <cs:dataPointMarkerLayout symbol="circle" size="6"/>
+  <cs:dataPointWireframe>
+    <cs:lnRef idx="0">
+      <cs:styleClr val="auto"/>
+    </cs:lnRef>
+    <cs:fillRef idx="0"/>
+    <cs:effectRef idx="0"/>
+    <cs:fontRef idx="minor">
+      <a:schemeClr val="dk1"/>
+    </cs:fontRef>
+    <cs:spPr>
+      <a:ln w="9525" cap="rnd">
+        <a:solidFill>
+          <a:schemeClr val="phClr"/>
+        </a:solidFill>
+        <a:round/>
+      </a:ln>
+    </cs:spPr>
+  </cs:dataPointWireframe>
+  <cs:dataTable>
+    <cs:lnRef idx="0"/>
+    <cs:fillRef idx="0"/>
+    <cs:effectRef idx="0"/>
+    <cs:fontRef idx="minor">
+      <a:schemeClr val="tx1">
+        <a:lumMod val="65000"/>
+        <a:lumOff val="35000"/>
+      </a:schemeClr>
+    </cs:fontRef>
+    <cs:spPr>
+      <a:ln w="9525">
+        <a:solidFill>
+          <a:schemeClr val="tx1">
+            <a:lumMod val="15000"/>
+            <a:lumOff val="85000"/>
+          </a:schemeClr>
+        </a:solidFill>
+      </a:ln>
+    </cs:spPr>
+    <cs:defRPr sz="1197" kern="1200"/>
+  </cs:dataTable>
+  <cs:downBar>
+    <cs:lnRef idx="0"/>
+    <cs:fillRef idx="0"/>
+    <cs:effectRef idx="0"/>
+    <cs:fontRef idx="minor">
+      <a:schemeClr val="dk1"/>
+    </cs:fontRef>
+    <cs:spPr>
+      <a:solidFill>
+        <a:schemeClr val="dk1">
+          <a:lumMod val="75000"/>
+          <a:lumOff val="25000"/>
+        </a:schemeClr>
+      </a:solidFill>
+      <a:ln w="9525">
+        <a:solidFill>
+          <a:schemeClr val="tx1">
+            <a:lumMod val="50000"/>
+            <a:lumOff val="50000"/>
+          </a:schemeClr>
+        </a:solidFill>
+      </a:ln>
+    </cs:spPr>
+  </cs:downBar>
+  <cs:dropLine>
+    <cs:lnRef idx="0"/>
+    <cs:fillRef idx="0"/>
+    <cs:effectRef idx="0"/>
+    <cs:fontRef idx="minor">
+      <a:schemeClr val="dk1"/>
+    </cs:fontRef>
+    <cs:spPr>
+      <a:ln w="9525">
+        <a:solidFill>
+          <a:schemeClr val="tx1">
+            <a:lumMod val="35000"/>
+            <a:lumOff val="65000"/>
+          </a:schemeClr>
+        </a:solidFill>
+        <a:round/>
+      </a:ln>
+    </cs:spPr>
+  </cs:dropLine>
+  <cs:errorBar>
+    <cs:lnRef idx="0"/>
+    <cs:fillRef idx="0"/>
+    <cs:effectRef idx="0"/>
+    <cs:fontRef idx="minor">
+      <a:schemeClr val="dk1"/>
+    </cs:fontRef>
+    <cs:spPr>
+      <a:ln w="9525">
+        <a:solidFill>
+          <a:schemeClr val="tx1">
+            <a:lumMod val="50000"/>
+            <a:lumOff val="50000"/>
+          </a:schemeClr>
+        </a:solidFill>
+        <a:round/>
+      </a:ln>
+    </cs:spPr>
+  </cs:errorBar>
+  <cs:floor>
+    <cs:lnRef idx="0"/>
+    <cs:fillRef idx="0"/>
+    <cs:effectRef idx="0"/>
+    <cs:fontRef idx="minor">
+      <a:schemeClr val="dk1"/>
+    </cs:fontRef>
+  </cs:floor>
+  <cs:gridlineMajor>
+    <cs:lnRef idx="0"/>
+    <cs:fillRef idx="0"/>
+    <cs:effectRef idx="0"/>
+    <cs:fontRef idx="minor">
+      <a:schemeClr val="dk1"/>
+    </cs:fontRef>
+    <cs:spPr>
+      <a:ln>
+        <a:solidFill>
+          <a:schemeClr val="tx1">
+            <a:lumMod val="15000"/>
+            <a:lumOff val="85000"/>
+          </a:schemeClr>
+        </a:solidFill>
+      </a:ln>
+    </cs:spPr>
+  </cs:gridlineMajor>
+  <cs:gridlineMinor>
+    <cs:lnRef idx="0"/>
+    <cs:fillRef idx="0"/>
+    <cs:effectRef idx="0"/>
+    <cs:fontRef idx="minor">
+      <a:schemeClr val="dk1"/>
+    </cs:fontRef>
+    <cs:spPr>
+      <a:ln>
+        <a:solidFill>
+          <a:schemeClr val="tx1">
+            <a:lumMod val="5000"/>
+            <a:lumOff val="95000"/>
+          </a:schemeClr>
+        </a:solidFill>
+      </a:ln>
+    </cs:spPr>
+  </cs:gridlineMinor>
+  <cs:hiLoLine>
+    <cs:lnRef idx="0"/>
+    <cs:fillRef idx="0"/>
+    <cs:effectRef idx="0"/>
+    <cs:fontRef idx="minor">
+      <a:schemeClr val="dk1"/>
+    </cs:fontRef>
+    <cs:spPr>
+      <a:ln w="9525">
+        <a:solidFill>
+          <a:schemeClr val="tx1">
+            <a:lumMod val="35000"/>
+            <a:lumOff val="65000"/>
+          </a:schemeClr>
+        </a:solidFill>
+        <a:round/>
+      </a:ln>
+    </cs:spPr>
+  </cs:hiLoLine>
+  <cs:leaderLine>
+    <cs:lnRef idx="0"/>
+    <cs:fillRef idx="0"/>
+    <cs:effectRef idx="0"/>
+    <cs:fontRef idx="minor">
+      <a:schemeClr val="dk1"/>
+    </cs:fontRef>
+    <cs:spPr>
+      <a:ln w="9525">
+        <a:solidFill>
+          <a:schemeClr val="tx1">
+            <a:lumMod val="35000"/>
+            <a:lumOff val="65000"/>
+          </a:schemeClr>
+        </a:solidFill>
+      </a:ln>
+    </cs:spPr>
+  </cs:leaderLine>
+  <cs:legend>
+    <cs:lnRef idx="0"/>
+    <cs:fillRef idx="0"/>
+    <cs:effectRef idx="0"/>
+    <cs:fontRef idx="minor">
+      <a:schemeClr val="tx1">
+        <a:lumMod val="65000"/>
+        <a:lumOff val="35000"/>
+      </a:schemeClr>
+    </cs:fontRef>
+    <cs:defRPr sz="1197" kern="1200"/>
+  </cs:legend>
+  <cs:plotArea mods="allowNoFillOverride allowNoLineOverride">
+    <cs:lnRef idx="0"/>
+    <cs:fillRef idx="0"/>
+    <cs:effectRef idx="0"/>
+    <cs:fontRef idx="minor">
+      <a:schemeClr val="dk1"/>
+    </cs:fontRef>
+  </cs:plotArea>
+  <cs:plotArea3D mods="allowNoFillOverride allowNoLineOverride">
+    <cs:lnRef idx="0"/>
+    <cs:fillRef idx="0"/>
+    <cs:effectRef idx="0"/>
+    <cs:fontRef idx="minor">
+      <a:schemeClr val="dk1"/>
+    </cs:fontRef>
+  </cs:plotArea3D>
+  <cs:seriesAxis>
+    <cs:lnRef idx="0"/>
+    <cs:fillRef idx="0"/>
+    <cs:effectRef idx="0"/>
+    <cs:fontRef idx="minor">
+      <a:schemeClr val="tx1">
+        <a:lumMod val="65000"/>
+        <a:lumOff val="35000"/>
+      </a:schemeClr>
+    </cs:fontRef>
+    <cs:defRPr sz="1197" kern="1200"/>
+  </cs:seriesAxis>
+  <cs:seriesLine>
+    <cs:lnRef idx="0"/>
+    <cs:fillRef idx="0"/>
+    <cs:effectRef idx="0"/>
+    <cs:fontRef idx="minor">
+      <a:schemeClr val="dk1"/>
+    </cs:fontRef>
+    <cs:spPr>
+      <a:ln w="9525">
+        <a:solidFill>
+          <a:schemeClr val="tx1">
+            <a:lumMod val="35000"/>
+            <a:lumOff val="65000"/>
+          </a:schemeClr>
+        </a:solidFill>
+        <a:round/>
+      </a:ln>
+    </cs:spPr>
+  </cs:seriesLine>
+  <cs:title>
+    <cs:lnRef idx="0"/>
+    <cs:fillRef idx="0"/>
+    <cs:effectRef idx="0"/>
+    <cs:fontRef idx="minor">
+      <a:schemeClr val="tx1">
+        <a:lumMod val="50000"/>
+        <a:lumOff val="50000"/>
+      </a:schemeClr>
+    </cs:fontRef>
+    <cs:defRPr sz="2200" b="1" kern="1200" cap="all" spc="150" baseline="0"/>
+  </cs:title>
+  <cs:trendline>
+    <cs:lnRef idx="0">
+      <cs:styleClr val="auto"/>
+    </cs:lnRef>
+    <cs:fillRef idx="0"/>
+    <cs:effectRef idx="0"/>
+    <cs:fontRef idx="minor">
+      <a:schemeClr val="dk1"/>
+    </cs:fontRef>
+    <cs:spPr>
+      <a:ln w="19050" cap="rnd">
+        <a:solidFill>
+          <a:schemeClr val="phClr"/>
+        </a:solidFill>
+      </a:ln>
+    </cs:spPr>
+  </cs:trendline>
+  <cs:trendlineLabel>
+    <cs:lnRef idx="0"/>
+    <cs:fillRef idx="0"/>
+    <cs:effectRef idx="0"/>
+    <cs:fontRef idx="minor">
+      <a:schemeClr val="tx1">
+        <a:lumMod val="65000"/>
+        <a:lumOff val="35000"/>
+      </a:schemeClr>
+    </cs:fontRef>
+    <cs:defRPr sz="1197" kern="1200"/>
+  </cs:trendlineLabel>
+  <cs:upBar>
+    <cs:lnRef idx="0"/>
+    <cs:fillRef idx="0"/>
+    <cs:effectRef idx="0"/>
+    <cs:fontRef idx="minor">
+      <a:schemeClr val="dk1"/>
+    </cs:fontRef>
+    <cs:spPr>
+      <a:solidFill>
+        <a:schemeClr val="lt1"/>
+      </a:solidFill>
+      <a:ln w="9525">
+        <a:solidFill>
+          <a:schemeClr val="tx1">
+            <a:lumMod val="50000"/>
+            <a:lumOff val="50000"/>
+          </a:schemeClr>
+        </a:solidFill>
+      </a:ln>
+    </cs:spPr>
+  </cs:upBar>
+  <cs:valueAxis>
+    <cs:lnRef idx="0"/>
+    <cs:fillRef idx="0"/>
+    <cs:effectRef idx="0"/>
+    <cs:fontRef idx="minor">
+      <a:schemeClr val="tx1">
+        <a:lumMod val="65000"/>
+        <a:lumOff val="35000"/>
+      </a:schemeClr>
+    </cs:fontRef>
+    <cs:defRPr sz="1197" kern="1200"/>
+  </cs:valueAxis>
+  <cs:wall>
+    <cs:lnRef idx="0"/>
+    <cs:fillRef idx="0"/>
+    <cs:effectRef idx="0"/>
+    <cs:fontRef idx="minor">
+      <a:schemeClr val="dk1"/>
+    </cs:fontRef>
+  </cs:wall>
+</cs:chartStyle>
+</file>
+
+<file path=ppt/notesMasters/notesMaster1.xml><?xml version="1.0" encoding="utf-8"?>
+<p:notesMaster xmlns:a="http://schemas.openxmlformats.org/drawingml/2006/main" xmlns:r="http://schemas.openxmlformats.org/officeDocument/2006/relationships" xmlns:p="http://schemas.openxmlformats.org/presentationml/2006/main">
+  <p:cSld>
+    <p:bg>
+      <p:bgRef idx="1001">
+        <a:schemeClr val="bg1"/>
+      </p:bgRef>
+    </p:bg>
+    <p:spTree>
+      <p:nvGrpSpPr>
+        <p:cNvPr id="1" name=""/>
+        <p:cNvGrpSpPr/>
+        <p:nvPr/>
+      </p:nvGrpSpPr>
+      <p:grpSpPr>
+        <a:xfrm>
+          <a:off x="0" y="0"/>
+          <a:ext cx="0" cy="0"/>
+          <a:chOff x="0" y="0"/>
+          <a:chExt cx="0" cy="0"/>
+        </a:xfrm>
+      </p:grpSpPr>
+      <p:sp>
+        <p:nvSpPr>
+          <p:cNvPr id="2" name="Segnaposto intestazione 1"/>
+          <p:cNvSpPr>
+            <a:spLocks noGrp="1"/>
+          </p:cNvSpPr>
+          <p:nvPr>
+            <p:ph type="hdr" sz="quarter"/>
+          </p:nvPr>
+        </p:nvSpPr>
+        <p:spPr>
+          <a:xfrm>
+            <a:off x="0" y="0"/>
+            <a:ext cx="2971800" cy="458788"/>
+          </a:xfrm>
+          <a:prstGeom prst="rect">
+            <a:avLst/>
+          </a:prstGeom>
+        </p:spPr>
+        <p:txBody>
+          <a:bodyPr vert="horz" lIns="91440" tIns="45720" rIns="91440" bIns="45720" rtlCol="0"/>
+          <a:lstStyle>
+            <a:lvl1pPr algn="l">
+              <a:defRPr sz="1200"/>
+            </a:lvl1pPr>
+          </a:lstStyle>
+          <a:p>
+            <a:endParaRPr lang="it-IT"/>
+          </a:p>
+        </p:txBody>
+      </p:sp>
+      <p:sp>
+        <p:nvSpPr>
+          <p:cNvPr id="3" name="Segnaposto data 2"/>
+          <p:cNvSpPr>
+            <a:spLocks noGrp="1"/>
+          </p:cNvSpPr>
+          <p:nvPr>
+            <p:ph type="dt" idx="1"/>
+          </p:nvPr>
+        </p:nvSpPr>
+        <p:spPr>
+          <a:xfrm>
+            <a:off x="3884613" y="0"/>
+            <a:ext cx="2971800" cy="458788"/>
+          </a:xfrm>
+          <a:prstGeom prst="rect">
+            <a:avLst/>
+          </a:prstGeom>
+        </p:spPr>
+        <p:txBody>
+          <a:bodyPr vert="horz" lIns="91440" tIns="45720" rIns="91440" bIns="45720" rtlCol="0"/>
+          <a:lstStyle>
+            <a:lvl1pPr algn="r">
+              <a:defRPr sz="1200"/>
+            </a:lvl1pPr>
+          </a:lstStyle>
+          <a:p>
+            <a:fld id="{21807D79-2D51-3242-953E-CF37BB36D48B}" type="datetimeFigureOut">
+              <a:rPr lang="it-IT" smtClean="0"/>
+              <a:t>23/11/23</a:t>
+            </a:fld>
+            <a:endParaRPr lang="it-IT"/>
+          </a:p>
+        </p:txBody>
+      </p:sp>
+      <p:sp>
+        <p:nvSpPr>
+          <p:cNvPr id="4" name="Segnaposto immagine diapositiva 3"/>
+          <p:cNvSpPr>
+            <a:spLocks noGrp="1" noRot="1" noChangeAspect="1"/>
+          </p:cNvSpPr>
+          <p:nvPr>
+            <p:ph type="sldImg" idx="2"/>
+          </p:nvPr>
+        </p:nvSpPr>
+        <p:spPr>
+          <a:xfrm>
+            <a:off x="685800" y="1143000"/>
+            <a:ext cx="5486400" cy="3086100"/>
+          </a:xfrm>
+          <a:prstGeom prst="rect">
+            <a:avLst/>
+          </a:prstGeom>
+          <a:noFill/>
+          <a:ln w="12700">
+            <a:solidFill>
+              <a:prstClr val="black"/>
+            </a:solidFill>
+          </a:ln>
+        </p:spPr>
+        <p:txBody>
+          <a:bodyPr vert="horz" lIns="91440" tIns="45720" rIns="91440" bIns="45720" rtlCol="0" anchor="ctr"/>
+          <a:lstStyle/>
+          <a:p>
+            <a:endParaRPr lang="it-IT"/>
+          </a:p>
+        </p:txBody>
+      </p:sp>
+      <p:sp>
+        <p:nvSpPr>
+          <p:cNvPr id="5" name="Segnaposto note 4"/>
+          <p:cNvSpPr>
+            <a:spLocks noGrp="1"/>
+          </p:cNvSpPr>
+          <p:nvPr>
+            <p:ph type="body" sz="quarter" idx="3"/>
+          </p:nvPr>
+        </p:nvSpPr>
+        <p:spPr>
+          <a:xfrm>
+            <a:off x="685800" y="4400550"/>
+            <a:ext cx="5486400" cy="3600450"/>
+          </a:xfrm>
+          <a:prstGeom prst="rect">
+            <a:avLst/>
+          </a:prstGeom>
+        </p:spPr>
+        <p:txBody>
+          <a:bodyPr vert="horz" lIns="91440" tIns="45720" rIns="91440" bIns="45720" rtlCol="0"/>
+          <a:lstStyle/>
+          <a:p>
+            <a:pPr lvl="0"/>
+            <a:r>
+              <a:rPr lang="it-IT"/>
+              <a:t>Fare clic per modificare gli stili del testo dello schema</a:t>
+            </a:r>
+          </a:p>
+          <a:p>
+            <a:pPr lvl="1"/>
+            <a:r>
+              <a:rPr lang="it-IT"/>
+              <a:t>Secondo livello</a:t>
+            </a:r>
+          </a:p>
+          <a:p>
+            <a:pPr lvl="2"/>
+            <a:r>
+              <a:rPr lang="it-IT"/>
+              <a:t>Terzo livello</a:t>
+            </a:r>
+          </a:p>
+          <a:p>
+            <a:pPr lvl="3"/>
+            <a:r>
+              <a:rPr lang="it-IT"/>
+              <a:t>Quarto livello</a:t>
+            </a:r>
+          </a:p>
+          <a:p>
+            <a:pPr lvl="4"/>
+            <a:r>
+              <a:rPr lang="it-IT"/>
+              <a:t>Quinto livello</a:t>
+            </a:r>
+          </a:p>
+        </p:txBody>
+      </p:sp>
+      <p:sp>
+        <p:nvSpPr>
+          <p:cNvPr id="6" name="Segnaposto piè di pagina 5"/>
+          <p:cNvSpPr>
+            <a:spLocks noGrp="1"/>
+          </p:cNvSpPr>
+          <p:nvPr>
+            <p:ph type="ftr" sz="quarter" idx="4"/>
+          </p:nvPr>
+        </p:nvSpPr>
+        <p:spPr>
+          <a:xfrm>
+            <a:off x="0" y="8685213"/>
+            <a:ext cx="2971800" cy="458787"/>
+          </a:xfrm>
+          <a:prstGeom prst="rect">
+            <a:avLst/>
+          </a:prstGeom>
+        </p:spPr>
+        <p:txBody>
+          <a:bodyPr vert="horz" lIns="91440" tIns="45720" rIns="91440" bIns="45720" rtlCol="0" anchor="b"/>
+          <a:lstStyle>
+            <a:lvl1pPr algn="l">
+              <a:defRPr sz="1200"/>
+            </a:lvl1pPr>
+          </a:lstStyle>
+          <a:p>
+            <a:endParaRPr lang="it-IT"/>
+          </a:p>
+        </p:txBody>
+      </p:sp>
+      <p:sp>
+        <p:nvSpPr>
+          <p:cNvPr id="7" name="Segnaposto numero diapositiva 6"/>
+          <p:cNvSpPr>
+            <a:spLocks noGrp="1"/>
+          </p:cNvSpPr>
+          <p:nvPr>
+            <p:ph type="sldNum" sz="quarter" idx="5"/>
+          </p:nvPr>
+        </p:nvSpPr>
+        <p:spPr>
+          <a:xfrm>
+            <a:off x="3884613" y="8685213"/>
+            <a:ext cx="2971800" cy="458787"/>
+          </a:xfrm>
+          <a:prstGeom prst="rect">
+            <a:avLst/>
+          </a:prstGeom>
+        </p:spPr>
+        <p:txBody>
+          <a:bodyPr vert="horz" lIns="91440" tIns="45720" rIns="91440" bIns="45720" rtlCol="0" anchor="b"/>
+          <a:lstStyle>
+            <a:lvl1pPr algn="r">
+              <a:defRPr sz="1200"/>
+            </a:lvl1pPr>
+          </a:lstStyle>
+          <a:p>
+            <a:fld id="{84FDD211-0BBE-124B-8664-2F38452AB045}" type="slidenum">
+              <a:rPr lang="it-IT" smtClean="0"/>
+              <a:t>‹N›</a:t>
+            </a:fld>
+            <a:endParaRPr lang="it-IT"/>
+          </a:p>
+        </p:txBody>
+      </p:sp>
+    </p:spTree>
+    <p:extLst>
+      <p:ext uri="{BB962C8B-B14F-4D97-AF65-F5344CB8AC3E}">
+        <p14:creationId xmlns:p14="http://schemas.microsoft.com/office/powerpoint/2010/main" val="2448534063"/>
+      </p:ext>
+    </p:extLst>
+  </p:cSld>
+  <p:clrMap bg1="lt1" tx1="dk1" bg2="lt2" tx2="dk2" accent1="accent1" accent2="accent2" accent3="accent3" accent4="accent4" accent5="accent5" accent6="accent6" hlink="hlink" folHlink="folHlink"/>
+  <p:notesStyle>
+    <a:lvl1pPr marL="0" algn="l" defTabSz="914400" rtl="0" eaLnBrk="1" latinLnBrk="0" hangingPunct="1">
+      <a:defRPr sz="1200" kern="1200">
+        <a:solidFill>
+          <a:schemeClr val="tx1"/>
+        </a:solidFill>
+        <a:latin typeface="+mn-lt"/>
+        <a:ea typeface="+mn-ea"/>
+        <a:cs typeface="+mn-cs"/>
+      </a:defRPr>
+    </a:lvl1pPr>
+    <a:lvl2pPr marL="457200" algn="l" defTabSz="914400" rtl="0" eaLnBrk="1" latinLnBrk="0" hangingPunct="1">
+      <a:defRPr sz="1200" kern="1200">
+        <a:solidFill>
+          <a:schemeClr val="tx1"/>
+        </a:solidFill>
+        <a:latin typeface="+mn-lt"/>
+        <a:ea typeface="+mn-ea"/>
+        <a:cs typeface="+mn-cs"/>
+      </a:defRPr>
+    </a:lvl2pPr>
+    <a:lvl3pPr marL="914400" algn="l" defTabSz="914400" rtl="0" eaLnBrk="1" latinLnBrk="0" hangingPunct="1">
+      <a:defRPr sz="1200" kern="1200">
+        <a:solidFill>
+          <a:schemeClr val="tx1"/>
+        </a:solidFill>
+        <a:latin typeface="+mn-lt"/>
+        <a:ea typeface="+mn-ea"/>
+        <a:cs typeface="+mn-cs"/>
+      </a:defRPr>
+    </a:lvl3pPr>
+    <a:lvl4pPr marL="1371600" algn="l" defTabSz="914400" rtl="0" eaLnBrk="1" latinLnBrk="0" hangingPunct="1">
+      <a:defRPr sz="1200" kern="1200">
+        <a:solidFill>
+          <a:schemeClr val="tx1"/>
+        </a:solidFill>
+        <a:latin typeface="+mn-lt"/>
+        <a:ea typeface="+mn-ea"/>
+        <a:cs typeface="+mn-cs"/>
+      </a:defRPr>
+    </a:lvl4pPr>
+    <a:lvl5pPr marL="1828800" algn="l" defTabSz="914400" rtl="0" eaLnBrk="1" latinLnBrk="0" hangingPunct="1">
+      <a:defRPr sz="1200" kern="1200">
+        <a:solidFill>
+          <a:schemeClr val="tx1"/>
+        </a:solidFill>
+        <a:latin typeface="+mn-lt"/>
+        <a:ea typeface="+mn-ea"/>
+        <a:cs typeface="+mn-cs"/>
+      </a:defRPr>
+    </a:lvl5pPr>
+    <a:lvl6pPr marL="2286000" algn="l" defTabSz="914400" rtl="0" eaLnBrk="1" latinLnBrk="0" hangingPunct="1">
+      <a:defRPr sz="1200" kern="1200">
+        <a:solidFill>
+          <a:schemeClr val="tx1"/>
+        </a:solidFill>
+        <a:latin typeface="+mn-lt"/>
+        <a:ea typeface="+mn-ea"/>
+        <a:cs typeface="+mn-cs"/>
+      </a:defRPr>
+    </a:lvl6pPr>
+    <a:lvl7pPr marL="2743200" algn="l" defTabSz="914400" rtl="0" eaLnBrk="1" latinLnBrk="0" hangingPunct="1">
+      <a:defRPr sz="1200" kern="1200">
+        <a:solidFill>
+          <a:schemeClr val="tx1"/>
+        </a:solidFill>
+        <a:latin typeface="+mn-lt"/>
+        <a:ea typeface="+mn-ea"/>
+        <a:cs typeface="+mn-cs"/>
+      </a:defRPr>
+    </a:lvl7pPr>
+    <a:lvl8pPr marL="3200400" algn="l" defTabSz="914400" rtl="0" eaLnBrk="1" latinLnBrk="0" hangingPunct="1">
+      <a:defRPr sz="1200" kern="1200">
+        <a:solidFill>
+          <a:schemeClr val="tx1"/>
+        </a:solidFill>
+        <a:latin typeface="+mn-lt"/>
+        <a:ea typeface="+mn-ea"/>
+        <a:cs typeface="+mn-cs"/>
+      </a:defRPr>
+    </a:lvl8pPr>
+    <a:lvl9pPr marL="3657600" algn="l" defTabSz="914400" rtl="0" eaLnBrk="1" latinLnBrk="0" hangingPunct="1">
+      <a:defRPr sz="1200" kern="1200">
+        <a:solidFill>
+          <a:schemeClr val="tx1"/>
+        </a:solidFill>
+        <a:latin typeface="+mn-lt"/>
+        <a:ea typeface="+mn-ea"/>
+        <a:cs typeface="+mn-cs"/>
+      </a:defRPr>
+    </a:lvl9pPr>
+  </p:notesStyle>
+</p:notesMaster>
+</file>
+
 <file path=ppt/slideLayouts/slideLayout1.xml><?xml version="1.0" encoding="utf-8"?>
 <p:sldLayout xmlns:a="http://schemas.openxmlformats.org/drawingml/2006/main" xmlns:r="http://schemas.openxmlformats.org/officeDocument/2006/relationships" xmlns:p="http://schemas.openxmlformats.org/presentationml/2006/main" showMasterSp="0" type="title" preserve="1">
   <p:cSld name="Diapositiva titolo">
@@ -291,10 +2061,9 @@
             </a:lvl1pPr>
           </a:lstStyle>
           <a:p>
-            <a:fld id="{87DE6118-2437-4B30-8E3C-4D2BE6020583}" type="datetimeFigureOut">
-              <a:rPr lang="en-US" smtClean="0"/>
-              <a:pPr/>
-              <a:t>11/20/23</a:t>
+            <a:fld id="{93390644-2D21-204A-B581-761C352473E7}" type="datetime1">
+              <a:rPr lang="it-IT" smtClean="0"/>
+              <a:t>23/11/23</a:t>
             </a:fld>
             <a:endParaRPr lang="en-US" dirty="0"/>
           </a:p>
@@ -508,6 +2277,9 @@
   <p:clrMapOvr>
     <a:overrideClrMapping bg1="lt1" tx1="dk1" bg2="lt2" tx2="dk2" accent1="accent1" accent2="accent2" accent3="accent3" accent4="accent4" accent5="accent5" accent6="accent6" hlink="hlink" folHlink="folHlink"/>
   </p:clrMapOvr>
+  <p:transition>
+    <p:fade/>
+  </p:transition>
 </p:sldLayout>
 </file>
 
@@ -623,9 +2395,9 @@
           <a:bodyPr/>
           <a:lstStyle/>
           <a:p>
-            <a:fld id="{87DE6118-2437-4B30-8E3C-4D2BE6020583}" type="datetimeFigureOut">
-              <a:rPr lang="en-US" smtClean="0"/>
-              <a:t>11/20/23</a:t>
+            <a:fld id="{F8297E00-0355-FE4D-B110-26598F51B6DD}" type="datetime1">
+              <a:rPr lang="it-IT" smtClean="0"/>
+              <a:t>23/11/23</a:t>
             </a:fld>
             <a:endParaRPr lang="en-US" dirty="0"/>
           </a:p>
@@ -683,6 +2455,9 @@
   <p:clrMapOvr>
     <a:masterClrMapping/>
   </p:clrMapOvr>
+  <p:transition>
+    <p:fade/>
+  </p:transition>
 </p:sldLayout>
 </file>
 
@@ -803,10 +2578,9 @@
           <a:bodyPr/>
           <a:lstStyle/>
           <a:p>
-            <a:fld id="{87DE6118-2437-4B30-8E3C-4D2BE6020583}" type="datetimeFigureOut">
-              <a:rPr lang="en-US" smtClean="0"/>
-              <a:pPr/>
-              <a:t>11/20/23</a:t>
+            <a:fld id="{8CA81B79-BA9A-B849-8143-082AFCABDC87}" type="datetime1">
+              <a:rPr lang="it-IT" smtClean="0"/>
+              <a:t>23/11/23</a:t>
             </a:fld>
             <a:endParaRPr lang="en-US" dirty="0"/>
           </a:p>
@@ -865,6 +2639,9 @@
   <p:clrMapOvr>
     <a:masterClrMapping/>
   </p:clrMapOvr>
+  <p:transition>
+    <p:fade/>
+  </p:transition>
 </p:sldLayout>
 </file>
 
@@ -975,9 +2752,9 @@
           <a:bodyPr/>
           <a:lstStyle/>
           <a:p>
-            <a:fld id="{87DE6118-2437-4B30-8E3C-4D2BE6020583}" type="datetimeFigureOut">
-              <a:rPr lang="en-US" smtClean="0"/>
-              <a:t>11/20/23</a:t>
+            <a:fld id="{5392623D-2DCB-174A-BC9B-3E247E7063CD}" type="datetime1">
+              <a:rPr lang="it-IT" smtClean="0"/>
+              <a:t>23/11/23</a:t>
             </a:fld>
             <a:endParaRPr lang="en-US" dirty="0"/>
           </a:p>
@@ -1035,6 +2812,9 @@
   <p:clrMapOvr>
     <a:masterClrMapping/>
   </p:clrMapOvr>
+  <p:transition>
+    <p:fade/>
+  </p:transition>
 </p:sldLayout>
 </file>
 
@@ -1252,10 +3032,9 @@
             </a:lvl1pPr>
           </a:lstStyle>
           <a:p>
-            <a:fld id="{87DE6118-2437-4B30-8E3C-4D2BE6020583}" type="datetimeFigureOut">
-              <a:rPr lang="en-US" smtClean="0"/>
-              <a:pPr/>
-              <a:t>11/20/23</a:t>
+            <a:fld id="{E067934C-83E2-D344-A233-A1EFEE0C80EC}" type="datetime1">
+              <a:rPr lang="it-IT" smtClean="0"/>
+              <a:t>23/11/23</a:t>
             </a:fld>
             <a:endParaRPr lang="en-US" dirty="0"/>
           </a:p>
@@ -1396,6 +3175,9 @@
   <p:clrMapOvr>
     <a:overrideClrMapping bg1="dk1" tx1="lt1" bg2="dk2" tx2="lt2" accent1="accent1" accent2="accent2" accent3="accent3" accent4="accent4" accent5="accent5" accent6="accent6" hlink="hlink" folHlink="folHlink"/>
   </p:clrMapOvr>
+  <p:transition>
+    <p:fade/>
+  </p:transition>
 </p:sldLayout>
 </file>
 
@@ -1648,9 +3430,9 @@
           <a:bodyPr/>
           <a:lstStyle/>
           <a:p>
-            <a:fld id="{87DE6118-2437-4B30-8E3C-4D2BE6020583}" type="datetimeFigureOut">
-              <a:rPr lang="en-US" smtClean="0"/>
-              <a:t>11/20/23</a:t>
+            <a:fld id="{ED88A74A-6D5A-884F-A3F9-1BCDF06D34AA}" type="datetime1">
+              <a:rPr lang="it-IT" smtClean="0"/>
+              <a:t>23/11/23</a:t>
             </a:fld>
             <a:endParaRPr lang="en-US" dirty="0"/>
           </a:p>
@@ -1708,6 +3490,9 @@
   <p:clrMapOvr>
     <a:masterClrMapping/>
   </p:clrMapOvr>
+  <p:transition>
+    <p:fade/>
+  </p:transition>
 </p:sldLayout>
 </file>
 
@@ -2125,9 +3910,9 @@
           <a:bodyPr/>
           <a:lstStyle/>
           <a:p>
-            <a:fld id="{87DE6118-2437-4B30-8E3C-4D2BE6020583}" type="datetimeFigureOut">
-              <a:rPr lang="en-US" smtClean="0"/>
-              <a:t>11/20/23</a:t>
+            <a:fld id="{015D58A0-E1E8-3045-B4A7-325AAC2AB2F5}" type="datetime1">
+              <a:rPr lang="it-IT" smtClean="0"/>
+              <a:t>23/11/23</a:t>
             </a:fld>
             <a:endParaRPr lang="en-US" dirty="0"/>
           </a:p>
@@ -2185,6 +3970,9 @@
   <p:clrMapOvr>
     <a:masterClrMapping/>
   </p:clrMapOvr>
+  <p:transition>
+    <p:fade/>
+  </p:transition>
 </p:sldLayout>
 </file>
 
@@ -2243,9 +4031,9 @@
           <a:bodyPr/>
           <a:lstStyle/>
           <a:p>
-            <a:fld id="{87DE6118-2437-4B30-8E3C-4D2BE6020583}" type="datetimeFigureOut">
-              <a:rPr lang="en-US" smtClean="0"/>
-              <a:t>11/20/23</a:t>
+            <a:fld id="{FD40EDB8-D27C-3D4F-B07A-46EE75D6040A}" type="datetime1">
+              <a:rPr lang="it-IT" smtClean="0"/>
+              <a:t>23/11/23</a:t>
             </a:fld>
             <a:endParaRPr lang="en-US" dirty="0"/>
           </a:p>
@@ -2303,6 +4091,9 @@
   <p:clrMapOvr>
     <a:masterClrMapping/>
   </p:clrMapOvr>
+  <p:transition>
+    <p:fade/>
+  </p:transition>
 </p:sldLayout>
 </file>
 
@@ -2338,9 +4129,9 @@
           <a:bodyPr/>
           <a:lstStyle/>
           <a:p>
-            <a:fld id="{87DE6118-2437-4B30-8E3C-4D2BE6020583}" type="datetimeFigureOut">
-              <a:rPr lang="en-US" smtClean="0"/>
-              <a:t>11/20/23</a:t>
+            <a:fld id="{8FA07E1F-2427-4940-99B2-A598A26A25A7}" type="datetime1">
+              <a:rPr lang="it-IT" smtClean="0"/>
+              <a:t>23/11/23</a:t>
             </a:fld>
             <a:endParaRPr lang="en-US" dirty="0"/>
           </a:p>
@@ -2398,6 +4189,9 @@
   <p:clrMapOvr>
     <a:masterClrMapping/>
   </p:clrMapOvr>
+  <p:transition>
+    <p:fade/>
+  </p:transition>
 </p:sldLayout>
 </file>
 
@@ -2684,10 +4478,9 @@
             </a:lvl1pPr>
           </a:lstStyle>
           <a:p>
-            <a:fld id="{87DE6118-2437-4B30-8E3C-4D2BE6020583}" type="datetimeFigureOut">
-              <a:rPr lang="en-US" smtClean="0"/>
-              <a:pPr/>
-              <a:t>11/20/23</a:t>
+            <a:fld id="{8FBFD3CD-5BB2-7344-BB84-BF22F472B7A7}" type="datetime1">
+              <a:rPr lang="it-IT" smtClean="0"/>
+              <a:t>23/11/23</a:t>
             </a:fld>
             <a:endParaRPr lang="en-US" dirty="0"/>
           </a:p>
@@ -2810,6 +4603,9 @@
   <p:clrMapOvr>
     <a:masterClrMapping/>
   </p:clrMapOvr>
+  <p:transition>
+    <p:fade/>
+  </p:transition>
 </p:sldLayout>
 </file>
 
@@ -3074,10 +4870,9 @@
             </a:lvl1pPr>
           </a:lstStyle>
           <a:p>
-            <a:fld id="{87DE6118-2437-4B30-8E3C-4D2BE6020583}" type="datetimeFigureOut">
-              <a:rPr lang="en-US" smtClean="0"/>
-              <a:pPr/>
-              <a:t>11/20/23</a:t>
+            <a:fld id="{A83EF758-81D7-4E4A-9072-3972B1C1503D}" type="datetime1">
+              <a:rPr lang="it-IT" smtClean="0"/>
+              <a:t>23/11/23</a:t>
             </a:fld>
             <a:endParaRPr lang="en-US" dirty="0"/>
           </a:p>
@@ -3200,6 +4995,9 @@
   <p:clrMapOvr>
     <a:masterClrMapping/>
   </p:clrMapOvr>
+  <p:transition>
+    <p:fade/>
+  </p:transition>
 </p:sldLayout>
 </file>
 
@@ -3354,10 +5152,9 @@
             </a:lvl1pPr>
           </a:lstStyle>
           <a:p>
-            <a:fld id="{87DE6118-2437-4B30-8E3C-4D2BE6020583}" type="datetimeFigureOut">
-              <a:rPr lang="en-US" smtClean="0"/>
-              <a:pPr/>
-              <a:t>11/20/23</a:t>
+            <a:fld id="{0E9E65DC-D79F-EF46-9253-92FD33EB5EF8}" type="datetime1">
+              <a:rPr lang="it-IT" smtClean="0"/>
+              <a:t>23/11/23</a:t>
             </a:fld>
             <a:endParaRPr lang="en-US" dirty="0"/>
           </a:p>
@@ -3497,6 +5294,10 @@
     <p:sldLayoutId id="2147483694" r:id="rId10"/>
     <p:sldLayoutId id="2147483695" r:id="rId11"/>
   </p:sldLayoutIdLst>
+  <p:transition>
+    <p:fade/>
+  </p:transition>
+  <p:hf hdr="0" ftr="0" dt="0"/>
   <p:txStyles>
     <p:titleStyle>
       <a:lvl1pPr algn="l" defTabSz="914400" rtl="0" eaLnBrk="1" latinLnBrk="0" hangingPunct="1">
@@ -3892,7 +5693,7 @@
           <a:lstStyle/>
           <a:p>
             <a:r>
-              <a:rPr lang="it-IT" sz="6600" dirty="0"/>
+              <a:rPr lang="it-IT" sz="6600" b="1" dirty="0"/>
               <a:t>Progetto real-time embedded system</a:t>
             </a:r>
           </a:p>
@@ -3914,25 +5715,24 @@
             <p:ph type="subTitle" idx="1"/>
           </p:nvPr>
         </p:nvSpPr>
-        <p:spPr/>
+        <p:spPr>
+          <a:xfrm>
+            <a:off x="2679906" y="3956279"/>
+            <a:ext cx="7021142" cy="1086237"/>
+          </a:xfrm>
+        </p:spPr>
         <p:txBody>
           <a:bodyPr>
             <a:normAutofit fontScale="92500"/>
           </a:bodyPr>
           <a:lstStyle/>
           <a:p>
-            <a:r>
-              <a:rPr lang="it-IT" dirty="0"/>
-              <a:t>Libreria per l’implementazione di una coda FIFO </a:t>
-            </a:r>
-            <a:r>
-              <a:rPr lang="it-IT" dirty="0" err="1"/>
-              <a:t>thread</a:t>
-            </a:r>
-            <a:r>
-              <a:rPr lang="it-IT" dirty="0"/>
-              <a:t>-safe con funzioni di inserimento ed estrazione bloccanti</a:t>
-            </a:r>
+            <a:pPr algn="just"/>
+            <a:r>
+              <a:rPr lang="it-IT"/>
+              <a:t>Libreria per l’implementazione di una coda FIFO thread-safe con funzioni di inserimento ed estrazione bloccanti</a:t>
+            </a:r>
+            <a:endParaRPr lang="it-IT" dirty="0"/>
           </a:p>
         </p:txBody>
       </p:sp>
@@ -3946,6 +5746,9 @@
   <p:clrMapOvr>
     <a:masterClrMapping/>
   </p:clrMapOvr>
+  <p:transition>
+    <p:fade/>
+  </p:transition>
 </p:sld>
 </file>
 
@@ -3971,7 +5774,7 @@
           <p:cNvPr id="2" name="Titolo 1">
             <a:extLst>
               <a:ext uri="{FF2B5EF4-FFF2-40B4-BE49-F238E27FC236}">
-                <a16:creationId xmlns:a16="http://schemas.microsoft.com/office/drawing/2014/main" id="{B75CF900-5C87-F1B7-38DD-A9DC3199A9AE}"/>
+                <a16:creationId xmlns:a16="http://schemas.microsoft.com/office/drawing/2014/main" id="{9FE08FC4-0213-CCE0-4BB5-CD1AE8864892}"/>
               </a:ext>
             </a:extLst>
           </p:cNvPr>
@@ -3982,16 +5785,25 @@
             <p:ph type="title"/>
           </p:nvPr>
         </p:nvSpPr>
-        <p:spPr/>
+        <p:spPr>
+          <a:xfrm>
+            <a:off x="1371600" y="685800"/>
+            <a:ext cx="9601200" cy="733097"/>
+          </a:xfrm>
+        </p:spPr>
         <p:txBody>
           <a:bodyPr/>
           <a:lstStyle/>
           <a:p>
             <a:r>
+              <a:rPr lang="it-IT" b="1" dirty="0"/>
+              <a:t>Compiler e </a:t>
+            </a:r>
+            <a:r>
               <a:rPr lang="it-IT" b="1" dirty="0" err="1"/>
-              <a:t>CMakeList.txt</a:t>
-            </a:r>
-            <a:endParaRPr lang="it-IT" b="1" dirty="0"/>
+              <a:t>CMakeLists.txt</a:t>
+            </a:r>
+            <a:endParaRPr lang="it-IT" dirty="0"/>
           </a:p>
         </p:txBody>
       </p:sp>
@@ -4000,7 +5812,7 @@
           <p:cNvPr id="3" name="Segnaposto contenuto 2">
             <a:extLst>
               <a:ext uri="{FF2B5EF4-FFF2-40B4-BE49-F238E27FC236}">
-                <a16:creationId xmlns:a16="http://schemas.microsoft.com/office/drawing/2014/main" id="{817C8F8A-2B3D-8BE7-5B49-152D8CA7B0C1}"/>
+                <a16:creationId xmlns:a16="http://schemas.microsoft.com/office/drawing/2014/main" id="{9CBE9692-12C5-A584-D4E6-B4364160D8B5}"/>
               </a:ext>
             </a:extLst>
           </p:cNvPr>
@@ -4008,24 +5820,446 @@
             <a:spLocks noGrp="1"/>
           </p:cNvSpPr>
           <p:nvPr>
-            <p:ph sz="half" idx="1"/>
-          </p:nvPr>
-        </p:nvSpPr>
-        <p:spPr/>
-        <p:txBody>
-          <a:bodyPr/>
+            <p:ph idx="1"/>
+          </p:nvPr>
+        </p:nvSpPr>
+        <p:spPr>
+          <a:xfrm>
+            <a:off x="1371600" y="1423495"/>
+            <a:ext cx="9601200" cy="4815086"/>
+          </a:xfrm>
+        </p:spPr>
+        <p:txBody>
+          <a:bodyPr>
+            <a:normAutofit fontScale="92500" lnSpcReduction="10000"/>
+          </a:bodyPr>
           <a:lstStyle/>
           <a:p>
-            <a:endParaRPr lang="it-IT"/>
-          </a:p>
-        </p:txBody>
-      </p:sp>
-      <p:sp>
-        <p:nvSpPr>
-          <p:cNvPr id="4" name="Segnaposto contenuto 3">
+            <a:r>
+              <a:rPr lang="it-IT" dirty="0"/>
+              <a:t>Prima di poter passare alla fase di test bisogna configurare correttamente l’ambiente.</a:t>
+            </a:r>
+          </a:p>
+          <a:p>
+            <a:r>
+              <a:rPr lang="it-IT" dirty="0"/>
+              <a:t>Importiamo inizialmente la libreria e la sua implementazione all’interno del progetto di test e configuriamo il file </a:t>
+            </a:r>
+            <a:r>
+              <a:rPr lang="it-IT" dirty="0" err="1"/>
+              <a:t>CMakeLists.txt</a:t>
+            </a:r>
+            <a:r>
+              <a:rPr lang="it-IT" dirty="0"/>
+              <a:t> come di seguito:</a:t>
+            </a:r>
+          </a:p>
+          <a:p>
+            <a:pPr lvl="5"/>
+            <a:r>
+              <a:rPr lang="it-IT" dirty="0" err="1">
+                <a:solidFill>
+                  <a:srgbClr val="FFC66D"/>
+                </a:solidFill>
+                <a:effectLst/>
+                <a:latin typeface="JetBrains Mono"/>
+              </a:rPr>
+              <a:t>cmake_minimum_required</a:t>
+            </a:r>
+            <a:r>
+              <a:rPr lang="it-IT" dirty="0">
+                <a:solidFill>
+                  <a:srgbClr val="A9B7C6"/>
+                </a:solidFill>
+                <a:effectLst/>
+                <a:latin typeface="JetBrains Mono"/>
+              </a:rPr>
+              <a:t>(</a:t>
+            </a:r>
+            <a:r>
+              <a:rPr lang="it-IT" dirty="0">
+                <a:solidFill>
+                  <a:srgbClr val="CC7832"/>
+                </a:solidFill>
+                <a:effectLst/>
+                <a:latin typeface="JetBrains Mono"/>
+              </a:rPr>
+              <a:t>VERSION </a:t>
+            </a:r>
+            <a:r>
+              <a:rPr lang="it-IT" dirty="0">
+                <a:solidFill>
+                  <a:srgbClr val="A9B7C6"/>
+                </a:solidFill>
+                <a:effectLst/>
+                <a:latin typeface="JetBrains Mono"/>
+              </a:rPr>
+              <a:t>3.25)</a:t>
+            </a:r>
+            <a:br>
+              <a:rPr lang="it-IT" dirty="0">
+                <a:solidFill>
+                  <a:srgbClr val="A9B7C6"/>
+                </a:solidFill>
+                <a:effectLst/>
+                <a:latin typeface="JetBrains Mono"/>
+              </a:rPr>
+            </a:br>
+            <a:r>
+              <a:rPr lang="it-IT" dirty="0">
+                <a:solidFill>
+                  <a:srgbClr val="FFC66D"/>
+                </a:solidFill>
+                <a:effectLst/>
+                <a:latin typeface="JetBrains Mono"/>
+              </a:rPr>
+              <a:t>project</a:t>
+            </a:r>
+            <a:r>
+              <a:rPr lang="it-IT" dirty="0">
+                <a:solidFill>
+                  <a:srgbClr val="A9B7C6"/>
+                </a:solidFill>
+                <a:effectLst/>
+                <a:latin typeface="JetBrains Mono"/>
+              </a:rPr>
+              <a:t>(</a:t>
+            </a:r>
+            <a:r>
+              <a:rPr lang="it-IT" dirty="0" err="1">
+                <a:solidFill>
+                  <a:srgbClr val="A9B7C6"/>
+                </a:solidFill>
+                <a:effectLst/>
+                <a:latin typeface="JetBrains Mono"/>
+              </a:rPr>
+              <a:t>code_ts</a:t>
+            </a:r>
+            <a:r>
+              <a:rPr lang="it-IT" dirty="0">
+                <a:solidFill>
+                  <a:srgbClr val="A9B7C6"/>
+                </a:solidFill>
+                <a:effectLst/>
+                <a:latin typeface="JetBrains Mono"/>
+              </a:rPr>
+              <a:t> </a:t>
+            </a:r>
+            <a:r>
+              <a:rPr lang="it-IT" dirty="0">
+                <a:solidFill>
+                  <a:srgbClr val="CC7832"/>
+                </a:solidFill>
+                <a:effectLst/>
+                <a:latin typeface="JetBrains Mono"/>
+              </a:rPr>
+              <a:t>C</a:t>
+            </a:r>
+            <a:r>
+              <a:rPr lang="it-IT" dirty="0">
+                <a:solidFill>
+                  <a:srgbClr val="A9B7C6"/>
+                </a:solidFill>
+                <a:effectLst/>
+                <a:latin typeface="JetBrains Mono"/>
+              </a:rPr>
+              <a:t>)</a:t>
+            </a:r>
+            <a:br>
+              <a:rPr lang="it-IT" dirty="0">
+                <a:solidFill>
+                  <a:srgbClr val="A9B7C6"/>
+                </a:solidFill>
+                <a:effectLst/>
+                <a:latin typeface="JetBrains Mono"/>
+              </a:rPr>
+            </a:br>
+            <a:r>
+              <a:rPr lang="it-IT" dirty="0">
+                <a:solidFill>
+                  <a:srgbClr val="FFC66D"/>
+                </a:solidFill>
+                <a:effectLst/>
+                <a:latin typeface="JetBrains Mono"/>
+              </a:rPr>
+              <a:t>set</a:t>
+            </a:r>
+            <a:r>
+              <a:rPr lang="it-IT" dirty="0">
+                <a:solidFill>
+                  <a:srgbClr val="A9B7C6"/>
+                </a:solidFill>
+                <a:effectLst/>
+                <a:latin typeface="JetBrains Mono"/>
+              </a:rPr>
+              <a:t>(CMAKE_C_STANDARD 11)</a:t>
+            </a:r>
+            <a:br>
+              <a:rPr lang="it-IT" dirty="0">
+                <a:solidFill>
+                  <a:srgbClr val="A9B7C6"/>
+                </a:solidFill>
+                <a:effectLst/>
+                <a:latin typeface="JetBrains Mono"/>
+              </a:rPr>
+            </a:br>
+            <a:r>
+              <a:rPr lang="it-IT" dirty="0">
+                <a:solidFill>
+                  <a:srgbClr val="FFC66D"/>
+                </a:solidFill>
+                <a:effectLst/>
+                <a:latin typeface="JetBrains Mono"/>
+              </a:rPr>
+              <a:t>set</a:t>
+            </a:r>
+            <a:r>
+              <a:rPr lang="it-IT" dirty="0">
+                <a:solidFill>
+                  <a:srgbClr val="A9B7C6"/>
+                </a:solidFill>
+                <a:effectLst/>
+                <a:latin typeface="JetBrains Mono"/>
+              </a:rPr>
+              <a:t>(SOURCE_FILES </a:t>
+            </a:r>
+            <a:r>
+              <a:rPr lang="it-IT" dirty="0" err="1">
+                <a:solidFill>
+                  <a:srgbClr val="A9B7C6"/>
+                </a:solidFill>
+                <a:effectLst/>
+                <a:latin typeface="JetBrains Mono"/>
+              </a:rPr>
+              <a:t>main.c</a:t>
+            </a:r>
+            <a:r>
+              <a:rPr lang="it-IT" dirty="0">
+                <a:solidFill>
+                  <a:srgbClr val="A9B7C6"/>
+                </a:solidFill>
+                <a:effectLst/>
+                <a:latin typeface="JetBrains Mono"/>
+              </a:rPr>
+              <a:t> </a:t>
+            </a:r>
+            <a:r>
+              <a:rPr lang="it-IT" dirty="0" err="1">
+                <a:solidFill>
+                  <a:srgbClr val="A9B7C6"/>
+                </a:solidFill>
+                <a:effectLst/>
+                <a:latin typeface="JetBrains Mono"/>
+              </a:rPr>
+              <a:t>library.c</a:t>
+            </a:r>
+            <a:r>
+              <a:rPr lang="it-IT" dirty="0">
+                <a:solidFill>
+                  <a:srgbClr val="A9B7C6"/>
+                </a:solidFill>
+                <a:effectLst/>
+                <a:latin typeface="JetBrains Mono"/>
+              </a:rPr>
+              <a:t>)</a:t>
+            </a:r>
+            <a:br>
+              <a:rPr lang="it-IT" dirty="0">
+                <a:solidFill>
+                  <a:srgbClr val="A9B7C6"/>
+                </a:solidFill>
+                <a:effectLst/>
+                <a:latin typeface="JetBrains Mono"/>
+              </a:rPr>
+            </a:br>
+            <a:r>
+              <a:rPr lang="it-IT" dirty="0" err="1">
+                <a:solidFill>
+                  <a:srgbClr val="FFC66D"/>
+                </a:solidFill>
+                <a:effectLst/>
+                <a:latin typeface="JetBrains Mono"/>
+              </a:rPr>
+              <a:t>add_library</a:t>
+            </a:r>
+            <a:r>
+              <a:rPr lang="it-IT" dirty="0">
+                <a:solidFill>
+                  <a:srgbClr val="A9B7C6"/>
+                </a:solidFill>
+                <a:effectLst/>
+                <a:latin typeface="JetBrains Mono"/>
+              </a:rPr>
+              <a:t>(</a:t>
+            </a:r>
+            <a:r>
+              <a:rPr lang="it-IT" dirty="0" err="1">
+                <a:solidFill>
+                  <a:srgbClr val="A9B7C6"/>
+                </a:solidFill>
+                <a:effectLst/>
+                <a:latin typeface="JetBrains Mono"/>
+              </a:rPr>
+              <a:t>code_ts</a:t>
+            </a:r>
+            <a:r>
+              <a:rPr lang="it-IT" dirty="0">
+                <a:solidFill>
+                  <a:srgbClr val="A9B7C6"/>
+                </a:solidFill>
+                <a:effectLst/>
+                <a:latin typeface="JetBrains Mono"/>
+              </a:rPr>
+              <a:t> </a:t>
+            </a:r>
+            <a:r>
+              <a:rPr lang="it-IT" dirty="0">
+                <a:solidFill>
+                  <a:srgbClr val="CC7832"/>
+                </a:solidFill>
+                <a:effectLst/>
+                <a:latin typeface="JetBrains Mono"/>
+              </a:rPr>
+              <a:t>${</a:t>
+            </a:r>
+            <a:r>
+              <a:rPr lang="it-IT" dirty="0">
+                <a:solidFill>
+                  <a:srgbClr val="A9B7C6"/>
+                </a:solidFill>
+                <a:effectLst/>
+                <a:latin typeface="JetBrains Mono"/>
+              </a:rPr>
+              <a:t>SOURCE_FILES</a:t>
+            </a:r>
+            <a:r>
+              <a:rPr lang="it-IT" dirty="0">
+                <a:solidFill>
+                  <a:srgbClr val="CC7832"/>
+                </a:solidFill>
+                <a:effectLst/>
+                <a:latin typeface="JetBrains Mono"/>
+              </a:rPr>
+              <a:t>}</a:t>
+            </a:r>
+            <a:r>
+              <a:rPr lang="it-IT" dirty="0">
+                <a:solidFill>
+                  <a:srgbClr val="A9B7C6"/>
+                </a:solidFill>
+                <a:effectLst/>
+                <a:latin typeface="JetBrains Mono"/>
+              </a:rPr>
+              <a:t>)</a:t>
+            </a:r>
+            <a:endParaRPr lang="it-IT" dirty="0"/>
+          </a:p>
+          <a:p>
+            <a:pPr marL="530352" lvl="1" indent="0">
+              <a:buNone/>
+            </a:pPr>
+            <a:r>
+              <a:rPr lang="it-IT" i="0" dirty="0"/>
+              <a:t>Dove abbiamo dichiarato una variabile </a:t>
+            </a:r>
+            <a:r>
+              <a:rPr lang="it-IT" dirty="0"/>
+              <a:t>‘SOURCE_FILES’,</a:t>
+            </a:r>
+            <a:r>
+              <a:rPr lang="it-IT" i="0" dirty="0"/>
+              <a:t> che contiene appunto i file sorgente del progetto e l’abbiamo importata tramite l’istruzione </a:t>
+            </a:r>
+            <a:r>
+              <a:rPr lang="it-IT" dirty="0" err="1"/>
+              <a:t>add_library</a:t>
+            </a:r>
+            <a:r>
+              <a:rPr lang="it-IT" i="0" dirty="0"/>
+              <a:t>.</a:t>
+            </a:r>
+            <a:br>
+              <a:rPr lang="it-IT" i="0" dirty="0"/>
+            </a:br>
+            <a:r>
+              <a:rPr lang="it-IT" i="0" dirty="0"/>
+              <a:t>In alternativa, si può aggiungere la libreria nella cartella ~/Library/Frameworks e si importa dall’applicazione scelta per lo sviluppo.</a:t>
+            </a:r>
+          </a:p>
+          <a:p>
+            <a:r>
+              <a:rPr lang="it-IT" dirty="0"/>
+              <a:t>Successivamente, prima di lanciare la </a:t>
+            </a:r>
+            <a:r>
+              <a:rPr lang="it-IT" dirty="0" err="1"/>
+              <a:t>run</a:t>
+            </a:r>
+            <a:r>
+              <a:rPr lang="it-IT" dirty="0"/>
+              <a:t>, da terminale aggiungiamo le istruzioni del </a:t>
+            </a:r>
+            <a:r>
+              <a:rPr lang="it-IT" dirty="0" err="1"/>
+              <a:t>compiler</a:t>
+            </a:r>
+            <a:r>
+              <a:rPr lang="it-IT" dirty="0"/>
+              <a:t> con il seguente comando:</a:t>
+            </a:r>
+          </a:p>
+          <a:p>
+            <a:pPr marL="2359152" lvl="5" indent="0">
+              <a:buNone/>
+            </a:pPr>
+            <a:r>
+              <a:rPr lang="it-IT" dirty="0"/>
+              <a:t>	clang -o </a:t>
+            </a:r>
+            <a:r>
+              <a:rPr lang="it-IT" dirty="0" err="1"/>
+              <a:t>main</a:t>
+            </a:r>
+            <a:r>
+              <a:rPr lang="it-IT" dirty="0"/>
+              <a:t> </a:t>
+            </a:r>
+            <a:r>
+              <a:rPr lang="it-IT" dirty="0" err="1"/>
+              <a:t>main.c</a:t>
+            </a:r>
+            <a:r>
+              <a:rPr lang="it-IT" dirty="0"/>
+              <a:t> </a:t>
+            </a:r>
+            <a:r>
+              <a:rPr lang="it-IT" dirty="0" err="1"/>
+              <a:t>library.c</a:t>
+            </a:r>
+            <a:r>
+              <a:rPr lang="it-IT" dirty="0"/>
+              <a:t> –</a:t>
+            </a:r>
+            <a:r>
+              <a:rPr lang="it-IT" dirty="0" err="1"/>
+              <a:t>lpthread</a:t>
+            </a:r>
+            <a:endParaRPr lang="it-IT" dirty="0"/>
+          </a:p>
+          <a:p>
+            <a:r>
+              <a:rPr lang="it-IT" dirty="0"/>
+              <a:t>Infine, lanciamo il programma da terminale e andiamo ad analizzare le stampe in console.</a:t>
+            </a:r>
+          </a:p>
+        </p:txBody>
+      </p:sp>
+      <p:sp>
+        <p:nvSpPr>
+          <p:cNvPr id="4" name="Segnaposto numero diapositiva 3">
             <a:extLst>
               <a:ext uri="{FF2B5EF4-FFF2-40B4-BE49-F238E27FC236}">
-                <a16:creationId xmlns:a16="http://schemas.microsoft.com/office/drawing/2014/main" id="{E6E72204-4C0F-9B47-7DBA-EC376E4D3F54}"/>
+                <a16:creationId xmlns:a16="http://schemas.microsoft.com/office/drawing/2014/main" id="{AD10E6F9-BF9F-E559-CB6E-231FED1A2AD6}"/>
               </a:ext>
             </a:extLst>
           </p:cNvPr>
@@ -4033,7 +6267,7 @@
             <a:spLocks noGrp="1"/>
           </p:cNvSpPr>
           <p:nvPr>
-            <p:ph sz="half" idx="2"/>
+            <p:ph type="sldNum" sz="quarter" idx="12"/>
           </p:nvPr>
         </p:nvSpPr>
         <p:spPr/>
@@ -4041,20 +6275,27 @@
           <a:bodyPr/>
           <a:lstStyle/>
           <a:p>
-            <a:endParaRPr lang="it-IT"/>
+            <a:fld id="{69E57DC2-970A-4B3E-BB1C-7A09969E49DF}" type="slidenum">
+              <a:rPr lang="en-US" smtClean="0"/>
+              <a:t>9</a:t>
+            </a:fld>
+            <a:endParaRPr lang="en-US" dirty="0"/>
           </a:p>
         </p:txBody>
       </p:sp>
     </p:spTree>
     <p:extLst>
       <p:ext uri="{BB962C8B-B14F-4D97-AF65-F5344CB8AC3E}">
-        <p14:creationId xmlns:p14="http://schemas.microsoft.com/office/powerpoint/2010/main" val="2381698581"/>
+        <p14:creationId xmlns:p14="http://schemas.microsoft.com/office/powerpoint/2010/main" val="2053541339"/>
       </p:ext>
     </p:extLst>
   </p:cSld>
   <p:clrMapOvr>
     <a:masterClrMapping/>
   </p:clrMapOvr>
+  <p:transition>
+    <p:fade/>
+  </p:transition>
 </p:sld>
 </file>
 
@@ -4091,43 +6332,56 @@
             <p:ph type="title"/>
           </p:nvPr>
         </p:nvSpPr>
-        <p:spPr/>
+        <p:spPr>
+          <a:xfrm>
+            <a:off x="1371600" y="685800"/>
+            <a:ext cx="9601200" cy="701566"/>
+          </a:xfrm>
+        </p:spPr>
         <p:txBody>
           <a:bodyPr/>
           <a:lstStyle/>
           <a:p>
             <a:r>
+              <a:rPr lang="it-IT" b="1" dirty="0" err="1"/>
+              <a:t>Main</a:t>
+            </a:r>
+            <a:r>
               <a:rPr lang="it-IT" b="1" dirty="0"/>
-              <a:t>Compiler</a:t>
-            </a:r>
-          </a:p>
-        </p:txBody>
-      </p:sp>
-      <p:sp>
-        <p:nvSpPr>
-          <p:cNvPr id="3" name="Segnaposto contenuto 2">
+              <a:t> e thread</a:t>
+            </a:r>
+          </a:p>
+        </p:txBody>
+      </p:sp>
+      <p:pic>
+        <p:nvPicPr>
+          <p:cNvPr id="6" name="Segnaposto contenuto 5" descr="Immagine che contiene testo, schermata, software, Carattere&#10;&#10;Descrizione generata automaticamente">
             <a:extLst>
               <a:ext uri="{FF2B5EF4-FFF2-40B4-BE49-F238E27FC236}">
-                <a16:creationId xmlns:a16="http://schemas.microsoft.com/office/drawing/2014/main" id="{3EAA25ED-8175-7B97-EA54-6302AF3176C5}"/>
+                <a16:creationId xmlns:a16="http://schemas.microsoft.com/office/drawing/2014/main" id="{70A065C9-D7FD-3E62-476C-4ADB719A361E}"/>
               </a:ext>
             </a:extLst>
           </p:cNvPr>
-          <p:cNvSpPr>
-            <a:spLocks noGrp="1"/>
-          </p:cNvSpPr>
+          <p:cNvPicPr>
+            <a:picLocks noGrp="1" noChangeAspect="1"/>
+          </p:cNvPicPr>
           <p:nvPr>
             <p:ph sz="half" idx="1"/>
           </p:nvPr>
-        </p:nvSpPr>
-        <p:spPr/>
-        <p:txBody>
-          <a:bodyPr/>
-          <a:lstStyle/>
-          <a:p>
-            <a:endParaRPr lang="it-IT"/>
-          </a:p>
-        </p:txBody>
-      </p:sp>
+        </p:nvPicPr>
+        <p:blipFill>
+          <a:blip r:embed="rId2"/>
+          <a:stretch>
+            <a:fillRect/>
+          </a:stretch>
+        </p:blipFill>
+        <p:spPr>
+          <a:xfrm>
+            <a:off x="1371599" y="1638300"/>
+            <a:ext cx="4317709" cy="4229100"/>
+          </a:xfrm>
+        </p:spPr>
+      </p:pic>
       <p:sp>
         <p:nvSpPr>
           <p:cNvPr id="4" name="Segnaposto contenuto 3">
@@ -4144,12 +6398,73 @@
             <p:ph sz="half" idx="2"/>
           </p:nvPr>
         </p:nvSpPr>
+        <p:spPr>
+          <a:xfrm>
+            <a:off x="6502694" y="1638300"/>
+            <a:ext cx="4470106" cy="4229100"/>
+          </a:xfrm>
+        </p:spPr>
+        <p:txBody>
+          <a:bodyPr anchor="ctr"/>
+          <a:lstStyle/>
+          <a:p>
+            <a:r>
+              <a:rPr lang="it-IT" dirty="0"/>
+              <a:t>Per eseguire dei test sulla realizzazione del progetto, ho implementato una funzione </a:t>
+            </a:r>
+            <a:r>
+              <a:rPr lang="it-IT" dirty="0" err="1"/>
+              <a:t>main</a:t>
+            </a:r>
+            <a:r>
+              <a:rPr lang="it-IT" dirty="0"/>
+              <a:t> in cui viene creata una coda e vengono inizializzati </a:t>
+            </a:r>
+            <a:r>
+              <a:rPr lang="it-IT" dirty="0" err="1"/>
+              <a:t>N</a:t>
+            </a:r>
+            <a:r>
+              <a:rPr lang="it-IT" dirty="0"/>
+              <a:t> </a:t>
+            </a:r>
+            <a:r>
+              <a:rPr lang="it-IT" dirty="0" err="1"/>
+              <a:t>pthread</a:t>
+            </a:r>
+            <a:r>
+              <a:rPr lang="it-IT" dirty="0"/>
+              <a:t>, ognuno dei quali esegue le funzioni che vedremo in seguito.</a:t>
+            </a:r>
+          </a:p>
+        </p:txBody>
+      </p:sp>
+      <p:sp>
+        <p:nvSpPr>
+          <p:cNvPr id="7" name="Segnaposto numero diapositiva 6">
+            <a:extLst>
+              <a:ext uri="{FF2B5EF4-FFF2-40B4-BE49-F238E27FC236}">
+                <a16:creationId xmlns:a16="http://schemas.microsoft.com/office/drawing/2014/main" id="{4E1B5090-D2C7-A846-4521-2C83F908DE42}"/>
+              </a:ext>
+            </a:extLst>
+          </p:cNvPr>
+          <p:cNvSpPr>
+            <a:spLocks noGrp="1"/>
+          </p:cNvSpPr>
+          <p:nvPr>
+            <p:ph type="sldNum" sz="quarter" idx="12"/>
+          </p:nvPr>
+        </p:nvSpPr>
         <p:spPr/>
         <p:txBody>
           <a:bodyPr/>
           <a:lstStyle/>
           <a:p>
-            <a:endParaRPr lang="it-IT"/>
+            <a:fld id="{69E57DC2-970A-4B3E-BB1C-7A09969E49DF}" type="slidenum">
+              <a:rPr lang="en-US" smtClean="0"/>
+              <a:t>10</a:t>
+            </a:fld>
+            <a:endParaRPr lang="en-US" dirty="0"/>
           </a:p>
         </p:txBody>
       </p:sp>
@@ -4163,6 +6478,9 @@
   <p:clrMapOvr>
     <a:masterClrMapping/>
   </p:clrMapOvr>
+  <p:transition>
+    <p:fade/>
+  </p:transition>
 </p:sld>
 </file>
 
@@ -4188,7 +6506,7 @@
           <p:cNvPr id="2" name="Titolo 1">
             <a:extLst>
               <a:ext uri="{FF2B5EF4-FFF2-40B4-BE49-F238E27FC236}">
-                <a16:creationId xmlns:a16="http://schemas.microsoft.com/office/drawing/2014/main" id="{CBE983DF-9B34-3CC2-E400-15EDB8E73BB7}"/>
+                <a16:creationId xmlns:a16="http://schemas.microsoft.com/office/drawing/2014/main" id="{FD8032F0-2978-75F3-A5ED-34EF0DF6D174}"/>
               </a:ext>
             </a:extLst>
           </p:cNvPr>
@@ -4199,24 +6517,33 @@
             <p:ph type="title"/>
           </p:nvPr>
         </p:nvSpPr>
-        <p:spPr/>
+        <p:spPr>
+          <a:xfrm>
+            <a:off x="1371600" y="685800"/>
+            <a:ext cx="9601200" cy="701566"/>
+          </a:xfrm>
+        </p:spPr>
         <p:txBody>
           <a:bodyPr/>
           <a:lstStyle/>
           <a:p>
             <a:r>
+              <a:rPr lang="it-IT" b="1" dirty="0" err="1"/>
+              <a:t>Main</a:t>
+            </a:r>
+            <a:r>
               <a:rPr lang="it-IT" b="1" dirty="0"/>
-              <a:t>TEST</a:t>
-            </a:r>
-          </a:p>
-        </p:txBody>
-      </p:sp>
-      <p:sp>
-        <p:nvSpPr>
-          <p:cNvPr id="3" name="Segnaposto contenuto 2">
+              <a:t> e thread</a:t>
+            </a:r>
+          </a:p>
+        </p:txBody>
+      </p:sp>
+      <p:sp>
+        <p:nvSpPr>
+          <p:cNvPr id="4" name="Segnaposto contenuto 3">
             <a:extLst>
               <a:ext uri="{FF2B5EF4-FFF2-40B4-BE49-F238E27FC236}">
-                <a16:creationId xmlns:a16="http://schemas.microsoft.com/office/drawing/2014/main" id="{21E01BBB-F79F-F3B1-56EB-6635BE55D9E8}"/>
+                <a16:creationId xmlns:a16="http://schemas.microsoft.com/office/drawing/2014/main" id="{9F6C7D47-1EE4-DA63-873B-0B0219199627}"/>
               </a:ext>
             </a:extLst>
           </p:cNvPr>
@@ -4224,24 +6551,60 @@
             <a:spLocks noGrp="1"/>
           </p:cNvSpPr>
           <p:nvPr>
-            <p:ph sz="half" idx="1"/>
-          </p:nvPr>
-        </p:nvSpPr>
-        <p:spPr/>
-        <p:txBody>
-          <a:bodyPr/>
+            <p:ph sz="half" idx="2"/>
+          </p:nvPr>
+        </p:nvSpPr>
+        <p:spPr>
+          <a:xfrm>
+            <a:off x="6502694" y="1638300"/>
+            <a:ext cx="4470106" cy="4229100"/>
+          </a:xfrm>
+        </p:spPr>
+        <p:txBody>
+          <a:bodyPr anchor="ctr"/>
           <a:lstStyle/>
           <a:p>
-            <a:endParaRPr lang="it-IT"/>
-          </a:p>
-        </p:txBody>
-      </p:sp>
-      <p:sp>
-        <p:nvSpPr>
-          <p:cNvPr id="4" name="Segnaposto contenuto 3">
+            <a:r>
+              <a:rPr lang="it-IT" dirty="0"/>
+              <a:t>Ogni thread dunque, eseguirà quanto illustrato. </a:t>
+            </a:r>
+          </a:p>
+          <a:p>
+            <a:r>
+              <a:rPr lang="it-IT" dirty="0"/>
+              <a:t>Inizialmente, abbiamo tutte le dichiarazioni delle variabili necessarie, seguite dalla funzione di </a:t>
+            </a:r>
+            <a:r>
+              <a:rPr lang="it-IT" dirty="0" err="1"/>
+              <a:t>timetest</a:t>
+            </a:r>
+            <a:r>
+              <a:rPr lang="it-IT" dirty="0"/>
+              <a:t> che vedremo successivamente.</a:t>
+            </a:r>
+          </a:p>
+          <a:p>
+            <a:r>
+              <a:rPr lang="it-IT" dirty="0"/>
+              <a:t>Dopodiché, ciascun thread procede richiamando diverse volte le funzioni di </a:t>
+            </a:r>
+            <a:r>
+              <a:rPr lang="it-IT" dirty="0" err="1"/>
+              <a:t>push</a:t>
+            </a:r>
+            <a:r>
+              <a:rPr lang="it-IT" dirty="0"/>
+              <a:t> e pop analizzate in precedenza, col fine di testare il funzionamento della libreria.</a:t>
+            </a:r>
+          </a:p>
+        </p:txBody>
+      </p:sp>
+      <p:sp>
+        <p:nvSpPr>
+          <p:cNvPr id="3" name="Segnaposto numero diapositiva 2">
             <a:extLst>
               <a:ext uri="{FF2B5EF4-FFF2-40B4-BE49-F238E27FC236}">
-                <a16:creationId xmlns:a16="http://schemas.microsoft.com/office/drawing/2014/main" id="{90FD7516-5770-DF63-1E69-6889B6765A67}"/>
+                <a16:creationId xmlns:a16="http://schemas.microsoft.com/office/drawing/2014/main" id="{4B108C24-40F3-FED6-5EA3-054BC4023DB5}"/>
               </a:ext>
             </a:extLst>
           </p:cNvPr>
@@ -4249,7 +6612,7 @@
             <a:spLocks noGrp="1"/>
           </p:cNvSpPr>
           <p:nvPr>
-            <p:ph sz="half" idx="2"/>
+            <p:ph type="sldNum" sz="quarter" idx="12"/>
           </p:nvPr>
         </p:nvSpPr>
         <p:spPr/>
@@ -4257,20 +6620,56 @@
           <a:bodyPr/>
           <a:lstStyle/>
           <a:p>
-            <a:endParaRPr lang="it-IT"/>
-          </a:p>
-        </p:txBody>
-      </p:sp>
+            <a:fld id="{69E57DC2-970A-4B3E-BB1C-7A09969E49DF}" type="slidenum">
+              <a:rPr lang="en-US" smtClean="0"/>
+              <a:t>11</a:t>
+            </a:fld>
+            <a:endParaRPr lang="en-US" dirty="0"/>
+          </a:p>
+        </p:txBody>
+      </p:sp>
+      <p:pic>
+        <p:nvPicPr>
+          <p:cNvPr id="9" name="Segnaposto contenuto 8" descr="Immagine che contiene testo, schermata, software&#10;&#10;Descrizione generata automaticamente">
+            <a:extLst>
+              <a:ext uri="{FF2B5EF4-FFF2-40B4-BE49-F238E27FC236}">
+                <a16:creationId xmlns:a16="http://schemas.microsoft.com/office/drawing/2014/main" id="{AEC1EABE-66C7-55B0-447D-E2F80738AF19}"/>
+              </a:ext>
+            </a:extLst>
+          </p:cNvPr>
+          <p:cNvPicPr>
+            <a:picLocks noGrp="1" noChangeAspect="1"/>
+          </p:cNvPicPr>
+          <p:nvPr>
+            <p:ph sz="half" idx="1"/>
+          </p:nvPr>
+        </p:nvPicPr>
+        <p:blipFill>
+          <a:blip r:embed="rId2"/>
+          <a:stretch>
+            <a:fillRect/>
+          </a:stretch>
+        </p:blipFill>
+        <p:spPr>
+          <a:xfrm>
+            <a:off x="1371600" y="1638301"/>
+            <a:ext cx="5009676" cy="4229099"/>
+          </a:xfrm>
+        </p:spPr>
+      </p:pic>
     </p:spTree>
     <p:extLst>
       <p:ext uri="{BB962C8B-B14F-4D97-AF65-F5344CB8AC3E}">
-        <p14:creationId xmlns:p14="http://schemas.microsoft.com/office/powerpoint/2010/main" val="1911000406"/>
+        <p14:creationId xmlns:p14="http://schemas.microsoft.com/office/powerpoint/2010/main" val="782195610"/>
       </p:ext>
     </p:extLst>
   </p:cSld>
   <p:clrMapOvr>
     <a:masterClrMapping/>
   </p:clrMapOvr>
+  <p:transition>
+    <p:fade/>
+  </p:transition>
 </p:sld>
 </file>
 
@@ -4296,7 +6695,7 @@
           <p:cNvPr id="2" name="Titolo 1">
             <a:extLst>
               <a:ext uri="{FF2B5EF4-FFF2-40B4-BE49-F238E27FC236}">
-                <a16:creationId xmlns:a16="http://schemas.microsoft.com/office/drawing/2014/main" id="{4797F095-81AD-35E9-FA85-D21FB4949C38}"/>
+                <a16:creationId xmlns:a16="http://schemas.microsoft.com/office/drawing/2014/main" id="{5E60FAE7-22C2-2965-5C82-5798FFAC04A6}"/>
               </a:ext>
             </a:extLst>
           </p:cNvPr>
@@ -4307,15 +6706,29 @@
             <p:ph type="title"/>
           </p:nvPr>
         </p:nvSpPr>
-        <p:spPr/>
+        <p:spPr>
+          <a:xfrm>
+            <a:off x="1371600" y="685800"/>
+            <a:ext cx="9601200" cy="785813"/>
+          </a:xfrm>
+        </p:spPr>
         <p:txBody>
           <a:bodyPr/>
           <a:lstStyle/>
           <a:p>
             <a:r>
-              <a:rPr lang="it-IT" b="1"/>
-              <a:t>RIFERIMENTI</a:t>
-            </a:r>
+              <a:rPr lang="it-IT" b="1" dirty="0" err="1"/>
+              <a:t>Timetest</a:t>
+            </a:r>
+            <a:r>
+              <a:rPr lang="it-IT" b="1" dirty="0"/>
+              <a:t> e </a:t>
+            </a:r>
+            <a:r>
+              <a:rPr lang="it-IT" b="1" dirty="0" err="1"/>
+              <a:t>Nanopause</a:t>
+            </a:r>
+            <a:endParaRPr lang="it-IT" b="1" dirty="0"/>
           </a:p>
         </p:txBody>
       </p:sp>
@@ -4324,7 +6737,7 @@
           <p:cNvPr id="3" name="Segnaposto contenuto 2">
             <a:extLst>
               <a:ext uri="{FF2B5EF4-FFF2-40B4-BE49-F238E27FC236}">
-                <a16:creationId xmlns:a16="http://schemas.microsoft.com/office/drawing/2014/main" id="{A1020FCA-A2B9-27D0-271F-CB6228363979}"/>
+                <a16:creationId xmlns:a16="http://schemas.microsoft.com/office/drawing/2014/main" id="{4E4C0EEF-A7FB-E521-FC76-56B0969E1F83}"/>
               </a:ext>
             </a:extLst>
           </p:cNvPr>
@@ -4335,29 +6748,113 @@
             <p:ph sz="half" idx="1"/>
           </p:nvPr>
         </p:nvSpPr>
-        <p:spPr/>
-        <p:txBody>
-          <a:bodyPr/>
+        <p:spPr>
+          <a:xfrm>
+            <a:off x="1371599" y="1471614"/>
+            <a:ext cx="7776599" cy="2192612"/>
+          </a:xfrm>
+        </p:spPr>
+        <p:txBody>
+          <a:bodyPr>
+            <a:normAutofit fontScale="92500" lnSpcReduction="10000"/>
+          </a:bodyPr>
           <a:lstStyle/>
           <a:p>
-            <a:endParaRPr lang="it-IT"/>
-          </a:p>
-        </p:txBody>
-      </p:sp>
-      <p:sp>
-        <p:nvSpPr>
-          <p:cNvPr id="4" name="Segnaposto contenuto 3">
+            <a:r>
+              <a:rPr lang="it-IT" dirty="0"/>
+              <a:t>Facendo uso della libreria &lt;</a:t>
+            </a:r>
+            <a:r>
+              <a:rPr lang="it-IT" dirty="0" err="1"/>
+              <a:t>time.h</a:t>
+            </a:r>
+            <a:r>
+              <a:rPr lang="it-IT" dirty="0"/>
+              <a:t>&gt;, ho sfruttato le funzioni di clock() per calcolare le tempistiche per l’inserimento e l’estrazione di un dato per ciascun thread in modo da confrontare il tempo di utilizzo del processore da ognuno di essi. </a:t>
+            </a:r>
+            <a:br>
+              <a:rPr lang="it-IT" dirty="0"/>
+            </a:br>
+            <a:r>
+              <a:rPr lang="it-IT" dirty="0"/>
+              <a:t>Di seguito verranno riportati i risultati di alcune </a:t>
+            </a:r>
+            <a:r>
+              <a:rPr lang="it-IT" dirty="0" err="1"/>
+              <a:t>run</a:t>
+            </a:r>
+            <a:r>
+              <a:rPr lang="it-IT" dirty="0"/>
+              <a:t> in un grafico che ci permette di vedere quanto detto.</a:t>
+            </a:r>
+          </a:p>
+          <a:p>
+            <a:r>
+              <a:rPr lang="it-IT" dirty="0"/>
+              <a:t>La funzione di </a:t>
+            </a:r>
+            <a:r>
+              <a:rPr lang="it-IT" dirty="0" err="1"/>
+              <a:t>nanopause</a:t>
+            </a:r>
+            <a:r>
+              <a:rPr lang="it-IT" dirty="0"/>
+              <a:t>() è stata utilizzata per tracciare meglio i risultati di questo </a:t>
+            </a:r>
+            <a:r>
+              <a:rPr lang="it-IT" dirty="0" err="1"/>
+              <a:t>timetest</a:t>
+            </a:r>
+            <a:r>
+              <a:rPr lang="it-IT" dirty="0"/>
+              <a:t>.</a:t>
+            </a:r>
+          </a:p>
+        </p:txBody>
+      </p:sp>
+      <p:pic>
+        <p:nvPicPr>
+          <p:cNvPr id="6" name="Segnaposto contenuto 5" descr="Immagine che contiene testo, schermata, Carattere&#10;&#10;Descrizione generata automaticamente">
             <a:extLst>
               <a:ext uri="{FF2B5EF4-FFF2-40B4-BE49-F238E27FC236}">
-                <a16:creationId xmlns:a16="http://schemas.microsoft.com/office/drawing/2014/main" id="{20FE6D70-4D36-43E3-0A50-6040F162AEE1}"/>
+                <a16:creationId xmlns:a16="http://schemas.microsoft.com/office/drawing/2014/main" id="{EBAC4439-ADF9-4A2C-F22F-E3756CFDC73C}"/>
               </a:ext>
             </a:extLst>
           </p:cNvPr>
-          <p:cNvSpPr>
-            <a:spLocks noGrp="1"/>
-          </p:cNvSpPr>
+          <p:cNvPicPr>
+            <a:picLocks noGrp="1" noChangeAspect="1"/>
+          </p:cNvPicPr>
           <p:nvPr>
             <p:ph sz="half" idx="2"/>
+          </p:nvPr>
+        </p:nvPicPr>
+        <p:blipFill>
+          <a:blip r:embed="rId2"/>
+          <a:stretch>
+            <a:fillRect/>
+          </a:stretch>
+        </p:blipFill>
+        <p:spPr>
+          <a:xfrm>
+            <a:off x="1840367" y="3821882"/>
+            <a:ext cx="7307832" cy="2356796"/>
+          </a:xfrm>
+        </p:spPr>
+      </p:pic>
+      <p:sp>
+        <p:nvSpPr>
+          <p:cNvPr id="7" name="Segnaposto numero diapositiva 6">
+            <a:extLst>
+              <a:ext uri="{FF2B5EF4-FFF2-40B4-BE49-F238E27FC236}">
+                <a16:creationId xmlns:a16="http://schemas.microsoft.com/office/drawing/2014/main" id="{38F625ED-7599-C3FC-D3C6-3457CEF4E534}"/>
+              </a:ext>
+            </a:extLst>
+          </p:cNvPr>
+          <p:cNvSpPr>
+            <a:spLocks noGrp="1"/>
+          </p:cNvSpPr>
+          <p:nvPr>
+            <p:ph type="sldNum" sz="quarter" idx="12"/>
           </p:nvPr>
         </p:nvSpPr>
         <p:spPr/>
@@ -4365,20 +6862,571 @@
           <a:bodyPr/>
           <a:lstStyle/>
           <a:p>
-            <a:endParaRPr lang="it-IT"/>
+            <a:fld id="{69E57DC2-970A-4B3E-BB1C-7A09969E49DF}" type="slidenum">
+              <a:rPr lang="en-US" smtClean="0"/>
+              <a:t>12</a:t>
+            </a:fld>
+            <a:endParaRPr lang="en-US" dirty="0"/>
           </a:p>
         </p:txBody>
       </p:sp>
     </p:spTree>
     <p:extLst>
       <p:ext uri="{BB962C8B-B14F-4D97-AF65-F5344CB8AC3E}">
-        <p14:creationId xmlns:p14="http://schemas.microsoft.com/office/powerpoint/2010/main" val="880991888"/>
+        <p14:creationId xmlns:p14="http://schemas.microsoft.com/office/powerpoint/2010/main" val="4183064602"/>
       </p:ext>
     </p:extLst>
   </p:cSld>
   <p:clrMapOvr>
     <a:masterClrMapping/>
   </p:clrMapOvr>
+  <p:transition>
+    <p:fade/>
+  </p:transition>
+</p:sld>
+</file>
+
+<file path=ppt/slides/slide14.xml><?xml version="1.0" encoding="utf-8"?>
+<p:sld xmlns:a="http://schemas.openxmlformats.org/drawingml/2006/main" xmlns:r="http://schemas.openxmlformats.org/officeDocument/2006/relationships" xmlns:p="http://schemas.openxmlformats.org/presentationml/2006/main">
+  <p:cSld>
+    <p:spTree>
+      <p:nvGrpSpPr>
+        <p:cNvPr id="1" name=""/>
+        <p:cNvGrpSpPr/>
+        <p:nvPr/>
+      </p:nvGrpSpPr>
+      <p:grpSpPr>
+        <a:xfrm>
+          <a:off x="0" y="0"/>
+          <a:ext cx="0" cy="0"/>
+          <a:chOff x="0" y="0"/>
+          <a:chExt cx="0" cy="0"/>
+        </a:xfrm>
+      </p:grpSpPr>
+      <p:sp>
+        <p:nvSpPr>
+          <p:cNvPr id="2" name="Titolo 1">
+            <a:extLst>
+              <a:ext uri="{FF2B5EF4-FFF2-40B4-BE49-F238E27FC236}">
+                <a16:creationId xmlns:a16="http://schemas.microsoft.com/office/drawing/2014/main" id="{1AFF9307-A407-2292-0E26-922D0D3379FD}"/>
+              </a:ext>
+            </a:extLst>
+          </p:cNvPr>
+          <p:cNvSpPr>
+            <a:spLocks noGrp="1"/>
+          </p:cNvSpPr>
+          <p:nvPr>
+            <p:ph type="ctrTitle"/>
+          </p:nvPr>
+        </p:nvSpPr>
+        <p:spPr/>
+        <p:txBody>
+          <a:bodyPr/>
+          <a:lstStyle/>
+          <a:p>
+            <a:r>
+              <a:rPr lang="it-IT" sz="5400" b="1" dirty="0"/>
+              <a:t>Fase di test</a:t>
+            </a:r>
+          </a:p>
+        </p:txBody>
+      </p:sp>
+      <p:sp>
+        <p:nvSpPr>
+          <p:cNvPr id="3" name="Sottotitolo 2">
+            <a:extLst>
+              <a:ext uri="{FF2B5EF4-FFF2-40B4-BE49-F238E27FC236}">
+                <a16:creationId xmlns:a16="http://schemas.microsoft.com/office/drawing/2014/main" id="{D6B00DEE-F933-0BC9-4C66-A7E09DCA2F12}"/>
+              </a:ext>
+            </a:extLst>
+          </p:cNvPr>
+          <p:cNvSpPr>
+            <a:spLocks noGrp="1"/>
+          </p:cNvSpPr>
+          <p:nvPr>
+            <p:ph type="subTitle" idx="1"/>
+          </p:nvPr>
+        </p:nvSpPr>
+        <p:spPr/>
+        <p:txBody>
+          <a:bodyPr anchor="ctr"/>
+          <a:lstStyle/>
+          <a:p>
+            <a:pPr algn="r"/>
+            <a:r>
+              <a:rPr lang="it-IT" dirty="0"/>
+              <a:t>Risultati dei test</a:t>
+            </a:r>
+          </a:p>
+        </p:txBody>
+      </p:sp>
+      <p:sp>
+        <p:nvSpPr>
+          <p:cNvPr id="4" name="Segnaposto numero diapositiva 3">
+            <a:extLst>
+              <a:ext uri="{FF2B5EF4-FFF2-40B4-BE49-F238E27FC236}">
+                <a16:creationId xmlns:a16="http://schemas.microsoft.com/office/drawing/2014/main" id="{88470EF9-BCB8-9800-1016-4E027D84FECF}"/>
+              </a:ext>
+            </a:extLst>
+          </p:cNvPr>
+          <p:cNvSpPr>
+            <a:spLocks noGrp="1"/>
+          </p:cNvSpPr>
+          <p:nvPr>
+            <p:ph type="sldNum" sz="quarter" idx="12"/>
+          </p:nvPr>
+        </p:nvSpPr>
+        <p:spPr/>
+        <p:txBody>
+          <a:bodyPr/>
+          <a:lstStyle/>
+          <a:p>
+            <a:fld id="{69E57DC2-970A-4B3E-BB1C-7A09969E49DF}" type="slidenum">
+              <a:rPr lang="en-US" smtClean="0"/>
+              <a:pPr/>
+              <a:t>13</a:t>
+            </a:fld>
+            <a:endParaRPr lang="en-US" dirty="0"/>
+          </a:p>
+        </p:txBody>
+      </p:sp>
+    </p:spTree>
+    <p:extLst>
+      <p:ext uri="{BB962C8B-B14F-4D97-AF65-F5344CB8AC3E}">
+        <p14:creationId xmlns:p14="http://schemas.microsoft.com/office/powerpoint/2010/main" val="1308335337"/>
+      </p:ext>
+    </p:extLst>
+  </p:cSld>
+  <p:clrMapOvr>
+    <a:masterClrMapping/>
+  </p:clrMapOvr>
+  <p:transition>
+    <p:fade/>
+  </p:transition>
+</p:sld>
+</file>
+
+<file path=ppt/slides/slide15.xml><?xml version="1.0" encoding="utf-8"?>
+<p:sld xmlns:a="http://schemas.openxmlformats.org/drawingml/2006/main" xmlns:r="http://schemas.openxmlformats.org/officeDocument/2006/relationships" xmlns:p="http://schemas.openxmlformats.org/presentationml/2006/main">
+  <p:cSld>
+    <p:spTree>
+      <p:nvGrpSpPr>
+        <p:cNvPr id="1" name=""/>
+        <p:cNvGrpSpPr/>
+        <p:nvPr/>
+      </p:nvGrpSpPr>
+      <p:grpSpPr>
+        <a:xfrm>
+          <a:off x="0" y="0"/>
+          <a:ext cx="0" cy="0"/>
+          <a:chOff x="0" y="0"/>
+          <a:chExt cx="0" cy="0"/>
+        </a:xfrm>
+      </p:grpSpPr>
+      <p:sp>
+        <p:nvSpPr>
+          <p:cNvPr id="2" name="Titolo 1">
+            <a:extLst>
+              <a:ext uri="{FF2B5EF4-FFF2-40B4-BE49-F238E27FC236}">
+                <a16:creationId xmlns:a16="http://schemas.microsoft.com/office/drawing/2014/main" id="{63B9193C-F93C-CDF9-3E24-AF05E9F88B7B}"/>
+              </a:ext>
+            </a:extLst>
+          </p:cNvPr>
+          <p:cNvSpPr>
+            <a:spLocks noGrp="1"/>
+          </p:cNvSpPr>
+          <p:nvPr>
+            <p:ph type="title"/>
+          </p:nvPr>
+        </p:nvSpPr>
+        <p:spPr>
+          <a:xfrm>
+            <a:off x="1371600" y="685800"/>
+            <a:ext cx="4447786" cy="733097"/>
+          </a:xfrm>
+        </p:spPr>
+        <p:txBody>
+          <a:bodyPr/>
+          <a:lstStyle/>
+          <a:p>
+            <a:r>
+              <a:rPr lang="it-IT" dirty="0"/>
+              <a:t>Estratto log</a:t>
+            </a:r>
+          </a:p>
+        </p:txBody>
+      </p:sp>
+      <p:pic>
+        <p:nvPicPr>
+          <p:cNvPr id="8" name="Segnaposto contenuto 7" descr="Immagine che contiene testo, schermata, Carattere&#10;&#10;Descrizione generata automaticamente">
+            <a:extLst>
+              <a:ext uri="{FF2B5EF4-FFF2-40B4-BE49-F238E27FC236}">
+                <a16:creationId xmlns:a16="http://schemas.microsoft.com/office/drawing/2014/main" id="{98E72026-A343-D70B-7A12-FC0E49E86E2D}"/>
+              </a:ext>
+            </a:extLst>
+          </p:cNvPr>
+          <p:cNvPicPr>
+            <a:picLocks noGrp="1" noChangeAspect="1"/>
+          </p:cNvPicPr>
+          <p:nvPr>
+            <p:ph sz="half" idx="1"/>
+          </p:nvPr>
+        </p:nvPicPr>
+        <p:blipFill>
+          <a:blip r:embed="rId2"/>
+          <a:stretch>
+            <a:fillRect/>
+          </a:stretch>
+        </p:blipFill>
+        <p:spPr>
+          <a:xfrm>
+            <a:off x="1371600" y="2091544"/>
+            <a:ext cx="5718531" cy="3377611"/>
+          </a:xfrm>
+        </p:spPr>
+      </p:pic>
+      <p:sp>
+        <p:nvSpPr>
+          <p:cNvPr id="5" name="Segnaposto numero diapositiva 4">
+            <a:extLst>
+              <a:ext uri="{FF2B5EF4-FFF2-40B4-BE49-F238E27FC236}">
+                <a16:creationId xmlns:a16="http://schemas.microsoft.com/office/drawing/2014/main" id="{B5AE453E-876A-E3F4-CE85-88AFA2C3A0BE}"/>
+              </a:ext>
+            </a:extLst>
+          </p:cNvPr>
+          <p:cNvSpPr>
+            <a:spLocks noGrp="1"/>
+          </p:cNvSpPr>
+          <p:nvPr>
+            <p:ph type="sldNum" sz="quarter" idx="12"/>
+          </p:nvPr>
+        </p:nvSpPr>
+        <p:spPr/>
+        <p:txBody>
+          <a:bodyPr/>
+          <a:lstStyle/>
+          <a:p>
+            <a:fld id="{69E57DC2-970A-4B3E-BB1C-7A09969E49DF}" type="slidenum">
+              <a:rPr lang="en-US" smtClean="0"/>
+              <a:t>14</a:t>
+            </a:fld>
+            <a:endParaRPr lang="en-US" dirty="0"/>
+          </a:p>
+        </p:txBody>
+      </p:sp>
+      <p:pic>
+        <p:nvPicPr>
+          <p:cNvPr id="6" name="Segnaposto contenuto 5" descr="Immagine che contiene testo, carta, documento, bianco e nero&#10;&#10;Descrizione generata automaticamente">
+            <a:extLst>
+              <a:ext uri="{FF2B5EF4-FFF2-40B4-BE49-F238E27FC236}">
+                <a16:creationId xmlns:a16="http://schemas.microsoft.com/office/drawing/2014/main" id="{3A5F5417-7DD8-17EA-96BA-B217D5D76822}"/>
+              </a:ext>
+            </a:extLst>
+          </p:cNvPr>
+          <p:cNvPicPr>
+            <a:picLocks noGrp="1" noChangeAspect="1"/>
+          </p:cNvPicPr>
+          <p:nvPr>
+            <p:ph sz="half" idx="2"/>
+          </p:nvPr>
+        </p:nvPicPr>
+        <p:blipFill rotWithShape="1">
+          <a:blip r:embed="rId3"/>
+          <a:srcRect b="38887"/>
+          <a:stretch/>
+        </p:blipFill>
+        <p:spPr>
+          <a:xfrm>
+            <a:off x="7212097" y="2091544"/>
+            <a:ext cx="3856931" cy="3377612"/>
+          </a:xfrm>
+        </p:spPr>
+      </p:pic>
+    </p:spTree>
+    <p:extLst>
+      <p:ext uri="{BB962C8B-B14F-4D97-AF65-F5344CB8AC3E}">
+        <p14:creationId xmlns:p14="http://schemas.microsoft.com/office/powerpoint/2010/main" val="929110591"/>
+      </p:ext>
+    </p:extLst>
+  </p:cSld>
+  <p:clrMapOvr>
+    <a:masterClrMapping/>
+  </p:clrMapOvr>
+  <p:transition>
+    <p:fade/>
+  </p:transition>
+</p:sld>
+</file>
+
+<file path=ppt/slides/slide16.xml><?xml version="1.0" encoding="utf-8"?>
+<p:sld xmlns:a="http://schemas.openxmlformats.org/drawingml/2006/main" xmlns:r="http://schemas.openxmlformats.org/officeDocument/2006/relationships" xmlns:p="http://schemas.openxmlformats.org/presentationml/2006/main">
+  <p:cSld>
+    <p:spTree>
+      <p:nvGrpSpPr>
+        <p:cNvPr id="1" name=""/>
+        <p:cNvGrpSpPr/>
+        <p:nvPr/>
+      </p:nvGrpSpPr>
+      <p:grpSpPr>
+        <a:xfrm>
+          <a:off x="0" y="0"/>
+          <a:ext cx="0" cy="0"/>
+          <a:chOff x="0" y="0"/>
+          <a:chExt cx="0" cy="0"/>
+        </a:xfrm>
+      </p:grpSpPr>
+      <p:sp>
+        <p:nvSpPr>
+          <p:cNvPr id="2" name="Titolo 1">
+            <a:extLst>
+              <a:ext uri="{FF2B5EF4-FFF2-40B4-BE49-F238E27FC236}">
+                <a16:creationId xmlns:a16="http://schemas.microsoft.com/office/drawing/2014/main" id="{311668F7-11B9-75EA-A5AA-8050992665E3}"/>
+              </a:ext>
+            </a:extLst>
+          </p:cNvPr>
+          <p:cNvSpPr>
+            <a:spLocks noGrp="1"/>
+          </p:cNvSpPr>
+          <p:nvPr>
+            <p:ph type="title"/>
+          </p:nvPr>
+        </p:nvSpPr>
+        <p:spPr>
+          <a:xfrm>
+            <a:off x="1371600" y="685800"/>
+            <a:ext cx="9601200" cy="712076"/>
+          </a:xfrm>
+        </p:spPr>
+        <p:txBody>
+          <a:bodyPr/>
+          <a:lstStyle/>
+          <a:p>
+            <a:r>
+              <a:rPr lang="it-IT" dirty="0"/>
+              <a:t>Grafico</a:t>
+            </a:r>
+          </a:p>
+        </p:txBody>
+      </p:sp>
+      <p:sp>
+        <p:nvSpPr>
+          <p:cNvPr id="4" name="Segnaposto numero diapositiva 3">
+            <a:extLst>
+              <a:ext uri="{FF2B5EF4-FFF2-40B4-BE49-F238E27FC236}">
+                <a16:creationId xmlns:a16="http://schemas.microsoft.com/office/drawing/2014/main" id="{1E08B8FE-320B-A697-4394-A3D579650ED1}"/>
+              </a:ext>
+            </a:extLst>
+          </p:cNvPr>
+          <p:cNvSpPr>
+            <a:spLocks noGrp="1"/>
+          </p:cNvSpPr>
+          <p:nvPr>
+            <p:ph type="sldNum" sz="quarter" idx="12"/>
+          </p:nvPr>
+        </p:nvSpPr>
+        <p:spPr/>
+        <p:txBody>
+          <a:bodyPr/>
+          <a:lstStyle/>
+          <a:p>
+            <a:fld id="{69E57DC2-970A-4B3E-BB1C-7A09969E49DF}" type="slidenum">
+              <a:rPr lang="en-US" smtClean="0"/>
+              <a:t>15</a:t>
+            </a:fld>
+            <a:endParaRPr lang="en-US" dirty="0"/>
+          </a:p>
+        </p:txBody>
+      </p:sp>
+      <p:graphicFrame>
+        <p:nvGraphicFramePr>
+          <p:cNvPr id="21" name="Segnaposto contenuto 20">
+            <a:extLst>
+              <a:ext uri="{FF2B5EF4-FFF2-40B4-BE49-F238E27FC236}">
+                <a16:creationId xmlns:a16="http://schemas.microsoft.com/office/drawing/2014/main" id="{D15CCB11-BD2B-5FB9-9A93-E4B5B2C5C04F}"/>
+              </a:ext>
+            </a:extLst>
+          </p:cNvPr>
+          <p:cNvGraphicFramePr>
+            <a:graphicFrameLocks noGrp="1"/>
+          </p:cNvGraphicFramePr>
+          <p:nvPr>
+            <p:ph idx="1"/>
+            <p:extLst>
+              <p:ext uri="{D42A27DB-BD31-4B8C-83A1-F6EECF244321}">
+                <p14:modId xmlns:p14="http://schemas.microsoft.com/office/powerpoint/2010/main" val="4233564389"/>
+              </p:ext>
+            </p:extLst>
+          </p:nvPr>
+        </p:nvGraphicFramePr>
+        <p:xfrm>
+          <a:off x="1371600" y="1557338"/>
+          <a:ext cx="9601200" cy="4310062"/>
+        </p:xfrm>
+        <a:graphic>
+          <a:graphicData uri="http://schemas.openxmlformats.org/drawingml/2006/chart">
+            <c:chart xmlns:c="http://schemas.openxmlformats.org/drawingml/2006/chart" xmlns:r="http://schemas.openxmlformats.org/officeDocument/2006/relationships" r:id="rId2"/>
+          </a:graphicData>
+        </a:graphic>
+      </p:graphicFrame>
+    </p:spTree>
+    <p:extLst>
+      <p:ext uri="{BB962C8B-B14F-4D97-AF65-F5344CB8AC3E}">
+        <p14:creationId xmlns:p14="http://schemas.microsoft.com/office/powerpoint/2010/main" val="626449014"/>
+      </p:ext>
+    </p:extLst>
+  </p:cSld>
+  <p:clrMapOvr>
+    <a:masterClrMapping/>
+  </p:clrMapOvr>
+  <p:transition>
+    <p:fade/>
+  </p:transition>
+</p:sld>
+</file>
+
+<file path=ppt/slides/slide17.xml><?xml version="1.0" encoding="utf-8"?>
+<p:sld xmlns:a="http://schemas.openxmlformats.org/drawingml/2006/main" xmlns:r="http://schemas.openxmlformats.org/officeDocument/2006/relationships" xmlns:p="http://schemas.openxmlformats.org/presentationml/2006/main">
+  <p:cSld>
+    <p:spTree>
+      <p:nvGrpSpPr>
+        <p:cNvPr id="1" name=""/>
+        <p:cNvGrpSpPr/>
+        <p:nvPr/>
+      </p:nvGrpSpPr>
+      <p:grpSpPr>
+        <a:xfrm>
+          <a:off x="0" y="0"/>
+          <a:ext cx="0" cy="0"/>
+          <a:chOff x="0" y="0"/>
+          <a:chExt cx="0" cy="0"/>
+        </a:xfrm>
+      </p:grpSpPr>
+      <p:sp>
+        <p:nvSpPr>
+          <p:cNvPr id="2" name="Titolo 1">
+            <a:extLst>
+              <a:ext uri="{FF2B5EF4-FFF2-40B4-BE49-F238E27FC236}">
+                <a16:creationId xmlns:a16="http://schemas.microsoft.com/office/drawing/2014/main" id="{D001F5DA-95D8-CA43-38EB-A7CC8EA8A048}"/>
+              </a:ext>
+            </a:extLst>
+          </p:cNvPr>
+          <p:cNvSpPr>
+            <a:spLocks noGrp="1"/>
+          </p:cNvSpPr>
+          <p:nvPr>
+            <p:ph type="title"/>
+          </p:nvPr>
+        </p:nvSpPr>
+        <p:spPr/>
+        <p:txBody>
+          <a:bodyPr/>
+          <a:lstStyle/>
+          <a:p>
+            <a:r>
+              <a:rPr lang="it-IT" dirty="0"/>
+              <a:t>riferimenti</a:t>
+            </a:r>
+          </a:p>
+        </p:txBody>
+      </p:sp>
+      <p:sp>
+        <p:nvSpPr>
+          <p:cNvPr id="3" name="Segnaposto testo 2">
+            <a:extLst>
+              <a:ext uri="{FF2B5EF4-FFF2-40B4-BE49-F238E27FC236}">
+                <a16:creationId xmlns:a16="http://schemas.microsoft.com/office/drawing/2014/main" id="{06AD3888-23D1-D1EE-06B9-B3FC08B72FF3}"/>
+              </a:ext>
+            </a:extLst>
+          </p:cNvPr>
+          <p:cNvSpPr>
+            <a:spLocks noGrp="1"/>
+          </p:cNvSpPr>
+          <p:nvPr>
+            <p:ph type="body" idx="1"/>
+          </p:nvPr>
+        </p:nvSpPr>
+        <p:spPr/>
+        <p:txBody>
+          <a:bodyPr>
+            <a:normAutofit fontScale="70000" lnSpcReduction="20000"/>
+          </a:bodyPr>
+          <a:lstStyle/>
+          <a:p>
+            <a:r>
+              <a:rPr lang="it-IT" dirty="0"/>
+              <a:t>Progetto a cura di: </a:t>
+            </a:r>
+          </a:p>
+          <a:p>
+            <a:r>
+              <a:rPr lang="it-IT" dirty="0"/>
+              <a:t>Massimiliano Leone</a:t>
+            </a:r>
+          </a:p>
+          <a:p>
+            <a:r>
+              <a:rPr lang="it-IT" dirty="0"/>
+              <a:t>MAT. 171925</a:t>
+            </a:r>
+          </a:p>
+          <a:p>
+            <a:r>
+              <a:rPr lang="it-IT" dirty="0"/>
+              <a:t>Il progetto e questa presentazione sono reperibili al seguente </a:t>
+            </a:r>
+            <a:r>
+              <a:rPr lang="it-IT" dirty="0">
+                <a:hlinkClick r:id="rId2"/>
+              </a:rPr>
+              <a:t>link</a:t>
+            </a:r>
+            <a:endParaRPr lang="it-IT" dirty="0"/>
+          </a:p>
+        </p:txBody>
+      </p:sp>
+      <p:sp>
+        <p:nvSpPr>
+          <p:cNvPr id="4" name="Segnaposto numero diapositiva 3">
+            <a:extLst>
+              <a:ext uri="{FF2B5EF4-FFF2-40B4-BE49-F238E27FC236}">
+                <a16:creationId xmlns:a16="http://schemas.microsoft.com/office/drawing/2014/main" id="{61B9747C-C247-019C-66A6-62D7F87AFC91}"/>
+              </a:ext>
+            </a:extLst>
+          </p:cNvPr>
+          <p:cNvSpPr>
+            <a:spLocks noGrp="1"/>
+          </p:cNvSpPr>
+          <p:nvPr>
+            <p:ph type="sldNum" sz="quarter" idx="12"/>
+          </p:nvPr>
+        </p:nvSpPr>
+        <p:spPr/>
+        <p:txBody>
+          <a:bodyPr/>
+          <a:lstStyle/>
+          <a:p>
+            <a:fld id="{69E57DC2-970A-4B3E-BB1C-7A09969E49DF}" type="slidenum">
+              <a:rPr lang="en-US" smtClean="0"/>
+              <a:pPr/>
+              <a:t>16</a:t>
+            </a:fld>
+            <a:endParaRPr lang="en-US" dirty="0"/>
+          </a:p>
+        </p:txBody>
+      </p:sp>
+    </p:spTree>
+    <p:extLst>
+      <p:ext uri="{BB962C8B-B14F-4D97-AF65-F5344CB8AC3E}">
+        <p14:creationId xmlns:p14="http://schemas.microsoft.com/office/powerpoint/2010/main" val="4135082346"/>
+      </p:ext>
+    </p:extLst>
+  </p:cSld>
+  <p:clrMapOvr>
+    <a:masterClrMapping/>
+  </p:clrMapOvr>
+  <p:transition>
+    <p:fade/>
+  </p:transition>
 </p:sld>
 </file>
 
@@ -4434,35 +7482,6 @@
           </a:p>
         </p:txBody>
       </p:sp>
-      <p:pic>
-        <p:nvPicPr>
-          <p:cNvPr id="5" name="Segnaposto contenuto 4" descr="Immagine che contiene testo, schermata, Carattere, software&#10;&#10;Descrizione generata automaticamente">
-            <a:extLst>
-              <a:ext uri="{FF2B5EF4-FFF2-40B4-BE49-F238E27FC236}">
-                <a16:creationId xmlns:a16="http://schemas.microsoft.com/office/drawing/2014/main" id="{3D99E9F4-D137-B0A3-01A2-7B659E385550}"/>
-              </a:ext>
-            </a:extLst>
-          </p:cNvPr>
-          <p:cNvPicPr>
-            <a:picLocks noGrp="1" noChangeAspect="1"/>
-          </p:cNvPicPr>
-          <p:nvPr>
-            <p:ph idx="1"/>
-          </p:nvPr>
-        </p:nvPicPr>
-        <p:blipFill>
-          <a:blip r:embed="rId2"/>
-          <a:stretch>
-            <a:fillRect/>
-          </a:stretch>
-        </p:blipFill>
-        <p:spPr>
-          <a:xfrm>
-            <a:off x="7786688" y="1289539"/>
-            <a:ext cx="3201480" cy="4882660"/>
-          </a:xfrm>
-        </p:spPr>
-      </p:pic>
       <p:sp>
         <p:nvSpPr>
           <p:cNvPr id="8" name="CasellaDiTesto 7">
@@ -4477,7 +7496,7 @@
         </p:nvSpPr>
         <p:spPr>
           <a:xfrm>
-            <a:off x="1371600" y="1443841"/>
+            <a:off x="1371600" y="1353291"/>
             <a:ext cx="6257925" cy="5078313"/>
           </a:xfrm>
           <a:prstGeom prst="rect">
@@ -4664,6 +7683,64 @@
           </a:p>
         </p:txBody>
       </p:sp>
+      <p:pic>
+        <p:nvPicPr>
+          <p:cNvPr id="7" name="Segnaposto contenuto 6" descr="Immagine che contiene testo, schermata, software, Carattere&#10;&#10;Descrizione generata automaticamente">
+            <a:extLst>
+              <a:ext uri="{FF2B5EF4-FFF2-40B4-BE49-F238E27FC236}">
+                <a16:creationId xmlns:a16="http://schemas.microsoft.com/office/drawing/2014/main" id="{B868EC51-8D8D-85E2-198E-C6072C316AC6}"/>
+              </a:ext>
+            </a:extLst>
+          </p:cNvPr>
+          <p:cNvPicPr>
+            <a:picLocks noGrp="1" noChangeAspect="1"/>
+          </p:cNvPicPr>
+          <p:nvPr>
+            <p:ph idx="1"/>
+          </p:nvPr>
+        </p:nvPicPr>
+        <p:blipFill>
+          <a:blip r:embed="rId2"/>
+          <a:stretch>
+            <a:fillRect/>
+          </a:stretch>
+        </p:blipFill>
+        <p:spPr>
+          <a:xfrm>
+            <a:off x="7714593" y="1353291"/>
+            <a:ext cx="3258207" cy="5051866"/>
+          </a:xfrm>
+        </p:spPr>
+      </p:pic>
+      <p:sp>
+        <p:nvSpPr>
+          <p:cNvPr id="11" name="Segnaposto numero diapositiva 10">
+            <a:extLst>
+              <a:ext uri="{FF2B5EF4-FFF2-40B4-BE49-F238E27FC236}">
+                <a16:creationId xmlns:a16="http://schemas.microsoft.com/office/drawing/2014/main" id="{F8DBFFBB-4B9C-0625-EAF1-AC7E45C943A2}"/>
+              </a:ext>
+            </a:extLst>
+          </p:cNvPr>
+          <p:cNvSpPr>
+            <a:spLocks noGrp="1"/>
+          </p:cNvSpPr>
+          <p:nvPr>
+            <p:ph type="sldNum" sz="quarter" idx="12"/>
+          </p:nvPr>
+        </p:nvSpPr>
+        <p:spPr/>
+        <p:txBody>
+          <a:bodyPr/>
+          <a:lstStyle/>
+          <a:p>
+            <a:fld id="{69E57DC2-970A-4B3E-BB1C-7A09969E49DF}" type="slidenum">
+              <a:rPr lang="en-US" smtClean="0"/>
+              <a:t>1</a:t>
+            </a:fld>
+            <a:endParaRPr lang="en-US" dirty="0"/>
+          </a:p>
+        </p:txBody>
+      </p:sp>
     </p:spTree>
     <p:extLst>
       <p:ext uri="{BB962C8B-B14F-4D97-AF65-F5344CB8AC3E}">
@@ -4674,89 +7751,9 @@
   <p:clrMapOvr>
     <a:masterClrMapping/>
   </p:clrMapOvr>
-  <p:timing>
-    <p:tnLst>
-      <p:par>
-        <p:cTn id="1" dur="indefinite" restart="never" nodeType="tmRoot">
-          <p:childTnLst>
-            <p:seq concurrent="1" nextAc="seek">
-              <p:cTn id="2" dur="indefinite" nodeType="mainSeq">
-                <p:childTnLst>
-                  <p:par>
-                    <p:cTn id="3" fill="hold">
-                      <p:stCondLst>
-                        <p:cond delay="indefinite"/>
-                      </p:stCondLst>
-                      <p:childTnLst>
-                        <p:par>
-                          <p:cTn id="4" fill="hold">
-                            <p:stCondLst>
-                              <p:cond delay="0"/>
-                            </p:stCondLst>
-                            <p:childTnLst>
-                              <p:par>
-                                <p:cTn id="5" presetID="18" presetClass="entr" presetSubtype="12" fill="hold" nodeType="clickEffect">
-                                  <p:stCondLst>
-                                    <p:cond delay="0"/>
-                                  </p:stCondLst>
-                                  <p:childTnLst>
-                                    <p:set>
-                                      <p:cBhvr>
-                                        <p:cTn id="6" dur="1" fill="hold">
-                                          <p:stCondLst>
-                                            <p:cond delay="0"/>
-                                          </p:stCondLst>
-                                        </p:cTn>
-                                        <p:tgtEl>
-                                          <p:spTgt spid="5"/>
-                                        </p:tgtEl>
-                                        <p:attrNameLst>
-                                          <p:attrName>style.visibility</p:attrName>
-                                        </p:attrNameLst>
-                                      </p:cBhvr>
-                                      <p:to>
-                                        <p:strVal val="visible"/>
-                                      </p:to>
-                                    </p:set>
-                                    <p:animEffect transition="in" filter="strips(downLeft)">
-                                      <p:cBhvr>
-                                        <p:cTn id="7" dur="500"/>
-                                        <p:tgtEl>
-                                          <p:spTgt spid="5"/>
-                                        </p:tgtEl>
-                                      </p:cBhvr>
-                                    </p:animEffect>
-                                  </p:childTnLst>
-                                </p:cTn>
-                              </p:par>
-                            </p:childTnLst>
-                          </p:cTn>
-                        </p:par>
-                      </p:childTnLst>
-                    </p:cTn>
-                  </p:par>
-                </p:childTnLst>
-              </p:cTn>
-              <p:prevCondLst>
-                <p:cond evt="onPrev" delay="0">
-                  <p:tgtEl>
-                    <p:sldTgt/>
-                  </p:tgtEl>
-                </p:cond>
-              </p:prevCondLst>
-              <p:nextCondLst>
-                <p:cond evt="onNext" delay="0">
-                  <p:tgtEl>
-                    <p:sldTgt/>
-                  </p:tgtEl>
-                </p:cond>
-              </p:nextCondLst>
-            </p:seq>
-          </p:childTnLst>
-        </p:cTn>
-      </p:par>
-    </p:tnLst>
-  </p:timing>
+  <p:transition>
+    <p:fade/>
+  </p:transition>
 </p:sld>
 </file>
 
@@ -4782,7 +7779,7 @@
           <p:cNvPr id="2" name="Titolo 1">
             <a:extLst>
               <a:ext uri="{FF2B5EF4-FFF2-40B4-BE49-F238E27FC236}">
-                <a16:creationId xmlns:a16="http://schemas.microsoft.com/office/drawing/2014/main" id="{1963049E-5CF9-2A65-EDF5-FC7CEB67A0C3}"/>
+                <a16:creationId xmlns:a16="http://schemas.microsoft.com/office/drawing/2014/main" id="{CC05D7FA-FD35-BB53-DEF1-A265F1C0EBDD}"/>
               </a:ext>
             </a:extLst>
           </p:cNvPr>
@@ -4790,65 +7787,56 @@
             <a:spLocks noGrp="1"/>
           </p:cNvSpPr>
           <p:nvPr>
-            <p:ph type="title"/>
-          </p:nvPr>
-        </p:nvSpPr>
-        <p:spPr>
-          <a:xfrm>
-            <a:off x="1371600" y="685800"/>
-            <a:ext cx="9601200" cy="857250"/>
-          </a:xfrm>
-        </p:spPr>
-        <p:txBody>
-          <a:bodyPr/>
+            <p:ph type="ctrTitle"/>
+          </p:nvPr>
+        </p:nvSpPr>
+        <p:spPr/>
+        <p:txBody>
+          <a:bodyPr anchor="b"/>
           <a:lstStyle/>
           <a:p>
             <a:r>
-              <a:rPr lang="it-IT" b="1" dirty="0"/>
-              <a:t>Strutture</a:t>
-            </a:r>
-            <a:r>
-              <a:rPr lang="it-IT" dirty="0"/>
-              <a:t> </a:t>
-            </a:r>
-          </a:p>
-        </p:txBody>
-      </p:sp>
-      <p:pic>
-        <p:nvPicPr>
-          <p:cNvPr id="10" name="Segnaposto contenuto 9" descr="Immagine che contiene testo, schermata, Carattere&#10;&#10;Descrizione generata automaticamente">
+              <a:rPr lang="it-IT" sz="6000" b="1" i="1" dirty="0"/>
+              <a:t>Analisi del codice</a:t>
+            </a:r>
+          </a:p>
+        </p:txBody>
+      </p:sp>
+      <p:sp>
+        <p:nvSpPr>
+          <p:cNvPr id="3" name="Sottotitolo 2">
             <a:extLst>
               <a:ext uri="{FF2B5EF4-FFF2-40B4-BE49-F238E27FC236}">
-                <a16:creationId xmlns:a16="http://schemas.microsoft.com/office/drawing/2014/main" id="{792C3528-7A1D-C296-0805-8DDBE5FA9F3C}"/>
+                <a16:creationId xmlns:a16="http://schemas.microsoft.com/office/drawing/2014/main" id="{FBEB00C7-9A0B-DB8D-2DD0-86C683F427A3}"/>
               </a:ext>
             </a:extLst>
           </p:cNvPr>
-          <p:cNvPicPr>
-            <a:picLocks noGrp="1" noChangeAspect="1"/>
-          </p:cNvPicPr>
-          <p:nvPr>
-            <p:ph sz="half" idx="1"/>
-          </p:nvPr>
-        </p:nvPicPr>
-        <p:blipFill>
-          <a:blip r:embed="rId2"/>
-          <a:stretch>
-            <a:fillRect/>
-          </a:stretch>
-        </p:blipFill>
-        <p:spPr>
-          <a:xfrm>
-            <a:off x="1371211" y="1543049"/>
-            <a:ext cx="3517824" cy="4324349"/>
-          </a:xfrm>
-        </p:spPr>
-      </p:pic>
-      <p:sp>
-        <p:nvSpPr>
-          <p:cNvPr id="4" name="Segnaposto contenuto 3">
+          <p:cNvSpPr>
+            <a:spLocks noGrp="1"/>
+          </p:cNvSpPr>
+          <p:nvPr>
+            <p:ph type="subTitle" idx="1"/>
+          </p:nvPr>
+        </p:nvSpPr>
+        <p:spPr/>
+        <p:txBody>
+          <a:bodyPr anchor="ctr"/>
+          <a:lstStyle/>
+          <a:p>
+            <a:pPr algn="r"/>
+            <a:r>
+              <a:rPr lang="it-IT" dirty="0"/>
+              <a:t>Libreria nel dettaglio</a:t>
+            </a:r>
+          </a:p>
+        </p:txBody>
+      </p:sp>
+      <p:sp>
+        <p:nvSpPr>
+          <p:cNvPr id="4" name="Segnaposto numero diapositiva 3">
             <a:extLst>
               <a:ext uri="{FF2B5EF4-FFF2-40B4-BE49-F238E27FC236}">
-                <a16:creationId xmlns:a16="http://schemas.microsoft.com/office/drawing/2014/main" id="{278EBFC0-552D-A2BD-A524-B361A0789C22}"/>
+                <a16:creationId xmlns:a16="http://schemas.microsoft.com/office/drawing/2014/main" id="{A883F7FC-819E-AA2E-E1B1-FCA9A54FC605}"/>
               </a:ext>
             </a:extLst>
           </p:cNvPr>
@@ -4856,81 +7844,36 @@
             <a:spLocks noGrp="1"/>
           </p:cNvSpPr>
           <p:nvPr>
-            <p:ph sz="half" idx="2"/>
-          </p:nvPr>
-        </p:nvSpPr>
-        <p:spPr>
-          <a:xfrm>
-            <a:off x="5707024" y="1543049"/>
-            <a:ext cx="4447786" cy="4324350"/>
-          </a:xfrm>
-        </p:spPr>
-        <p:txBody>
-          <a:bodyPr>
-            <a:normAutofit/>
-          </a:bodyPr>
+            <p:ph type="sldNum" sz="quarter" idx="12"/>
+          </p:nvPr>
+        </p:nvSpPr>
+        <p:spPr/>
+        <p:txBody>
+          <a:bodyPr/>
           <a:lstStyle/>
           <a:p>
-            <a:pPr marL="0" indent="0">
-              <a:buNone/>
-            </a:pPr>
-            <a:r>
-              <a:rPr lang="it-IT" dirty="0"/>
-              <a:t>Definizione di due strutture distinte:</a:t>
-            </a:r>
-          </a:p>
-          <a:p>
-            <a:pPr>
-              <a:buFont typeface="Wingdings" pitchFamily="2" charset="2"/>
-              <a:buChar char="Ø"/>
-            </a:pPr>
-            <a:r>
-              <a:rPr lang="it-IT" dirty="0" err="1"/>
-              <a:t>Node</a:t>
-            </a:r>
-            <a:r>
-              <a:rPr lang="it-IT" dirty="0"/>
-              <a:t>: rappresenta un singolo nodo della coda, ed ha al suo interno un intero per memorizzare il valore inserito ed un puntatore al prossimo nodo;</a:t>
-            </a:r>
-          </a:p>
-          <a:p>
-            <a:pPr>
-              <a:buFont typeface="Wingdings" pitchFamily="2" charset="2"/>
-              <a:buChar char="Ø"/>
-            </a:pPr>
-            <a:r>
-              <a:rPr lang="it-IT" dirty="0"/>
-              <a:t>Queue: costituita da due puntatori di tipo </a:t>
-            </a:r>
-            <a:r>
-              <a:rPr lang="it-IT" dirty="0" err="1"/>
-              <a:t>node</a:t>
-            </a:r>
-            <a:r>
-              <a:rPr lang="it-IT" dirty="0"/>
-              <a:t> per tener traccia della coda, e due semafori distinti di cui uno rappresenta il </a:t>
-            </a:r>
-            <a:r>
-              <a:rPr lang="it-IT" dirty="0" err="1"/>
-              <a:t>mutex</a:t>
-            </a:r>
-            <a:r>
-              <a:rPr lang="it-IT" dirty="0"/>
-              <a:t> e l’altro serve per rendere bloccanti le funzioni di pop in caso di coda vuota; </a:t>
-            </a:r>
+            <a:fld id="{69E57DC2-970A-4B3E-BB1C-7A09969E49DF}" type="slidenum">
+              <a:rPr lang="en-US" smtClean="0"/>
+              <a:pPr/>
+              <a:t>2</a:t>
+            </a:fld>
+            <a:endParaRPr lang="en-US" dirty="0"/>
           </a:p>
         </p:txBody>
       </p:sp>
     </p:spTree>
     <p:extLst>
       <p:ext uri="{BB962C8B-B14F-4D97-AF65-F5344CB8AC3E}">
-        <p14:creationId xmlns:p14="http://schemas.microsoft.com/office/powerpoint/2010/main" val="2450945905"/>
+        <p14:creationId xmlns:p14="http://schemas.microsoft.com/office/powerpoint/2010/main" val="3528071546"/>
       </p:ext>
     </p:extLst>
   </p:cSld>
   <p:clrMapOvr>
     <a:masterClrMapping/>
   </p:clrMapOvr>
+  <p:transition>
+    <p:fade/>
+  </p:transition>
 </p:sld>
 </file>
 
@@ -4956,7 +7899,7 @@
           <p:cNvPr id="2" name="Titolo 1">
             <a:extLst>
               <a:ext uri="{FF2B5EF4-FFF2-40B4-BE49-F238E27FC236}">
-                <a16:creationId xmlns:a16="http://schemas.microsoft.com/office/drawing/2014/main" id="{AAD5FD47-BEEA-AFEF-B25A-759B13B4AB04}"/>
+                <a16:creationId xmlns:a16="http://schemas.microsoft.com/office/drawing/2014/main" id="{1963049E-5CF9-2A65-EDF5-FC7CEB67A0C3}"/>
               </a:ext>
             </a:extLst>
           </p:cNvPr>
@@ -4970,7 +7913,7 @@
         <p:spPr>
           <a:xfrm>
             <a:off x="1371600" y="685800"/>
-            <a:ext cx="9601200" cy="771525"/>
+            <a:ext cx="9601200" cy="857250"/>
           </a:xfrm>
         </p:spPr>
         <p:txBody>
@@ -4979,138 +7922,21 @@
           <a:p>
             <a:r>
               <a:rPr lang="it-IT" b="1" dirty="0"/>
-              <a:t>Queue* </a:t>
-            </a:r>
-            <a:r>
-              <a:rPr lang="it-IT" b="1" dirty="0" err="1"/>
-              <a:t>qcreate</a:t>
-            </a:r>
-            <a:r>
-              <a:rPr lang="it-IT" b="1" dirty="0"/>
-              <a:t>()</a:t>
-            </a:r>
-          </a:p>
-        </p:txBody>
-      </p:sp>
-      <p:sp>
-        <p:nvSpPr>
-          <p:cNvPr id="3" name="Segnaposto contenuto 2">
+              <a:t>Strutture</a:t>
+            </a:r>
+            <a:r>
+              <a:rPr lang="it-IT" dirty="0"/>
+              <a:t> </a:t>
+            </a:r>
+          </a:p>
+        </p:txBody>
+      </p:sp>
+      <p:pic>
+        <p:nvPicPr>
+          <p:cNvPr id="10" name="Segnaposto contenuto 9" descr="Immagine che contiene testo, schermata, Carattere&#10;&#10;Descrizione generata automaticamente">
             <a:extLst>
               <a:ext uri="{FF2B5EF4-FFF2-40B4-BE49-F238E27FC236}">
-                <a16:creationId xmlns:a16="http://schemas.microsoft.com/office/drawing/2014/main" id="{C6CCBB3F-4DC4-030F-1D1F-BC0E64AFF207}"/>
-              </a:ext>
-            </a:extLst>
-          </p:cNvPr>
-          <p:cNvSpPr>
-            <a:spLocks noGrp="1"/>
-          </p:cNvSpPr>
-          <p:nvPr>
-            <p:ph sz="half" idx="1"/>
-          </p:nvPr>
-        </p:nvSpPr>
-        <p:spPr>
-          <a:xfrm>
-            <a:off x="1371600" y="1685925"/>
-            <a:ext cx="4447786" cy="4729163"/>
-          </a:xfrm>
-        </p:spPr>
-        <p:txBody>
-          <a:bodyPr>
-            <a:normAutofit/>
-          </a:bodyPr>
-          <a:lstStyle/>
-          <a:p>
-            <a:pPr marL="0" indent="0">
-              <a:buNone/>
-            </a:pPr>
-            <a:r>
-              <a:rPr lang="it-IT" dirty="0"/>
-              <a:t>Questa funzione presenta la creazione di una coda in modo dinamico tramite l’utilizzo della </a:t>
-            </a:r>
-            <a:r>
-              <a:rPr lang="it-IT" dirty="0" err="1"/>
-              <a:t>malloc</a:t>
-            </a:r>
-            <a:r>
-              <a:rPr lang="it-IT" dirty="0"/>
-              <a:t>.</a:t>
-            </a:r>
-          </a:p>
-          <a:p>
-            <a:pPr marL="0" indent="0">
-              <a:buNone/>
-            </a:pPr>
-            <a:r>
-              <a:rPr lang="it-IT" dirty="0"/>
-              <a:t>Successivamente vengono inizializzati i campi della struttura come di seguito:</a:t>
-            </a:r>
-          </a:p>
-          <a:p>
-            <a:pPr>
-              <a:buFont typeface="Courier New" panose="02070309020205020404" pitchFamily="49" charset="0"/>
-              <a:buChar char="o"/>
-            </a:pPr>
-            <a:r>
-              <a:rPr lang="it-IT" dirty="0"/>
-              <a:t>Puntatori: valorizzati entrambi a NULL dato che la coda è vuota;</a:t>
-            </a:r>
-          </a:p>
-          <a:p>
-            <a:pPr>
-              <a:buFont typeface="Courier New" panose="02070309020205020404" pitchFamily="49" charset="0"/>
-              <a:buChar char="o"/>
-            </a:pPr>
-            <a:r>
-              <a:rPr lang="it-IT" dirty="0"/>
-              <a:t>Semafori: due configurazioni differenti</a:t>
-            </a:r>
-          </a:p>
-          <a:p>
-            <a:pPr lvl="1">
-              <a:buFont typeface="Arial" panose="020B0604020202020204" pitchFamily="34" charset="0"/>
-              <a:buChar char="•"/>
-            </a:pPr>
-            <a:r>
-              <a:rPr lang="it-IT" dirty="0" err="1"/>
-              <a:t>Mutex</a:t>
-            </a:r>
-            <a:r>
-              <a:rPr lang="it-IT" dirty="0"/>
-              <a:t>: </a:t>
-            </a:r>
-            <a:r>
-              <a:rPr lang="it-IT" i="0" dirty="0"/>
-              <a:t>gestione della sezione critica;</a:t>
-            </a:r>
-            <a:endParaRPr lang="it-IT" dirty="0"/>
-          </a:p>
-          <a:p>
-            <a:pPr lvl="1">
-              <a:buFont typeface="Arial" panose="020B0604020202020204" pitchFamily="34" charset="0"/>
-              <a:buChar char="•"/>
-            </a:pPr>
-            <a:r>
-              <a:rPr lang="it-IT" dirty="0" err="1"/>
-              <a:t>Popsem</a:t>
-            </a:r>
-            <a:r>
-              <a:rPr lang="it-IT" dirty="0"/>
-              <a:t>:</a:t>
-            </a:r>
-            <a:r>
-              <a:rPr lang="it-IT" i="0" dirty="0"/>
-              <a:t> gestione della qpop se la coda è vuota;</a:t>
-            </a:r>
-            <a:endParaRPr lang="it-IT" dirty="0"/>
-          </a:p>
-        </p:txBody>
-      </p:sp>
-      <p:pic>
-        <p:nvPicPr>
-          <p:cNvPr id="6" name="Segnaposto contenuto 5" descr="Immagine che contiene testo, schermata, Carattere&#10;&#10;Descrizione generata automaticamente">
-            <a:extLst>
-              <a:ext uri="{FF2B5EF4-FFF2-40B4-BE49-F238E27FC236}">
-                <a16:creationId xmlns:a16="http://schemas.microsoft.com/office/drawing/2014/main" id="{CCBAF6BE-AD02-CFEE-6FB3-8D9D69D6435D}"/>
+                <a16:creationId xmlns:a16="http://schemas.microsoft.com/office/drawing/2014/main" id="{792C3528-7A1D-C296-0805-8DDBE5FA9F3C}"/>
               </a:ext>
             </a:extLst>
           </p:cNvPr>
@@ -5118,7 +7944,7 @@
             <a:picLocks noGrp="1" noChangeAspect="1"/>
           </p:cNvPicPr>
           <p:nvPr>
-            <p:ph sz="half" idx="2"/>
+            <p:ph sz="half" idx="1"/>
           </p:nvPr>
         </p:nvPicPr>
         <p:blipFill>
@@ -5129,21 +7955,111 @@
         </p:blipFill>
         <p:spPr>
           <a:xfrm>
-            <a:off x="6096000" y="2165618"/>
-            <a:ext cx="5263618" cy="3763695"/>
+            <a:off x="1371211" y="1543049"/>
+            <a:ext cx="3517824" cy="4324349"/>
           </a:xfrm>
         </p:spPr>
       </p:pic>
+      <p:sp>
+        <p:nvSpPr>
+          <p:cNvPr id="4" name="Segnaposto contenuto 3">
+            <a:extLst>
+              <a:ext uri="{FF2B5EF4-FFF2-40B4-BE49-F238E27FC236}">
+                <a16:creationId xmlns:a16="http://schemas.microsoft.com/office/drawing/2014/main" id="{278EBFC0-552D-A2BD-A524-B361A0789C22}"/>
+              </a:ext>
+            </a:extLst>
+          </p:cNvPr>
+          <p:cNvSpPr>
+            <a:spLocks noGrp="1"/>
+          </p:cNvSpPr>
+          <p:nvPr>
+            <p:ph sz="half" idx="2"/>
+          </p:nvPr>
+        </p:nvSpPr>
+        <p:spPr>
+          <a:xfrm>
+            <a:off x="5707024" y="1543049"/>
+            <a:ext cx="4447786" cy="4324350"/>
+          </a:xfrm>
+        </p:spPr>
+        <p:txBody>
+          <a:bodyPr>
+            <a:normAutofit/>
+          </a:bodyPr>
+          <a:lstStyle/>
+          <a:p>
+            <a:pPr marL="0" indent="0">
+              <a:buNone/>
+            </a:pPr>
+            <a:r>
+              <a:rPr lang="it-IT" dirty="0"/>
+              <a:t>Definizione di due strutture distinte:</a:t>
+            </a:r>
+          </a:p>
+          <a:p>
+            <a:pPr>
+              <a:buFont typeface="Wingdings" pitchFamily="2" charset="2"/>
+              <a:buChar char="Ø"/>
+            </a:pPr>
+            <a:r>
+              <a:rPr lang="it-IT" dirty="0"/>
+              <a:t>Node: rappresenta un singolo nodo della coda, ed ha al suo interno un intero per memorizzare il valore inserito ed un puntatore al prossimo nodo;</a:t>
+            </a:r>
+          </a:p>
+          <a:p>
+            <a:pPr>
+              <a:buFont typeface="Wingdings" pitchFamily="2" charset="2"/>
+              <a:buChar char="Ø"/>
+            </a:pPr>
+            <a:r>
+              <a:rPr lang="it-IT" dirty="0"/>
+              <a:t>Queue: costituita da due puntatori di tipo node per tener traccia della coda, e due semafori distinti di cui uno rappresenta il mutex e l’altro serve per rendere bloccanti le funzioni di pop in caso di coda vuota; </a:t>
+            </a:r>
+          </a:p>
+        </p:txBody>
+      </p:sp>
+      <p:sp>
+        <p:nvSpPr>
+          <p:cNvPr id="3" name="Segnaposto numero diapositiva 2">
+            <a:extLst>
+              <a:ext uri="{FF2B5EF4-FFF2-40B4-BE49-F238E27FC236}">
+                <a16:creationId xmlns:a16="http://schemas.microsoft.com/office/drawing/2014/main" id="{84DBA181-325F-052E-9AF7-18FFDBB176FD}"/>
+              </a:ext>
+            </a:extLst>
+          </p:cNvPr>
+          <p:cNvSpPr>
+            <a:spLocks noGrp="1"/>
+          </p:cNvSpPr>
+          <p:nvPr>
+            <p:ph type="sldNum" sz="quarter" idx="12"/>
+          </p:nvPr>
+        </p:nvSpPr>
+        <p:spPr/>
+        <p:txBody>
+          <a:bodyPr/>
+          <a:lstStyle/>
+          <a:p>
+            <a:fld id="{69E57DC2-970A-4B3E-BB1C-7A09969E49DF}" type="slidenum">
+              <a:rPr lang="en-US" smtClean="0"/>
+              <a:t>3</a:t>
+            </a:fld>
+            <a:endParaRPr lang="en-US" dirty="0"/>
+          </a:p>
+        </p:txBody>
+      </p:sp>
     </p:spTree>
     <p:extLst>
       <p:ext uri="{BB962C8B-B14F-4D97-AF65-F5344CB8AC3E}">
-        <p14:creationId xmlns:p14="http://schemas.microsoft.com/office/powerpoint/2010/main" val="1772454734"/>
+        <p14:creationId xmlns:p14="http://schemas.microsoft.com/office/powerpoint/2010/main" val="2450945905"/>
       </p:ext>
     </p:extLst>
   </p:cSld>
   <p:clrMapOvr>
     <a:masterClrMapping/>
   </p:clrMapOvr>
+  <p:transition>
+    <p:fade/>
+  </p:transition>
 </p:sld>
 </file>
 
@@ -5169,7 +8085,7 @@
           <p:cNvPr id="2" name="Titolo 1">
             <a:extLst>
               <a:ext uri="{FF2B5EF4-FFF2-40B4-BE49-F238E27FC236}">
-                <a16:creationId xmlns:a16="http://schemas.microsoft.com/office/drawing/2014/main" id="{6CF710AD-79BA-FB00-543D-3E366BADCFDE}"/>
+                <a16:creationId xmlns:a16="http://schemas.microsoft.com/office/drawing/2014/main" id="{AAD5FD47-BEEA-AFEF-B25A-759B13B4AB04}"/>
               </a:ext>
             </a:extLst>
           </p:cNvPr>
@@ -5183,7 +8099,7 @@
         <p:spPr>
           <a:xfrm>
             <a:off x="1371600" y="685800"/>
-            <a:ext cx="9601200" cy="742950"/>
+            <a:ext cx="9601200" cy="771525"/>
           </a:xfrm>
         </p:spPr>
         <p:txBody>
@@ -5192,17 +8108,134 @@
           <a:p>
             <a:r>
               <a:rPr lang="it-IT" b="1" dirty="0"/>
-              <a:t>Qpush()</a:t>
-            </a:r>
+              <a:t>Queue* </a:t>
+            </a:r>
+            <a:r>
+              <a:rPr lang="it-IT" b="1" dirty="0" err="1"/>
+              <a:t>qcreate</a:t>
+            </a:r>
+            <a:r>
+              <a:rPr lang="it-IT" b="1" dirty="0"/>
+              <a:t>()</a:t>
+            </a:r>
+          </a:p>
+        </p:txBody>
+      </p:sp>
+      <p:sp>
+        <p:nvSpPr>
+          <p:cNvPr id="3" name="Segnaposto contenuto 2">
+            <a:extLst>
+              <a:ext uri="{FF2B5EF4-FFF2-40B4-BE49-F238E27FC236}">
+                <a16:creationId xmlns:a16="http://schemas.microsoft.com/office/drawing/2014/main" id="{C6CCBB3F-4DC4-030F-1D1F-BC0E64AFF207}"/>
+              </a:ext>
+            </a:extLst>
+          </p:cNvPr>
+          <p:cNvSpPr>
+            <a:spLocks noGrp="1"/>
+          </p:cNvSpPr>
+          <p:nvPr>
+            <p:ph sz="half" idx="1"/>
+          </p:nvPr>
+        </p:nvSpPr>
+        <p:spPr>
+          <a:xfrm>
+            <a:off x="1371600" y="1685925"/>
+            <a:ext cx="4447786" cy="4729163"/>
+          </a:xfrm>
+        </p:spPr>
+        <p:txBody>
+          <a:bodyPr>
+            <a:normAutofit/>
+          </a:bodyPr>
+          <a:lstStyle/>
+          <a:p>
+            <a:pPr marL="0" indent="0">
+              <a:buNone/>
+            </a:pPr>
+            <a:r>
+              <a:rPr lang="it-IT" dirty="0"/>
+              <a:t>Questa funzione presenta la creazione di una coda in modo dinamico tramite l’utilizzo della </a:t>
+            </a:r>
+            <a:r>
+              <a:rPr lang="it-IT" dirty="0" err="1"/>
+              <a:t>malloc</a:t>
+            </a:r>
+            <a:r>
+              <a:rPr lang="it-IT" dirty="0"/>
+              <a:t>.</a:t>
+            </a:r>
+          </a:p>
+          <a:p>
+            <a:pPr marL="0" indent="0">
+              <a:buNone/>
+            </a:pPr>
+            <a:r>
+              <a:rPr lang="it-IT" dirty="0"/>
+              <a:t>Successivamente vengono inizializzati i campi della struttura come di seguito:</a:t>
+            </a:r>
+          </a:p>
+          <a:p>
+            <a:pPr>
+              <a:buFont typeface="Courier New" panose="02070309020205020404" pitchFamily="49" charset="0"/>
+              <a:buChar char="o"/>
+            </a:pPr>
+            <a:r>
+              <a:rPr lang="it-IT" dirty="0"/>
+              <a:t>Puntatori: valorizzati entrambi a NULL dato che la coda è vuota;</a:t>
+            </a:r>
+          </a:p>
+          <a:p>
+            <a:pPr>
+              <a:buFont typeface="Courier New" panose="02070309020205020404" pitchFamily="49" charset="0"/>
+              <a:buChar char="o"/>
+            </a:pPr>
+            <a:r>
+              <a:rPr lang="it-IT" dirty="0"/>
+              <a:t>Semafori: due configurazioni differenti</a:t>
+            </a:r>
+          </a:p>
+          <a:p>
+            <a:pPr lvl="1">
+              <a:buFont typeface="Arial" panose="020B0604020202020204" pitchFamily="34" charset="0"/>
+              <a:buChar char="•"/>
+            </a:pPr>
+            <a:r>
+              <a:rPr lang="it-IT" dirty="0"/>
+              <a:t>Mutex: </a:t>
+            </a:r>
+            <a:r>
+              <a:rPr lang="it-IT" i="0" dirty="0"/>
+              <a:t>gestione della sezione critica;</a:t>
+            </a:r>
+            <a:endParaRPr lang="it-IT" dirty="0"/>
+          </a:p>
+          <a:p>
+            <a:pPr lvl="1">
+              <a:buFont typeface="Arial" panose="020B0604020202020204" pitchFamily="34" charset="0"/>
+              <a:buChar char="•"/>
+            </a:pPr>
+            <a:r>
+              <a:rPr lang="it-IT" dirty="0" err="1"/>
+              <a:t>Popsem</a:t>
+            </a:r>
+            <a:r>
+              <a:rPr lang="it-IT" dirty="0"/>
+              <a:t>:</a:t>
+            </a:r>
+            <a:r>
+              <a:rPr lang="it-IT" i="0" dirty="0"/>
+              <a:t> gestione della qpop se la coda è vuota;</a:t>
+            </a:r>
+            <a:endParaRPr lang="it-IT" dirty="0"/>
           </a:p>
         </p:txBody>
       </p:sp>
       <p:pic>
         <p:nvPicPr>
-          <p:cNvPr id="8" name="Segnaposto contenuto 7" descr="Immagine che contiene testo, schermata, software&#10;&#10;Descrizione generata automaticamente">
+          <p:cNvPr id="6" name="Segnaposto contenuto 5" descr="Immagine che contiene testo, schermata, Carattere&#10;&#10;Descrizione generata automaticamente">
             <a:extLst>
               <a:ext uri="{FF2B5EF4-FFF2-40B4-BE49-F238E27FC236}">
-                <a16:creationId xmlns:a16="http://schemas.microsoft.com/office/drawing/2014/main" id="{B98BFA9D-16B0-1D33-EF16-8A50F02EBC3F}"/>
+                <a16:creationId xmlns:a16="http://schemas.microsoft.com/office/drawing/2014/main" id="{CCBAF6BE-AD02-CFEE-6FB3-8D9D69D6435D}"/>
               </a:ext>
             </a:extLst>
           </p:cNvPr>
@@ -5210,7 +8243,7 @@
             <a:picLocks noGrp="1" noChangeAspect="1"/>
           </p:cNvPicPr>
           <p:nvPr>
-            <p:ph sz="half" idx="1"/>
+            <p:ph sz="half" idx="2"/>
           </p:nvPr>
         </p:nvPicPr>
         <p:blipFill>
@@ -5221,17 +8254,17 @@
         </p:blipFill>
         <p:spPr>
           <a:xfrm>
-            <a:off x="1371600" y="1592624"/>
-            <a:ext cx="5061258" cy="4579576"/>
+            <a:off x="6096000" y="2165618"/>
+            <a:ext cx="5263618" cy="3763695"/>
           </a:xfrm>
         </p:spPr>
       </p:pic>
       <p:sp>
         <p:nvSpPr>
-          <p:cNvPr id="4" name="Segnaposto contenuto 3">
+          <p:cNvPr id="4" name="Segnaposto numero diapositiva 3">
             <a:extLst>
               <a:ext uri="{FF2B5EF4-FFF2-40B4-BE49-F238E27FC236}">
-                <a16:creationId xmlns:a16="http://schemas.microsoft.com/office/drawing/2014/main" id="{59EE347F-64C7-7399-B0AC-612B315B17CE}"/>
+                <a16:creationId xmlns:a16="http://schemas.microsoft.com/office/drawing/2014/main" id="{A96D3965-2E18-6046-D8A2-56A8F5FC1672}"/>
               </a:ext>
             </a:extLst>
           </p:cNvPr>
@@ -5239,33 +8272,35 @@
             <a:spLocks noGrp="1"/>
           </p:cNvSpPr>
           <p:nvPr>
-            <p:ph sz="half" idx="2"/>
-          </p:nvPr>
-        </p:nvSpPr>
-        <p:spPr>
-          <a:xfrm>
-            <a:off x="6882591" y="1638299"/>
-            <a:ext cx="4447786" cy="3581401"/>
-          </a:xfrm>
-        </p:spPr>
+            <p:ph type="sldNum" sz="quarter" idx="12"/>
+          </p:nvPr>
+        </p:nvSpPr>
+        <p:spPr/>
         <p:txBody>
           <a:bodyPr/>
           <a:lstStyle/>
           <a:p>
-            <a:endParaRPr lang="it-IT" dirty="0"/>
+            <a:fld id="{69E57DC2-970A-4B3E-BB1C-7A09969E49DF}" type="slidenum">
+              <a:rPr lang="en-US" smtClean="0"/>
+              <a:t>4</a:t>
+            </a:fld>
+            <a:endParaRPr lang="en-US" dirty="0"/>
           </a:p>
         </p:txBody>
       </p:sp>
     </p:spTree>
     <p:extLst>
       <p:ext uri="{BB962C8B-B14F-4D97-AF65-F5344CB8AC3E}">
-        <p14:creationId xmlns:p14="http://schemas.microsoft.com/office/powerpoint/2010/main" val="1130709323"/>
+        <p14:creationId xmlns:p14="http://schemas.microsoft.com/office/powerpoint/2010/main" val="1772454734"/>
       </p:ext>
     </p:extLst>
   </p:cSld>
   <p:clrMapOvr>
     <a:masterClrMapping/>
   </p:clrMapOvr>
+  <p:transition>
+    <p:fade/>
+  </p:transition>
 </p:sld>
 </file>
 
@@ -5291,7 +8326,7 @@
           <p:cNvPr id="2" name="Titolo 1">
             <a:extLst>
               <a:ext uri="{FF2B5EF4-FFF2-40B4-BE49-F238E27FC236}">
-                <a16:creationId xmlns:a16="http://schemas.microsoft.com/office/drawing/2014/main" id="{E741143A-CE40-D7FE-7110-5BAE3A9222B4}"/>
+                <a16:creationId xmlns:a16="http://schemas.microsoft.com/office/drawing/2014/main" id="{6CF710AD-79BA-FB00-543D-3E366BADCFDE}"/>
               </a:ext>
             </a:extLst>
           </p:cNvPr>
@@ -5302,24 +8337,33 @@
             <p:ph type="title"/>
           </p:nvPr>
         </p:nvSpPr>
-        <p:spPr/>
+        <p:spPr>
+          <a:xfrm>
+            <a:off x="1219200" y="719959"/>
+            <a:ext cx="9601200" cy="742950"/>
+          </a:xfrm>
+        </p:spPr>
         <p:txBody>
           <a:bodyPr/>
           <a:lstStyle/>
           <a:p>
             <a:r>
+              <a:rPr lang="it-IT" b="1" dirty="0" err="1"/>
+              <a:t>Qpush</a:t>
+            </a:r>
+            <a:r>
               <a:rPr lang="it-IT" b="1" dirty="0"/>
-              <a:t>Qpop()</a:t>
-            </a:r>
-          </a:p>
-        </p:txBody>
-      </p:sp>
-      <p:sp>
-        <p:nvSpPr>
-          <p:cNvPr id="3" name="Segnaposto contenuto 2">
+              <a:t>()</a:t>
+            </a:r>
+          </a:p>
+        </p:txBody>
+      </p:sp>
+      <p:sp>
+        <p:nvSpPr>
+          <p:cNvPr id="4" name="Segnaposto contenuto 3">
             <a:extLst>
               <a:ext uri="{FF2B5EF4-FFF2-40B4-BE49-F238E27FC236}">
-                <a16:creationId xmlns:a16="http://schemas.microsoft.com/office/drawing/2014/main" id="{C84F8FFF-B1C6-06BF-36FD-3B63DB2649C6}"/>
+                <a16:creationId xmlns:a16="http://schemas.microsoft.com/office/drawing/2014/main" id="{59EE347F-64C7-7399-B0AC-612B315B17CE}"/>
               </a:ext>
             </a:extLst>
           </p:cNvPr>
@@ -5327,32 +8371,112 @@
             <a:spLocks noGrp="1"/>
           </p:cNvSpPr>
           <p:nvPr>
-            <p:ph sz="half" idx="1"/>
-          </p:nvPr>
-        </p:nvSpPr>
-        <p:spPr/>
-        <p:txBody>
-          <a:bodyPr/>
+            <p:ph sz="half" idx="2"/>
+          </p:nvPr>
+        </p:nvSpPr>
+        <p:spPr>
+          <a:xfrm>
+            <a:off x="6882591" y="1638299"/>
+            <a:ext cx="4447786" cy="4533901"/>
+          </a:xfrm>
+        </p:spPr>
+        <p:txBody>
+          <a:bodyPr>
+            <a:normAutofit fontScale="92500" lnSpcReduction="20000"/>
+          </a:bodyPr>
           <a:lstStyle/>
           <a:p>
-            <a:endParaRPr lang="it-IT"/>
-          </a:p>
-        </p:txBody>
-      </p:sp>
-      <p:sp>
-        <p:nvSpPr>
-          <p:cNvPr id="4" name="Segnaposto contenuto 3">
+            <a:r>
+              <a:rPr lang="it-IT" dirty="0"/>
+              <a:t>La funzione di </a:t>
+            </a:r>
+            <a:r>
+              <a:rPr lang="it-IT" dirty="0" err="1"/>
+              <a:t>push</a:t>
+            </a:r>
+            <a:r>
+              <a:rPr lang="it-IT" dirty="0"/>
+              <a:t> ha in input la coda sulla quale si vuole inserire il dato, l’intero da voler inserire ed il numero del thread per poter tracciare chi esegue questa funzione.</a:t>
+            </a:r>
+          </a:p>
+          <a:p>
+            <a:r>
+              <a:rPr lang="it-IT" dirty="0"/>
+              <a:t>In particolare, all’interno della sezione critica abbiamo la creazione dinamica di un nuovo nodo che trasporta il dato inserito.</a:t>
+            </a:r>
+          </a:p>
+          <a:p>
+            <a:r>
+              <a:rPr lang="it-IT" dirty="0"/>
+              <a:t>Successivamente, viene eseguito un controllo sulla coda per capire se il nodo che stiamo inserendo è il primo. In tal caso si farà una </a:t>
+            </a:r>
+            <a:r>
+              <a:rPr lang="it-IT" dirty="0" err="1"/>
+              <a:t>sem_post</a:t>
+            </a:r>
+            <a:r>
+              <a:rPr lang="it-IT" dirty="0"/>
+              <a:t> sul semaforo della pop, per informare altri thread in attesa, se presenti, che la coda non è più vuota. </a:t>
+            </a:r>
+            <a:br>
+              <a:rPr lang="it-IT" dirty="0"/>
+            </a:br>
+            <a:r>
+              <a:rPr lang="it-IT" dirty="0"/>
+              <a:t>Altrimenti, viene aggiornato il puntatore del penultimo nodo inserito.</a:t>
+            </a:r>
+          </a:p>
+          <a:p>
+            <a:pPr marL="0" indent="0">
+              <a:buNone/>
+            </a:pPr>
+            <a:endParaRPr lang="it-IT" dirty="0"/>
+          </a:p>
+        </p:txBody>
+      </p:sp>
+      <p:pic>
+        <p:nvPicPr>
+          <p:cNvPr id="7" name="Segnaposto contenuto 6" descr="Immagine che contiene testo, schermata, software&#10;&#10;Descrizione generata automaticamente">
             <a:extLst>
               <a:ext uri="{FF2B5EF4-FFF2-40B4-BE49-F238E27FC236}">
-                <a16:creationId xmlns:a16="http://schemas.microsoft.com/office/drawing/2014/main" id="{178848BB-0DC4-F485-25D9-E149148574BB}"/>
+                <a16:creationId xmlns:a16="http://schemas.microsoft.com/office/drawing/2014/main" id="{DB6B2C7C-3D56-0EBD-99E5-02BA373B570A}"/>
               </a:ext>
             </a:extLst>
           </p:cNvPr>
-          <p:cNvSpPr>
-            <a:spLocks noGrp="1"/>
-          </p:cNvSpPr>
-          <p:nvPr>
-            <p:ph sz="half" idx="2"/>
+          <p:cNvPicPr>
+            <a:picLocks noGrp="1" noChangeAspect="1"/>
+          </p:cNvPicPr>
+          <p:nvPr>
+            <p:ph sz="half" idx="1"/>
+          </p:nvPr>
+        </p:nvPicPr>
+        <p:blipFill>
+          <a:blip r:embed="rId2"/>
+          <a:stretch>
+            <a:fillRect/>
+          </a:stretch>
+        </p:blipFill>
+        <p:spPr>
+          <a:xfrm>
+            <a:off x="1219200" y="2149026"/>
+            <a:ext cx="5663391" cy="3512446"/>
+          </a:xfrm>
+        </p:spPr>
+      </p:pic>
+      <p:sp>
+        <p:nvSpPr>
+          <p:cNvPr id="9" name="Segnaposto numero diapositiva 8">
+            <a:extLst>
+              <a:ext uri="{FF2B5EF4-FFF2-40B4-BE49-F238E27FC236}">
+                <a16:creationId xmlns:a16="http://schemas.microsoft.com/office/drawing/2014/main" id="{69FCB20D-C5B8-6DF5-3A95-2C593DAF1B6C}"/>
+              </a:ext>
+            </a:extLst>
+          </p:cNvPr>
+          <p:cNvSpPr>
+            <a:spLocks noGrp="1"/>
+          </p:cNvSpPr>
+          <p:nvPr>
+            <p:ph type="sldNum" sz="quarter" idx="12"/>
           </p:nvPr>
         </p:nvSpPr>
         <p:spPr/>
@@ -5360,20 +8484,27 @@
           <a:bodyPr/>
           <a:lstStyle/>
           <a:p>
-            <a:endParaRPr lang="it-IT"/>
+            <a:fld id="{69E57DC2-970A-4B3E-BB1C-7A09969E49DF}" type="slidenum">
+              <a:rPr lang="en-US" smtClean="0"/>
+              <a:t>5</a:t>
+            </a:fld>
+            <a:endParaRPr lang="en-US" dirty="0"/>
           </a:p>
         </p:txBody>
       </p:sp>
     </p:spTree>
     <p:extLst>
       <p:ext uri="{BB962C8B-B14F-4D97-AF65-F5344CB8AC3E}">
-        <p14:creationId xmlns:p14="http://schemas.microsoft.com/office/powerpoint/2010/main" val="1565352212"/>
+        <p14:creationId xmlns:p14="http://schemas.microsoft.com/office/powerpoint/2010/main" val="1130709323"/>
       </p:ext>
     </p:extLst>
   </p:cSld>
   <p:clrMapOvr>
     <a:masterClrMapping/>
   </p:clrMapOvr>
+  <p:transition>
+    <p:fade/>
+  </p:transition>
 </p:sld>
 </file>
 
@@ -5399,7 +8530,7 @@
           <p:cNvPr id="2" name="Titolo 1">
             <a:extLst>
               <a:ext uri="{FF2B5EF4-FFF2-40B4-BE49-F238E27FC236}">
-                <a16:creationId xmlns:a16="http://schemas.microsoft.com/office/drawing/2014/main" id="{5C7550D7-3F52-1D95-AB4B-E851D3CD5C6E}"/>
+                <a16:creationId xmlns:a16="http://schemas.microsoft.com/office/drawing/2014/main" id="{E741143A-CE40-D7FE-7110-5BAE3A9222B4}"/>
               </a:ext>
             </a:extLst>
           </p:cNvPr>
@@ -5410,18 +8541,19 @@
             <p:ph type="title"/>
           </p:nvPr>
         </p:nvSpPr>
-        <p:spPr/>
+        <p:spPr>
+          <a:xfrm>
+            <a:off x="1371600" y="685800"/>
+            <a:ext cx="9601200" cy="796159"/>
+          </a:xfrm>
+        </p:spPr>
         <p:txBody>
           <a:bodyPr/>
           <a:lstStyle/>
           <a:p>
             <a:r>
-              <a:rPr lang="it-IT" b="1" dirty="0" err="1"/>
-              <a:t>Qdestroy</a:t>
-            </a:r>
-            <a:r>
               <a:rPr lang="it-IT" b="1" dirty="0"/>
-              <a:t>()</a:t>
+              <a:t>Qpop()</a:t>
             </a:r>
           </a:p>
         </p:txBody>
@@ -5431,7 +8563,7 @@
           <p:cNvPr id="3" name="Segnaposto contenuto 2">
             <a:extLst>
               <a:ext uri="{FF2B5EF4-FFF2-40B4-BE49-F238E27FC236}">
-                <a16:creationId xmlns:a16="http://schemas.microsoft.com/office/drawing/2014/main" id="{DBE82011-4C5E-F47D-FB2E-32345025CD43}"/>
+                <a16:creationId xmlns:a16="http://schemas.microsoft.com/office/drawing/2014/main" id="{C84F8FFF-B1C6-06BF-36FD-3B63DB2649C6}"/>
               </a:ext>
             </a:extLst>
           </p:cNvPr>
@@ -5442,29 +8574,115 @@
             <p:ph sz="half" idx="1"/>
           </p:nvPr>
         </p:nvSpPr>
-        <p:spPr/>
-        <p:txBody>
-          <a:bodyPr/>
+        <p:spPr>
+          <a:xfrm>
+            <a:off x="1371600" y="1481959"/>
+            <a:ext cx="4447786" cy="4385441"/>
+          </a:xfrm>
+        </p:spPr>
+        <p:txBody>
+          <a:bodyPr>
+            <a:normAutofit/>
+          </a:bodyPr>
           <a:lstStyle/>
           <a:p>
-            <a:endParaRPr lang="it-IT"/>
-          </a:p>
-        </p:txBody>
-      </p:sp>
-      <p:sp>
-        <p:nvSpPr>
-          <p:cNvPr id="4" name="Segnaposto contenuto 3">
+            <a:pPr marL="0" indent="0">
+              <a:buNone/>
+            </a:pPr>
+            <a:r>
+              <a:rPr lang="it-IT" dirty="0"/>
+              <a:t>La funzione di pop ha in input la coda dalla quale si vuole estrarre il dato, l’intero su cui memorizzeremo il dato ed il numero del thread per poter tracciare chi esegue questa funzione.</a:t>
+            </a:r>
+          </a:p>
+          <a:p>
+            <a:pPr marL="0" indent="0">
+              <a:buNone/>
+            </a:pPr>
+            <a:r>
+              <a:rPr lang="it-IT" dirty="0"/>
+              <a:t>In particolare, si possono distinguere due casistiche:</a:t>
+            </a:r>
+          </a:p>
+          <a:p>
+            <a:pPr>
+              <a:buFont typeface="Arial" panose="020B0604020202020204" pitchFamily="34" charset="0"/>
+              <a:buChar char="•"/>
+            </a:pPr>
+            <a:r>
+              <a:rPr lang="it-IT" dirty="0"/>
+              <a:t>Coda con almeno un elemento:</a:t>
+            </a:r>
+            <a:br>
+              <a:rPr lang="it-IT" dirty="0"/>
+            </a:br>
+            <a:r>
+              <a:rPr lang="it-IT" dirty="0"/>
+              <a:t>si estrae il dato presente nel nodo e quest’ultimo viene cancellato;</a:t>
+            </a:r>
+          </a:p>
+          <a:p>
+            <a:pPr>
+              <a:buFont typeface="Arial" panose="020B0604020202020204" pitchFamily="34" charset="0"/>
+              <a:buChar char="•"/>
+            </a:pPr>
+            <a:r>
+              <a:rPr lang="it-IT" dirty="0"/>
+              <a:t>Coda vuota: Si rilascia il mutex e ci si mette in attesa su </a:t>
+            </a:r>
+            <a:r>
+              <a:rPr lang="it-IT" dirty="0" err="1"/>
+              <a:t>popsem</a:t>
+            </a:r>
+            <a:r>
+              <a:rPr lang="it-IT" dirty="0"/>
+              <a:t>;</a:t>
+            </a:r>
+          </a:p>
+        </p:txBody>
+      </p:sp>
+      <p:pic>
+        <p:nvPicPr>
+          <p:cNvPr id="6" name="Segnaposto contenuto 5" descr="Immagine che contiene testo, schermata, software, Software multimediale&#10;&#10;Descrizione generata automaticamente">
             <a:extLst>
               <a:ext uri="{FF2B5EF4-FFF2-40B4-BE49-F238E27FC236}">
-                <a16:creationId xmlns:a16="http://schemas.microsoft.com/office/drawing/2014/main" id="{27DB4A9C-A6CC-7ECD-94E9-26DCDD142B79}"/>
+                <a16:creationId xmlns:a16="http://schemas.microsoft.com/office/drawing/2014/main" id="{6232F99F-0CC3-301E-564E-8DB164936D60}"/>
               </a:ext>
             </a:extLst>
           </p:cNvPr>
-          <p:cNvSpPr>
-            <a:spLocks noGrp="1"/>
-          </p:cNvSpPr>
+          <p:cNvPicPr>
+            <a:picLocks noGrp="1" noChangeAspect="1"/>
+          </p:cNvPicPr>
           <p:nvPr>
             <p:ph sz="half" idx="2"/>
+          </p:nvPr>
+        </p:nvPicPr>
+        <p:blipFill>
+          <a:blip r:embed="rId2"/>
+          <a:stretch>
+            <a:fillRect/>
+          </a:stretch>
+        </p:blipFill>
+        <p:spPr>
+          <a:xfrm>
+            <a:off x="5891954" y="1687240"/>
+            <a:ext cx="6003994" cy="3483520"/>
+          </a:xfrm>
+        </p:spPr>
+      </p:pic>
+      <p:sp>
+        <p:nvSpPr>
+          <p:cNvPr id="7" name="Segnaposto numero diapositiva 6">
+            <a:extLst>
+              <a:ext uri="{FF2B5EF4-FFF2-40B4-BE49-F238E27FC236}">
+                <a16:creationId xmlns:a16="http://schemas.microsoft.com/office/drawing/2014/main" id="{0716290A-63D2-DADD-EFEE-829291B058CF}"/>
+              </a:ext>
+            </a:extLst>
+          </p:cNvPr>
+          <p:cNvSpPr>
+            <a:spLocks noGrp="1"/>
+          </p:cNvSpPr>
+          <p:nvPr>
+            <p:ph type="sldNum" sz="quarter" idx="12"/>
           </p:nvPr>
         </p:nvSpPr>
         <p:spPr/>
@@ -5472,20 +8690,27 @@
           <a:bodyPr/>
           <a:lstStyle/>
           <a:p>
-            <a:endParaRPr lang="it-IT"/>
+            <a:fld id="{69E57DC2-970A-4B3E-BB1C-7A09969E49DF}" type="slidenum">
+              <a:rPr lang="en-US" smtClean="0"/>
+              <a:t>6</a:t>
+            </a:fld>
+            <a:endParaRPr lang="en-US" dirty="0"/>
           </a:p>
         </p:txBody>
       </p:sp>
     </p:spTree>
     <p:extLst>
       <p:ext uri="{BB962C8B-B14F-4D97-AF65-F5344CB8AC3E}">
-        <p14:creationId xmlns:p14="http://schemas.microsoft.com/office/powerpoint/2010/main" val="659629074"/>
+        <p14:creationId xmlns:p14="http://schemas.microsoft.com/office/powerpoint/2010/main" val="1565352212"/>
       </p:ext>
     </p:extLst>
   </p:cSld>
   <p:clrMapOvr>
     <a:masterClrMapping/>
   </p:clrMapOvr>
+  <p:transition>
+    <p:fade/>
+  </p:transition>
 </p:sld>
 </file>
 
@@ -5511,7 +8736,7 @@
           <p:cNvPr id="2" name="Titolo 1">
             <a:extLst>
               <a:ext uri="{FF2B5EF4-FFF2-40B4-BE49-F238E27FC236}">
-                <a16:creationId xmlns:a16="http://schemas.microsoft.com/office/drawing/2014/main" id="{5E60FAE7-22C2-2965-5C82-5798FFAC04A6}"/>
+                <a16:creationId xmlns:a16="http://schemas.microsoft.com/office/drawing/2014/main" id="{5C7550D7-3F52-1D95-AB4B-E851D3CD5C6E}"/>
               </a:ext>
             </a:extLst>
           </p:cNvPr>
@@ -5522,50 +8747,62 @@
             <p:ph type="title"/>
           </p:nvPr>
         </p:nvSpPr>
-        <p:spPr/>
+        <p:spPr>
+          <a:xfrm>
+            <a:off x="1371600" y="685800"/>
+            <a:ext cx="9601200" cy="880241"/>
+          </a:xfrm>
+        </p:spPr>
         <p:txBody>
           <a:bodyPr/>
           <a:lstStyle/>
           <a:p>
             <a:r>
               <a:rPr lang="it-IT" b="1" dirty="0" err="1"/>
-              <a:t>Timetest</a:t>
-            </a:r>
-            <a:endParaRPr lang="it-IT" b="1" dirty="0"/>
-          </a:p>
-        </p:txBody>
-      </p:sp>
-      <p:sp>
-        <p:nvSpPr>
-          <p:cNvPr id="3" name="Segnaposto contenuto 2">
+              <a:t>Qdestroy</a:t>
+            </a:r>
+            <a:r>
+              <a:rPr lang="it-IT" b="1" dirty="0"/>
+              <a:t>()</a:t>
+            </a:r>
+          </a:p>
+        </p:txBody>
+      </p:sp>
+      <p:pic>
+        <p:nvPicPr>
+          <p:cNvPr id="6" name="Segnaposto contenuto 5" descr="Immagine che contiene testo, Carattere, schermata&#10;&#10;Descrizione generata automaticamente">
             <a:extLst>
               <a:ext uri="{FF2B5EF4-FFF2-40B4-BE49-F238E27FC236}">
-                <a16:creationId xmlns:a16="http://schemas.microsoft.com/office/drawing/2014/main" id="{4E4C0EEF-A7FB-E521-FC76-56B0969E1F83}"/>
+                <a16:creationId xmlns:a16="http://schemas.microsoft.com/office/drawing/2014/main" id="{CE7670E5-9DFF-4D55-569B-607DA2EAB4F6}"/>
               </a:ext>
             </a:extLst>
           </p:cNvPr>
-          <p:cNvSpPr>
-            <a:spLocks noGrp="1"/>
-          </p:cNvSpPr>
+          <p:cNvPicPr>
+            <a:picLocks noGrp="1" noChangeAspect="1"/>
+          </p:cNvPicPr>
           <p:nvPr>
             <p:ph sz="half" idx="1"/>
           </p:nvPr>
-        </p:nvSpPr>
-        <p:spPr/>
-        <p:txBody>
-          <a:bodyPr/>
-          <a:lstStyle/>
-          <a:p>
-            <a:endParaRPr lang="it-IT"/>
-          </a:p>
-        </p:txBody>
-      </p:sp>
+        </p:nvPicPr>
+        <p:blipFill>
+          <a:blip r:embed="rId2"/>
+          <a:stretch>
+            <a:fillRect/>
+          </a:stretch>
+        </p:blipFill>
+        <p:spPr>
+          <a:xfrm>
+            <a:off x="1862126" y="3488369"/>
+            <a:ext cx="4233874" cy="1803019"/>
+          </a:xfrm>
+        </p:spPr>
+      </p:pic>
       <p:sp>
         <p:nvSpPr>
           <p:cNvPr id="4" name="Segnaposto contenuto 3">
             <a:extLst>
               <a:ext uri="{FF2B5EF4-FFF2-40B4-BE49-F238E27FC236}">
-                <a16:creationId xmlns:a16="http://schemas.microsoft.com/office/drawing/2014/main" id="{B64FD4BE-1109-3D11-6028-B42DCE9FB46D}"/>
+                <a16:creationId xmlns:a16="http://schemas.microsoft.com/office/drawing/2014/main" id="{27DB4A9C-A6CC-7ECD-94E9-26DCDD142B79}"/>
               </a:ext>
             </a:extLst>
           </p:cNvPr>
@@ -5576,25 +8813,67 @@
             <p:ph sz="half" idx="2"/>
           </p:nvPr>
         </p:nvSpPr>
+        <p:spPr>
+          <a:xfrm>
+            <a:off x="1368975" y="2015360"/>
+            <a:ext cx="9601200" cy="1473009"/>
+          </a:xfrm>
+        </p:spPr>
+        <p:txBody>
+          <a:bodyPr>
+            <a:normAutofit/>
+          </a:bodyPr>
+          <a:lstStyle/>
+          <a:p>
+            <a:r>
+              <a:rPr lang="it-IT" dirty="0"/>
+              <a:t>Richiamando questa funzione, al termine dell’esecuzione delle operazioni di inserimento ed estrazione, si possono eliminare le configurazioni  dei semafori e viene liberata l’allocazione dinamica dei nodi e della coda.</a:t>
+            </a:r>
+          </a:p>
+        </p:txBody>
+      </p:sp>
+      <p:sp>
+        <p:nvSpPr>
+          <p:cNvPr id="7" name="Segnaposto numero diapositiva 6">
+            <a:extLst>
+              <a:ext uri="{FF2B5EF4-FFF2-40B4-BE49-F238E27FC236}">
+                <a16:creationId xmlns:a16="http://schemas.microsoft.com/office/drawing/2014/main" id="{4BF2C57A-9CE4-0BB6-B0B9-942934F3D2A0}"/>
+              </a:ext>
+            </a:extLst>
+          </p:cNvPr>
+          <p:cNvSpPr>
+            <a:spLocks noGrp="1"/>
+          </p:cNvSpPr>
+          <p:nvPr>
+            <p:ph type="sldNum" sz="quarter" idx="12"/>
+          </p:nvPr>
+        </p:nvSpPr>
         <p:spPr/>
         <p:txBody>
           <a:bodyPr/>
           <a:lstStyle/>
           <a:p>
-            <a:endParaRPr lang="it-IT"/>
+            <a:fld id="{69E57DC2-970A-4B3E-BB1C-7A09969E49DF}" type="slidenum">
+              <a:rPr lang="en-US" smtClean="0"/>
+              <a:t>7</a:t>
+            </a:fld>
+            <a:endParaRPr lang="en-US" dirty="0"/>
           </a:p>
         </p:txBody>
       </p:sp>
     </p:spTree>
     <p:extLst>
       <p:ext uri="{BB962C8B-B14F-4D97-AF65-F5344CB8AC3E}">
-        <p14:creationId xmlns:p14="http://schemas.microsoft.com/office/powerpoint/2010/main" val="4183064602"/>
+        <p14:creationId xmlns:p14="http://schemas.microsoft.com/office/powerpoint/2010/main" val="659629074"/>
       </p:ext>
     </p:extLst>
   </p:cSld>
   <p:clrMapOvr>
     <a:masterClrMapping/>
   </p:clrMapOvr>
+  <p:transition>
+    <p:fade/>
+  </p:transition>
 </p:sld>
 </file>
 
@@ -5620,7 +8899,7 @@
           <p:cNvPr id="2" name="Titolo 1">
             <a:extLst>
               <a:ext uri="{FF2B5EF4-FFF2-40B4-BE49-F238E27FC236}">
-                <a16:creationId xmlns:a16="http://schemas.microsoft.com/office/drawing/2014/main" id="{7C97B35D-0752-5B73-A41E-058DBFE20C55}"/>
+                <a16:creationId xmlns:a16="http://schemas.microsoft.com/office/drawing/2014/main" id="{1AFF9307-A407-2292-0E26-922D0D3379FD}"/>
               </a:ext>
             </a:extLst>
           </p:cNvPr>
@@ -5628,7 +8907,7 @@
             <a:spLocks noGrp="1"/>
           </p:cNvSpPr>
           <p:nvPr>
-            <p:ph type="title"/>
+            <p:ph type="ctrTitle"/>
           </p:nvPr>
         </p:nvSpPr>
         <p:spPr/>
@@ -5637,18 +8916,18 @@
           <a:lstStyle/>
           <a:p>
             <a:r>
-              <a:rPr lang="it-IT" b="1" dirty="0"/>
-              <a:t>Micropause</a:t>
-            </a:r>
-          </a:p>
-        </p:txBody>
-      </p:sp>
-      <p:sp>
-        <p:nvSpPr>
-          <p:cNvPr id="3" name="Segnaposto contenuto 2">
+              <a:rPr lang="it-IT" sz="5400" b="1" dirty="0"/>
+              <a:t>Fase di test</a:t>
+            </a:r>
+          </a:p>
+        </p:txBody>
+      </p:sp>
+      <p:sp>
+        <p:nvSpPr>
+          <p:cNvPr id="3" name="Sottotitolo 2">
             <a:extLst>
               <a:ext uri="{FF2B5EF4-FFF2-40B4-BE49-F238E27FC236}">
-                <a16:creationId xmlns:a16="http://schemas.microsoft.com/office/drawing/2014/main" id="{40FF492B-22FC-5C00-B6EA-ED04097176AD}"/>
+                <a16:creationId xmlns:a16="http://schemas.microsoft.com/office/drawing/2014/main" id="{D6B00DEE-F933-0BC9-4C66-A7E09DCA2F12}"/>
               </a:ext>
             </a:extLst>
           </p:cNvPr>
@@ -5656,24 +8935,28 @@
             <a:spLocks noGrp="1"/>
           </p:cNvSpPr>
           <p:nvPr>
-            <p:ph sz="half" idx="1"/>
+            <p:ph type="subTitle" idx="1"/>
           </p:nvPr>
         </p:nvSpPr>
         <p:spPr/>
         <p:txBody>
-          <a:bodyPr/>
+          <a:bodyPr anchor="ctr"/>
           <a:lstStyle/>
           <a:p>
-            <a:endParaRPr lang="it-IT"/>
-          </a:p>
-        </p:txBody>
-      </p:sp>
-      <p:sp>
-        <p:nvSpPr>
-          <p:cNvPr id="4" name="Segnaposto contenuto 3">
+            <a:pPr algn="r"/>
+            <a:r>
+              <a:rPr lang="it-IT" dirty="0"/>
+              <a:t>Preparazione dell’ambiente di test</a:t>
+            </a:r>
+          </a:p>
+        </p:txBody>
+      </p:sp>
+      <p:sp>
+        <p:nvSpPr>
+          <p:cNvPr id="4" name="Segnaposto numero diapositiva 3">
             <a:extLst>
               <a:ext uri="{FF2B5EF4-FFF2-40B4-BE49-F238E27FC236}">
-                <a16:creationId xmlns:a16="http://schemas.microsoft.com/office/drawing/2014/main" id="{B9E11628-F408-AFED-5A24-12D882D9D27D}"/>
+                <a16:creationId xmlns:a16="http://schemas.microsoft.com/office/drawing/2014/main" id="{88470EF9-BCB8-9800-1016-4E027D84FECF}"/>
               </a:ext>
             </a:extLst>
           </p:cNvPr>
@@ -5681,7 +8964,7 @@
             <a:spLocks noGrp="1"/>
           </p:cNvSpPr>
           <p:nvPr>
-            <p:ph sz="half" idx="2"/>
+            <p:ph type="sldNum" sz="quarter" idx="12"/>
           </p:nvPr>
         </p:nvSpPr>
         <p:spPr/>
@@ -5689,20 +8972,28 @@
           <a:bodyPr/>
           <a:lstStyle/>
           <a:p>
-            <a:endParaRPr lang="it-IT"/>
+            <a:fld id="{69E57DC2-970A-4B3E-BB1C-7A09969E49DF}" type="slidenum">
+              <a:rPr lang="en-US" smtClean="0"/>
+              <a:pPr/>
+              <a:t>8</a:t>
+            </a:fld>
+            <a:endParaRPr lang="en-US" dirty="0"/>
           </a:p>
         </p:txBody>
       </p:sp>
     </p:spTree>
     <p:extLst>
       <p:ext uri="{BB962C8B-B14F-4D97-AF65-F5344CB8AC3E}">
-        <p14:creationId xmlns:p14="http://schemas.microsoft.com/office/powerpoint/2010/main" val="683344356"/>
+        <p14:creationId xmlns:p14="http://schemas.microsoft.com/office/powerpoint/2010/main" val="1095608206"/>
       </p:ext>
     </p:extLst>
   </p:cSld>
   <p:clrMapOvr>
     <a:masterClrMapping/>
   </p:clrMapOvr>
+  <p:transition>
+    <p:fade/>
+  </p:transition>
 </p:sld>
 </file>
 
@@ -5962,4 +9253,299 @@
     </a:ext>
   </a:extLst>
 </a:theme>
+</file>
+
+<file path=ppt/theme/theme2.xml><?xml version="1.0" encoding="utf-8"?>
+<a:theme xmlns:a="http://schemas.openxmlformats.org/drawingml/2006/main" name="Tema di Office">
+  <a:themeElements>
+    <a:clrScheme name="Office">
+      <a:dk1>
+        <a:sysClr val="windowText" lastClr="000000"/>
+      </a:dk1>
+      <a:lt1>
+        <a:sysClr val="window" lastClr="FFFFFF"/>
+      </a:lt1>
+      <a:dk2>
+        <a:srgbClr val="44546A"/>
+      </a:dk2>
+      <a:lt2>
+        <a:srgbClr val="E7E6E6"/>
+      </a:lt2>
+      <a:accent1>
+        <a:srgbClr val="4472C4"/>
+      </a:accent1>
+      <a:accent2>
+        <a:srgbClr val="ED7D31"/>
+      </a:accent2>
+      <a:accent3>
+        <a:srgbClr val="A5A5A5"/>
+      </a:accent3>
+      <a:accent4>
+        <a:srgbClr val="FFC000"/>
+      </a:accent4>
+      <a:accent5>
+        <a:srgbClr val="5B9BD5"/>
+      </a:accent5>
+      <a:accent6>
+        <a:srgbClr val="70AD47"/>
+      </a:accent6>
+      <a:hlink>
+        <a:srgbClr val="0563C1"/>
+      </a:hlink>
+      <a:folHlink>
+        <a:srgbClr val="954F72"/>
+      </a:folHlink>
+    </a:clrScheme>
+    <a:fontScheme name="Office">
+      <a:majorFont>
+        <a:latin typeface="Calibri Light" panose="020F0302020204030204"/>
+        <a:ea typeface=""/>
+        <a:cs typeface=""/>
+        <a:font script="Jpan" typeface="游ゴシック Light"/>
+        <a:font script="Hang" typeface="맑은 고딕"/>
+        <a:font script="Hans" typeface="等线 Light"/>
+        <a:font script="Hant" typeface="新細明體"/>
+        <a:font script="Arab" typeface="Times New Roman"/>
+        <a:font script="Hebr" typeface="Times New Roman"/>
+        <a:font script="Thai" typeface="Angsana New"/>
+        <a:font script="Ethi" typeface="Nyala"/>
+        <a:font script="Beng" typeface="Vrinda"/>
+        <a:font script="Gujr" typeface="Shruti"/>
+        <a:font script="Khmr" typeface="MoolBoran"/>
+        <a:font script="Knda" typeface="Tunga"/>
+        <a:font script="Guru" typeface="Raavi"/>
+        <a:font script="Cans" typeface="Euphemia"/>
+        <a:font script="Cher" typeface="Plantagenet Cherokee"/>
+        <a:font script="Yiii" typeface="Microsoft Yi Baiti"/>
+        <a:font script="Tibt" typeface="Microsoft Himalaya"/>
+        <a:font script="Thaa" typeface="MV Boli"/>
+        <a:font script="Deva" typeface="Mangal"/>
+        <a:font script="Telu" typeface="Gautami"/>
+        <a:font script="Taml" typeface="Latha"/>
+        <a:font script="Syrc" typeface="Estrangelo Edessa"/>
+        <a:font script="Orya" typeface="Kalinga"/>
+        <a:font script="Mlym" typeface="Kartika"/>
+        <a:font script="Laoo" typeface="DokChampa"/>
+        <a:font script="Sinh" typeface="Iskoola Pota"/>
+        <a:font script="Mong" typeface="Mongolian Baiti"/>
+        <a:font script="Viet" typeface="Times New Roman"/>
+        <a:font script="Uigh" typeface="Microsoft Uighur"/>
+        <a:font script="Geor" typeface="Sylfaen"/>
+        <a:font script="Armn" typeface="Arial"/>
+        <a:font script="Bugi" typeface="Leelawadee UI"/>
+        <a:font script="Bopo" typeface="Microsoft JhengHei"/>
+        <a:font script="Java" typeface="Javanese Text"/>
+        <a:font script="Lisu" typeface="Segoe UI"/>
+        <a:font script="Mymr" typeface="Myanmar Text"/>
+        <a:font script="Nkoo" typeface="Ebrima"/>
+        <a:font script="Olck" typeface="Nirmala UI"/>
+        <a:font script="Osma" typeface="Ebrima"/>
+        <a:font script="Phag" typeface="Phagspa"/>
+        <a:font script="Syrn" typeface="Estrangelo Edessa"/>
+        <a:font script="Syrj" typeface="Estrangelo Edessa"/>
+        <a:font script="Syre" typeface="Estrangelo Edessa"/>
+        <a:font script="Sora" typeface="Nirmala UI"/>
+        <a:font script="Tale" typeface="Microsoft Tai Le"/>
+        <a:font script="Talu" typeface="Microsoft New Tai Lue"/>
+        <a:font script="Tfng" typeface="Ebrima"/>
+      </a:majorFont>
+      <a:minorFont>
+        <a:latin typeface="Calibri" panose="020F0502020204030204"/>
+        <a:ea typeface=""/>
+        <a:cs typeface=""/>
+        <a:font script="Jpan" typeface="游ゴシック"/>
+        <a:font script="Hang" typeface="맑은 고딕"/>
+        <a:font script="Hans" typeface="等线"/>
+        <a:font script="Hant" typeface="新細明體"/>
+        <a:font script="Arab" typeface="Arial"/>
+        <a:font script="Hebr" typeface="Arial"/>
+        <a:font script="Thai" typeface="Cordia New"/>
+        <a:font script="Ethi" typeface="Nyala"/>
+        <a:font script="Beng" typeface="Vrinda"/>
+        <a:font script="Gujr" typeface="Shruti"/>
+        <a:font script="Khmr" typeface="DaunPenh"/>
+        <a:font script="Knda" typeface="Tunga"/>
+        <a:font script="Guru" typeface="Raavi"/>
+        <a:font script="Cans" typeface="Euphemia"/>
+        <a:font script="Cher" typeface="Plantagenet Cherokee"/>
+        <a:font script="Yiii" typeface="Microsoft Yi Baiti"/>
+        <a:font script="Tibt" typeface="Microsoft Himalaya"/>
+        <a:font script="Thaa" typeface="MV Boli"/>
+        <a:font script="Deva" typeface="Mangal"/>
+        <a:font script="Telu" typeface="Gautami"/>
+        <a:font script="Taml" typeface="Latha"/>
+        <a:font script="Syrc" typeface="Estrangelo Edessa"/>
+        <a:font script="Orya" typeface="Kalinga"/>
+        <a:font script="Mlym" typeface="Kartika"/>
+        <a:font script="Laoo" typeface="DokChampa"/>
+        <a:font script="Sinh" typeface="Iskoola Pota"/>
+        <a:font script="Mong" typeface="Mongolian Baiti"/>
+        <a:font script="Viet" typeface="Arial"/>
+        <a:font script="Uigh" typeface="Microsoft Uighur"/>
+        <a:font script="Geor" typeface="Sylfaen"/>
+        <a:font script="Armn" typeface="Arial"/>
+        <a:font script="Bugi" typeface="Leelawadee UI"/>
+        <a:font script="Bopo" typeface="Microsoft JhengHei"/>
+        <a:font script="Java" typeface="Javanese Text"/>
+        <a:font script="Lisu" typeface="Segoe UI"/>
+        <a:font script="Mymr" typeface="Myanmar Text"/>
+        <a:font script="Nkoo" typeface="Ebrima"/>
+        <a:font script="Olck" typeface="Nirmala UI"/>
+        <a:font script="Osma" typeface="Ebrima"/>
+        <a:font script="Phag" typeface="Phagspa"/>
+        <a:font script="Syrn" typeface="Estrangelo Edessa"/>
+        <a:font script="Syrj" typeface="Estrangelo Edessa"/>
+        <a:font script="Syre" typeface="Estrangelo Edessa"/>
+        <a:font script="Sora" typeface="Nirmala UI"/>
+        <a:font script="Tale" typeface="Microsoft Tai Le"/>
+        <a:font script="Talu" typeface="Microsoft New Tai Lue"/>
+        <a:font script="Tfng" typeface="Ebrima"/>
+      </a:minorFont>
+    </a:fontScheme>
+    <a:fmtScheme name="Office">
+      <a:fillStyleLst>
+        <a:solidFill>
+          <a:schemeClr val="phClr"/>
+        </a:solidFill>
+        <a:gradFill rotWithShape="1">
+          <a:gsLst>
+            <a:gs pos="0">
+              <a:schemeClr val="phClr">
+                <a:lumMod val="110000"/>
+                <a:satMod val="105000"/>
+                <a:tint val="67000"/>
+              </a:schemeClr>
+            </a:gs>
+            <a:gs pos="50000">
+              <a:schemeClr val="phClr">
+                <a:lumMod val="105000"/>
+                <a:satMod val="103000"/>
+                <a:tint val="73000"/>
+              </a:schemeClr>
+            </a:gs>
+            <a:gs pos="100000">
+              <a:schemeClr val="phClr">
+                <a:lumMod val="105000"/>
+                <a:satMod val="109000"/>
+                <a:tint val="81000"/>
+              </a:schemeClr>
+            </a:gs>
+          </a:gsLst>
+          <a:lin ang="5400000" scaled="0"/>
+        </a:gradFill>
+        <a:gradFill rotWithShape="1">
+          <a:gsLst>
+            <a:gs pos="0">
+              <a:schemeClr val="phClr">
+                <a:satMod val="103000"/>
+                <a:lumMod val="102000"/>
+                <a:tint val="94000"/>
+              </a:schemeClr>
+            </a:gs>
+            <a:gs pos="50000">
+              <a:schemeClr val="phClr">
+                <a:satMod val="110000"/>
+                <a:lumMod val="100000"/>
+                <a:shade val="100000"/>
+              </a:schemeClr>
+            </a:gs>
+            <a:gs pos="100000">
+              <a:schemeClr val="phClr">
+                <a:lumMod val="99000"/>
+                <a:satMod val="120000"/>
+                <a:shade val="78000"/>
+              </a:schemeClr>
+            </a:gs>
+          </a:gsLst>
+          <a:lin ang="5400000" scaled="0"/>
+        </a:gradFill>
+      </a:fillStyleLst>
+      <a:lnStyleLst>
+        <a:ln w="6350" cap="flat" cmpd="sng" algn="ctr">
+          <a:solidFill>
+            <a:schemeClr val="phClr"/>
+          </a:solidFill>
+          <a:prstDash val="solid"/>
+          <a:miter lim="800000"/>
+        </a:ln>
+        <a:ln w="12700" cap="flat" cmpd="sng" algn="ctr">
+          <a:solidFill>
+            <a:schemeClr val="phClr"/>
+          </a:solidFill>
+          <a:prstDash val="solid"/>
+          <a:miter lim="800000"/>
+        </a:ln>
+        <a:ln w="19050" cap="flat" cmpd="sng" algn="ctr">
+          <a:solidFill>
+            <a:schemeClr val="phClr"/>
+          </a:solidFill>
+          <a:prstDash val="solid"/>
+          <a:miter lim="800000"/>
+        </a:ln>
+      </a:lnStyleLst>
+      <a:effectStyleLst>
+        <a:effectStyle>
+          <a:effectLst/>
+        </a:effectStyle>
+        <a:effectStyle>
+          <a:effectLst/>
+        </a:effectStyle>
+        <a:effectStyle>
+          <a:effectLst>
+            <a:outerShdw blurRad="57150" dist="19050" dir="5400000" algn="ctr" rotWithShape="0">
+              <a:srgbClr val="000000">
+                <a:alpha val="63000"/>
+              </a:srgbClr>
+            </a:outerShdw>
+          </a:effectLst>
+        </a:effectStyle>
+      </a:effectStyleLst>
+      <a:bgFillStyleLst>
+        <a:solidFill>
+          <a:schemeClr val="phClr"/>
+        </a:solidFill>
+        <a:solidFill>
+          <a:schemeClr val="phClr">
+            <a:tint val="95000"/>
+            <a:satMod val="170000"/>
+          </a:schemeClr>
+        </a:solidFill>
+        <a:gradFill rotWithShape="1">
+          <a:gsLst>
+            <a:gs pos="0">
+              <a:schemeClr val="phClr">
+                <a:tint val="93000"/>
+                <a:satMod val="150000"/>
+                <a:shade val="98000"/>
+                <a:lumMod val="102000"/>
+              </a:schemeClr>
+            </a:gs>
+            <a:gs pos="50000">
+              <a:schemeClr val="phClr">
+                <a:tint val="98000"/>
+                <a:satMod val="130000"/>
+                <a:shade val="90000"/>
+                <a:lumMod val="103000"/>
+              </a:schemeClr>
+            </a:gs>
+            <a:gs pos="100000">
+              <a:schemeClr val="phClr">
+                <a:shade val="63000"/>
+                <a:satMod val="120000"/>
+              </a:schemeClr>
+            </a:gs>
+          </a:gsLst>
+          <a:lin ang="5400000" scaled="0"/>
+        </a:gradFill>
+      </a:bgFillStyleLst>
+    </a:fmtScheme>
+  </a:themeElements>
+  <a:objectDefaults/>
+  <a:extraClrSchemeLst/>
+  <a:extLst>
+    <a:ext uri="{05A4C25C-085E-4340-85A3-A5531E510DB2}">
+      <thm15:themeFamily xmlns:thm15="http://schemas.microsoft.com/office/thememl/2012/main" name="Office Theme" id="{62F939B6-93AF-4DB8-9C6B-D6C7DFDC589F}" vid="{4A3C46E8-61CC-4603-A589-7422A47A8E4A}"/>
+    </a:ext>
+  </a:extLst>
+</a:theme>
 </file>
--- a/Presentazione progetto rtes.pptx
+++ b/Presentazione progetto rtes.pptx
@@ -8230,12 +8230,41 @@
           </a:p>
         </p:txBody>
       </p:sp>
+      <p:sp>
+        <p:nvSpPr>
+          <p:cNvPr id="4" name="Segnaposto numero diapositiva 3">
+            <a:extLst>
+              <a:ext uri="{FF2B5EF4-FFF2-40B4-BE49-F238E27FC236}">
+                <a16:creationId xmlns:a16="http://schemas.microsoft.com/office/drawing/2014/main" id="{A96D3965-2E18-6046-D8A2-56A8F5FC1672}"/>
+              </a:ext>
+            </a:extLst>
+          </p:cNvPr>
+          <p:cNvSpPr>
+            <a:spLocks noGrp="1"/>
+          </p:cNvSpPr>
+          <p:nvPr>
+            <p:ph type="sldNum" sz="quarter" idx="12"/>
+          </p:nvPr>
+        </p:nvSpPr>
+        <p:spPr/>
+        <p:txBody>
+          <a:bodyPr/>
+          <a:lstStyle/>
+          <a:p>
+            <a:fld id="{69E57DC2-970A-4B3E-BB1C-7A09969E49DF}" type="slidenum">
+              <a:rPr lang="en-US" smtClean="0"/>
+              <a:t>4</a:t>
+            </a:fld>
+            <a:endParaRPr lang="en-US" dirty="0"/>
+          </a:p>
+        </p:txBody>
+      </p:sp>
       <p:pic>
         <p:nvPicPr>
-          <p:cNvPr id="6" name="Segnaposto contenuto 5" descr="Immagine che contiene testo, schermata, Carattere&#10;&#10;Descrizione generata automaticamente">
+          <p:cNvPr id="13" name="Segnaposto contenuto 12" descr="Immagine che contiene testo, schermata, Carattere&#10;&#10;Descrizione generata automaticamente">
             <a:extLst>
               <a:ext uri="{FF2B5EF4-FFF2-40B4-BE49-F238E27FC236}">
-                <a16:creationId xmlns:a16="http://schemas.microsoft.com/office/drawing/2014/main" id="{CCBAF6BE-AD02-CFEE-6FB3-8D9D69D6435D}"/>
+                <a16:creationId xmlns:a16="http://schemas.microsoft.com/office/drawing/2014/main" id="{DC64E294-BFB6-151C-49E0-3A98F6ECB616}"/>
               </a:ext>
             </a:extLst>
           </p:cNvPr>
@@ -8254,40 +8283,11 @@
         </p:blipFill>
         <p:spPr>
           <a:xfrm>
-            <a:off x="6096000" y="2165618"/>
-            <a:ext cx="5263618" cy="3763695"/>
+            <a:off x="5819387" y="2030078"/>
+            <a:ext cx="5153414" cy="3600518"/>
           </a:xfrm>
         </p:spPr>
       </p:pic>
-      <p:sp>
-        <p:nvSpPr>
-          <p:cNvPr id="4" name="Segnaposto numero diapositiva 3">
-            <a:extLst>
-              <a:ext uri="{FF2B5EF4-FFF2-40B4-BE49-F238E27FC236}">
-                <a16:creationId xmlns:a16="http://schemas.microsoft.com/office/drawing/2014/main" id="{A96D3965-2E18-6046-D8A2-56A8F5FC1672}"/>
-              </a:ext>
-            </a:extLst>
-          </p:cNvPr>
-          <p:cNvSpPr>
-            <a:spLocks noGrp="1"/>
-          </p:cNvSpPr>
-          <p:nvPr>
-            <p:ph type="sldNum" sz="quarter" idx="12"/>
-          </p:nvPr>
-        </p:nvSpPr>
-        <p:spPr/>
-        <p:txBody>
-          <a:bodyPr/>
-          <a:lstStyle/>
-          <a:p>
-            <a:fld id="{69E57DC2-970A-4B3E-BB1C-7A09969E49DF}" type="slidenum">
-              <a:rPr lang="en-US" smtClean="0"/>
-              <a:t>4</a:t>
-            </a:fld>
-            <a:endParaRPr lang="en-US" dirty="0"/>
-          </a:p>
-        </p:txBody>
-      </p:sp>
     </p:spTree>
     <p:extLst>
       <p:ext uri="{BB962C8B-B14F-4D97-AF65-F5344CB8AC3E}">

--- a/Presentazione progetto rtes.pptx
+++ b/Presentazione progetto rtes.pptx
@@ -1627,7 +1627,7 @@
           <a:p>
             <a:fld id="{21807D79-2D51-3242-953E-CF37BB36D48B}" type="datetimeFigureOut">
               <a:rPr lang="it-IT" smtClean="0"/>
-              <a:t>23/11/23</a:t>
+              <a:t>24/11/23</a:t>
             </a:fld>
             <a:endParaRPr lang="it-IT"/>
           </a:p>
@@ -2063,7 +2063,7 @@
           <a:p>
             <a:fld id="{93390644-2D21-204A-B581-761C352473E7}" type="datetime1">
               <a:rPr lang="it-IT" smtClean="0"/>
-              <a:t>23/11/23</a:t>
+              <a:t>24/11/23</a:t>
             </a:fld>
             <a:endParaRPr lang="en-US" dirty="0"/>
           </a:p>
@@ -2397,7 +2397,7 @@
           <a:p>
             <a:fld id="{F8297E00-0355-FE4D-B110-26598F51B6DD}" type="datetime1">
               <a:rPr lang="it-IT" smtClean="0"/>
-              <a:t>23/11/23</a:t>
+              <a:t>24/11/23</a:t>
             </a:fld>
             <a:endParaRPr lang="en-US" dirty="0"/>
           </a:p>
@@ -2580,7 +2580,7 @@
           <a:p>
             <a:fld id="{8CA81B79-BA9A-B849-8143-082AFCABDC87}" type="datetime1">
               <a:rPr lang="it-IT" smtClean="0"/>
-              <a:t>23/11/23</a:t>
+              <a:t>24/11/23</a:t>
             </a:fld>
             <a:endParaRPr lang="en-US" dirty="0"/>
           </a:p>
@@ -2754,7 +2754,7 @@
           <a:p>
             <a:fld id="{5392623D-2DCB-174A-BC9B-3E247E7063CD}" type="datetime1">
               <a:rPr lang="it-IT" smtClean="0"/>
-              <a:t>23/11/23</a:t>
+              <a:t>24/11/23</a:t>
             </a:fld>
             <a:endParaRPr lang="en-US" dirty="0"/>
           </a:p>
@@ -3034,7 +3034,7 @@
           <a:p>
             <a:fld id="{E067934C-83E2-D344-A233-A1EFEE0C80EC}" type="datetime1">
               <a:rPr lang="it-IT" smtClean="0"/>
-              <a:t>23/11/23</a:t>
+              <a:t>24/11/23</a:t>
             </a:fld>
             <a:endParaRPr lang="en-US" dirty="0"/>
           </a:p>
@@ -3432,7 +3432,7 @@
           <a:p>
             <a:fld id="{ED88A74A-6D5A-884F-A3F9-1BCDF06D34AA}" type="datetime1">
               <a:rPr lang="it-IT" smtClean="0"/>
-              <a:t>23/11/23</a:t>
+              <a:t>24/11/23</a:t>
             </a:fld>
             <a:endParaRPr lang="en-US" dirty="0"/>
           </a:p>
@@ -3912,7 +3912,7 @@
           <a:p>
             <a:fld id="{015D58A0-E1E8-3045-B4A7-325AAC2AB2F5}" type="datetime1">
               <a:rPr lang="it-IT" smtClean="0"/>
-              <a:t>23/11/23</a:t>
+              <a:t>24/11/23</a:t>
             </a:fld>
             <a:endParaRPr lang="en-US" dirty="0"/>
           </a:p>
@@ -4033,7 +4033,7 @@
           <a:p>
             <a:fld id="{FD40EDB8-D27C-3D4F-B07A-46EE75D6040A}" type="datetime1">
               <a:rPr lang="it-IT" smtClean="0"/>
-              <a:t>23/11/23</a:t>
+              <a:t>24/11/23</a:t>
             </a:fld>
             <a:endParaRPr lang="en-US" dirty="0"/>
           </a:p>
@@ -4131,7 +4131,7 @@
           <a:p>
             <a:fld id="{8FA07E1F-2427-4940-99B2-A598A26A25A7}" type="datetime1">
               <a:rPr lang="it-IT" smtClean="0"/>
-              <a:t>23/11/23</a:t>
+              <a:t>24/11/23</a:t>
             </a:fld>
             <a:endParaRPr lang="en-US" dirty="0"/>
           </a:p>
@@ -4480,7 +4480,7 @@
           <a:p>
             <a:fld id="{8FBFD3CD-5BB2-7344-BB84-BF22F472B7A7}" type="datetime1">
               <a:rPr lang="it-IT" smtClean="0"/>
-              <a:t>23/11/23</a:t>
+              <a:t>24/11/23</a:t>
             </a:fld>
             <a:endParaRPr lang="en-US" dirty="0"/>
           </a:p>
@@ -4872,7 +4872,7 @@
           <a:p>
             <a:fld id="{A83EF758-81D7-4E4A-9072-3972B1C1503D}" type="datetime1">
               <a:rPr lang="it-IT" smtClean="0"/>
-              <a:t>23/11/23</a:t>
+              <a:t>24/11/23</a:t>
             </a:fld>
             <a:endParaRPr lang="en-US" dirty="0"/>
           </a:p>
@@ -5154,7 +5154,7 @@
           <a:p>
             <a:fld id="{0E9E65DC-D79F-EF46-9253-92FD33EB5EF8}" type="datetime1">
               <a:rPr lang="it-IT" smtClean="0"/>
-              <a:t>23/11/23</a:t>
+              <a:t>24/11/23</a:t>
             </a:fld>
             <a:endParaRPr lang="en-US" dirty="0"/>
           </a:p>
@@ -8768,12 +8768,76 @@
           </a:p>
         </p:txBody>
       </p:sp>
+      <p:sp>
+        <p:nvSpPr>
+          <p:cNvPr id="4" name="Segnaposto contenuto 3">
+            <a:extLst>
+              <a:ext uri="{FF2B5EF4-FFF2-40B4-BE49-F238E27FC236}">
+                <a16:creationId xmlns:a16="http://schemas.microsoft.com/office/drawing/2014/main" id="{27DB4A9C-A6CC-7ECD-94E9-26DCDD142B79}"/>
+              </a:ext>
+            </a:extLst>
+          </p:cNvPr>
+          <p:cNvSpPr>
+            <a:spLocks noGrp="1"/>
+          </p:cNvSpPr>
+          <p:nvPr>
+            <p:ph sz="half" idx="2"/>
+          </p:nvPr>
+        </p:nvSpPr>
+        <p:spPr>
+          <a:xfrm>
+            <a:off x="1368975" y="2015360"/>
+            <a:ext cx="9601200" cy="1473009"/>
+          </a:xfrm>
+        </p:spPr>
+        <p:txBody>
+          <a:bodyPr>
+            <a:normAutofit/>
+          </a:bodyPr>
+          <a:lstStyle/>
+          <a:p>
+            <a:r>
+              <a:rPr lang="it-IT" dirty="0"/>
+              <a:t>Richiamando questa funzione, al termine dell’esecuzione delle operazioni di inserimento ed estrazione, si possono eliminare le configurazioni  dei semafori e viene liberata l’allocazione dinamica dei nodi e della coda.</a:t>
+            </a:r>
+          </a:p>
+        </p:txBody>
+      </p:sp>
+      <p:sp>
+        <p:nvSpPr>
+          <p:cNvPr id="7" name="Segnaposto numero diapositiva 6">
+            <a:extLst>
+              <a:ext uri="{FF2B5EF4-FFF2-40B4-BE49-F238E27FC236}">
+                <a16:creationId xmlns:a16="http://schemas.microsoft.com/office/drawing/2014/main" id="{4BF2C57A-9CE4-0BB6-B0B9-942934F3D2A0}"/>
+              </a:ext>
+            </a:extLst>
+          </p:cNvPr>
+          <p:cNvSpPr>
+            <a:spLocks noGrp="1"/>
+          </p:cNvSpPr>
+          <p:nvPr>
+            <p:ph type="sldNum" sz="quarter" idx="12"/>
+          </p:nvPr>
+        </p:nvSpPr>
+        <p:spPr/>
+        <p:txBody>
+          <a:bodyPr/>
+          <a:lstStyle/>
+          <a:p>
+            <a:fld id="{69E57DC2-970A-4B3E-BB1C-7A09969E49DF}" type="slidenum">
+              <a:rPr lang="en-US" smtClean="0"/>
+              <a:t>7</a:t>
+            </a:fld>
+            <a:endParaRPr lang="en-US" dirty="0"/>
+          </a:p>
+        </p:txBody>
+      </p:sp>
       <p:pic>
         <p:nvPicPr>
-          <p:cNvPr id="6" name="Segnaposto contenuto 5" descr="Immagine che contiene testo, Carattere, schermata&#10;&#10;Descrizione generata automaticamente">
+          <p:cNvPr id="9" name="Segnaposto contenuto 8" descr="Immagine che contiene testo, schermata, Carattere&#10;&#10;Descrizione generata automaticamente">
             <a:extLst>
               <a:ext uri="{FF2B5EF4-FFF2-40B4-BE49-F238E27FC236}">
-                <a16:creationId xmlns:a16="http://schemas.microsoft.com/office/drawing/2014/main" id="{CE7670E5-9DFF-4D55-569B-607DA2EAB4F6}"/>
+                <a16:creationId xmlns:a16="http://schemas.microsoft.com/office/drawing/2014/main" id="{D1159FD3-82B2-6035-6FBF-03D8FEB31059}"/>
               </a:ext>
             </a:extLst>
           </p:cNvPr>
@@ -8792,75 +8856,11 @@
         </p:blipFill>
         <p:spPr>
           <a:xfrm>
-            <a:off x="1862126" y="3488369"/>
-            <a:ext cx="4233874" cy="1803019"/>
+            <a:off x="1863786" y="3098800"/>
+            <a:ext cx="3416300" cy="3073400"/>
           </a:xfrm>
         </p:spPr>
       </p:pic>
-      <p:sp>
-        <p:nvSpPr>
-          <p:cNvPr id="4" name="Segnaposto contenuto 3">
-            <a:extLst>
-              <a:ext uri="{FF2B5EF4-FFF2-40B4-BE49-F238E27FC236}">
-                <a16:creationId xmlns:a16="http://schemas.microsoft.com/office/drawing/2014/main" id="{27DB4A9C-A6CC-7ECD-94E9-26DCDD142B79}"/>
-              </a:ext>
-            </a:extLst>
-          </p:cNvPr>
-          <p:cNvSpPr>
-            <a:spLocks noGrp="1"/>
-          </p:cNvSpPr>
-          <p:nvPr>
-            <p:ph sz="half" idx="2"/>
-          </p:nvPr>
-        </p:nvSpPr>
-        <p:spPr>
-          <a:xfrm>
-            <a:off x="1368975" y="2015360"/>
-            <a:ext cx="9601200" cy="1473009"/>
-          </a:xfrm>
-        </p:spPr>
-        <p:txBody>
-          <a:bodyPr>
-            <a:normAutofit/>
-          </a:bodyPr>
-          <a:lstStyle/>
-          <a:p>
-            <a:r>
-              <a:rPr lang="it-IT" dirty="0"/>
-              <a:t>Richiamando questa funzione, al termine dell’esecuzione delle operazioni di inserimento ed estrazione, si possono eliminare le configurazioni  dei semafori e viene liberata l’allocazione dinamica dei nodi e della coda.</a:t>
-            </a:r>
-          </a:p>
-        </p:txBody>
-      </p:sp>
-      <p:sp>
-        <p:nvSpPr>
-          <p:cNvPr id="7" name="Segnaposto numero diapositiva 6">
-            <a:extLst>
-              <a:ext uri="{FF2B5EF4-FFF2-40B4-BE49-F238E27FC236}">
-                <a16:creationId xmlns:a16="http://schemas.microsoft.com/office/drawing/2014/main" id="{4BF2C57A-9CE4-0BB6-B0B9-942934F3D2A0}"/>
-              </a:ext>
-            </a:extLst>
-          </p:cNvPr>
-          <p:cNvSpPr>
-            <a:spLocks noGrp="1"/>
-          </p:cNvSpPr>
-          <p:nvPr>
-            <p:ph type="sldNum" sz="quarter" idx="12"/>
-          </p:nvPr>
-        </p:nvSpPr>
-        <p:spPr/>
-        <p:txBody>
-          <a:bodyPr/>
-          <a:lstStyle/>
-          <a:p>
-            <a:fld id="{69E57DC2-970A-4B3E-BB1C-7A09969E49DF}" type="slidenum">
-              <a:rPr lang="en-US" smtClean="0"/>
-              <a:t>7</a:t>
-            </a:fld>
-            <a:endParaRPr lang="en-US" dirty="0"/>
-          </a:p>
-        </p:txBody>
-      </p:sp>
     </p:spTree>
     <p:extLst>
       <p:ext uri="{BB962C8B-B14F-4D97-AF65-F5344CB8AC3E}">
